--- a/BattleShipServer.pptx
+++ b/BattleShipServer.pptx
@@ -11,11 +11,11 @@
     <p:sldId id="256" r:id="rId2"/>
     <p:sldId id="257" r:id="rId3"/>
     <p:sldId id="258" r:id="rId4"/>
-    <p:sldId id="262" r:id="rId5"/>
-    <p:sldId id="259" r:id="rId6"/>
-    <p:sldId id="260" r:id="rId7"/>
-    <p:sldId id="264" r:id="rId8"/>
-    <p:sldId id="265" r:id="rId9"/>
+    <p:sldId id="264" r:id="rId5"/>
+    <p:sldId id="265" r:id="rId6"/>
+    <p:sldId id="262" r:id="rId7"/>
+    <p:sldId id="259" r:id="rId8"/>
+    <p:sldId id="260" r:id="rId9"/>
     <p:sldId id="267" r:id="rId10"/>
     <p:sldId id="268" r:id="rId11"/>
     <p:sldId id="269" r:id="rId12"/>
@@ -833,7 +833,7 @@
     </p:spTree>
     <p:extLst>
       <p:ext uri="{BB962C8B-B14F-4D97-AF65-F5344CB8AC3E}">
-        <p14:creationId xmlns:p14="http://schemas.microsoft.com/office/powerpoint/2010/main" val="580092748"/>
+        <p14:creationId xmlns:p14="http://schemas.microsoft.com/office/powerpoint/2010/main" val="411006755"/>
       </p:ext>
     </p:extLst>
   </p:cSld>
@@ -922,7 +922,7 @@
     </p:spTree>
     <p:extLst>
       <p:ext uri="{BB962C8B-B14F-4D97-AF65-F5344CB8AC3E}">
-        <p14:creationId xmlns:p14="http://schemas.microsoft.com/office/powerpoint/2010/main" val="462060676"/>
+        <p14:creationId xmlns:p14="http://schemas.microsoft.com/office/powerpoint/2010/main" val="411006755"/>
       </p:ext>
     </p:extLst>
   </p:cSld>
@@ -1011,7 +1011,7 @@
     </p:spTree>
     <p:extLst>
       <p:ext uri="{BB962C8B-B14F-4D97-AF65-F5344CB8AC3E}">
-        <p14:creationId xmlns:p14="http://schemas.microsoft.com/office/powerpoint/2010/main" val="1216714298"/>
+        <p14:creationId xmlns:p14="http://schemas.microsoft.com/office/powerpoint/2010/main" val="580092748"/>
       </p:ext>
     </p:extLst>
   </p:cSld>
@@ -1100,7 +1100,7 @@
     </p:spTree>
     <p:extLst>
       <p:ext uri="{BB962C8B-B14F-4D97-AF65-F5344CB8AC3E}">
-        <p14:creationId xmlns:p14="http://schemas.microsoft.com/office/powerpoint/2010/main" val="411006755"/>
+        <p14:creationId xmlns:p14="http://schemas.microsoft.com/office/powerpoint/2010/main" val="462060676"/>
       </p:ext>
     </p:extLst>
   </p:cSld>
@@ -1189,7 +1189,7 @@
     </p:spTree>
     <p:extLst>
       <p:ext uri="{BB962C8B-B14F-4D97-AF65-F5344CB8AC3E}">
-        <p14:creationId xmlns:p14="http://schemas.microsoft.com/office/powerpoint/2010/main" val="411006755"/>
+        <p14:creationId xmlns:p14="http://schemas.microsoft.com/office/powerpoint/2010/main" val="1216714298"/>
       </p:ext>
     </p:extLst>
   </p:cSld>
@@ -10638,7 +10638,83 @@
       </p:grpSpPr>
       <p:sp>
         <p:nvSpPr>
-          <p:cNvPr id="2" name="제목 1"/>
+          <p:cNvPr id="22" name="직사각형 21"/>
+          <p:cNvSpPr/>
+          <p:nvPr/>
+        </p:nvSpPr>
+        <p:spPr>
+          <a:xfrm>
+            <a:off x="691978" y="4585372"/>
+            <a:ext cx="4151871" cy="764594"/>
+          </a:xfrm>
+          <a:prstGeom prst="rect">
+            <a:avLst/>
+          </a:prstGeom>
+        </p:spPr>
+        <p:style>
+          <a:lnRef idx="1">
+            <a:schemeClr val="accent3"/>
+          </a:lnRef>
+          <a:fillRef idx="2">
+            <a:schemeClr val="accent3"/>
+          </a:fillRef>
+          <a:effectRef idx="1">
+            <a:schemeClr val="accent3"/>
+          </a:effectRef>
+          <a:fontRef idx="minor">
+            <a:schemeClr val="dk1"/>
+          </a:fontRef>
+        </p:style>
+        <p:txBody>
+          <a:bodyPr rtlCol="0" anchor="ctr"/>
+          <a:lstStyle/>
+          <a:p>
+            <a:pPr algn="ctr"/>
+            <a:endParaRPr lang="ko-KR" altLang="en-US"/>
+          </a:p>
+        </p:txBody>
+      </p:sp>
+      <p:sp>
+        <p:nvSpPr>
+          <p:cNvPr id="2" name="직사각형 1"/>
+          <p:cNvSpPr/>
+          <p:nvPr/>
+        </p:nvSpPr>
+        <p:spPr>
+          <a:xfrm>
+            <a:off x="691978" y="3503975"/>
+            <a:ext cx="4151871" cy="1020364"/>
+          </a:xfrm>
+          <a:prstGeom prst="rect">
+            <a:avLst/>
+          </a:prstGeom>
+        </p:spPr>
+        <p:style>
+          <a:lnRef idx="1">
+            <a:schemeClr val="accent3"/>
+          </a:lnRef>
+          <a:fillRef idx="2">
+            <a:schemeClr val="accent3"/>
+          </a:fillRef>
+          <a:effectRef idx="1">
+            <a:schemeClr val="accent3"/>
+          </a:effectRef>
+          <a:fontRef idx="minor">
+            <a:schemeClr val="dk1"/>
+          </a:fontRef>
+        </p:style>
+        <p:txBody>
+          <a:bodyPr rtlCol="0" anchor="ctr"/>
+          <a:lstStyle/>
+          <a:p>
+            <a:pPr algn="ctr"/>
+            <a:endParaRPr lang="ko-KR" altLang="en-US"/>
+          </a:p>
+        </p:txBody>
+      </p:sp>
+      <p:sp>
+        <p:nvSpPr>
+          <p:cNvPr id="4" name="제목 3"/>
           <p:cNvSpPr>
             <a:spLocks noGrp="1"/>
           </p:cNvSpPr>
@@ -10655,229 +10731,1043 @@
               <a:rPr lang="ko-KR" altLang="en-US">
                 <a:ea typeface="맑은 고딕"/>
               </a:rPr>
-              <a:t>서버와 통신하기 위해서</a:t>
-            </a:r>
-          </a:p>
-        </p:txBody>
-      </p:sp>
-      <p:sp>
-        <p:nvSpPr>
-          <p:cNvPr id="3" name="내용 개체 틀 2"/>
-          <p:cNvSpPr>
-            <a:spLocks noGrp="1"/>
-          </p:cNvSpPr>
-          <p:nvPr>
-            <p:ph idx="1"/>
-          </p:nvPr>
-        </p:nvSpPr>
-        <p:spPr/>
-        <p:txBody>
-          <a:bodyPr/>
-          <a:lstStyle/>
-          <a:p>
-            <a:pPr marL="457200" indent="-457200">
-              <a:buFont typeface="+mj-lt"/>
-              <a:buAutoNum type="arabicPeriod"/>
-            </a:pPr>
+              <a:t>전체적인 대화의 순서도</a:t>
+            </a:r>
+          </a:p>
+        </p:txBody>
+      </p:sp>
+      <p:sp>
+        <p:nvSpPr>
+          <p:cNvPr id="5" name="모서리가 둥근 직사각형 4"/>
+          <p:cNvSpPr/>
+          <p:nvPr/>
+        </p:nvSpPr>
+        <p:spPr>
+          <a:xfrm>
+            <a:off x="868320" y="2104731"/>
+            <a:ext cx="2189667" cy="243747"/>
+          </a:xfrm>
+          <a:prstGeom prst="roundRect">
+            <a:avLst/>
+          </a:prstGeom>
+        </p:spPr>
+        <p:style>
+          <a:lnRef idx="2">
+            <a:schemeClr val="accent1">
+              <a:shade val="50000"/>
+            </a:schemeClr>
+          </a:lnRef>
+          <a:fillRef idx="1">
+            <a:schemeClr val="accent1"/>
+          </a:fillRef>
+          <a:effectRef idx="0">
+            <a:schemeClr val="accent1"/>
+          </a:effectRef>
+          <a:fontRef idx="minor">
+            <a:schemeClr val="lt1"/>
+          </a:fontRef>
+        </p:style>
+        <p:txBody>
+          <a:bodyPr rtlCol="0" anchor="ctr"/>
+          <a:lstStyle/>
+          <a:p>
+            <a:pPr algn="ctr"/>
+            <a:r>
+              <a:rPr lang="en-US" altLang="ko-KR">
+                <a:ea typeface="맑은 고딕"/>
+              </a:rPr>
+              <a:t>Connect</a:t>
+            </a:r>
+            <a:endParaRPr lang="ko-KR" altLang="en-US">
+              <a:ea typeface="맑은 고딕"/>
+            </a:endParaRPr>
+          </a:p>
+        </p:txBody>
+      </p:sp>
+      <p:sp>
+        <p:nvSpPr>
+          <p:cNvPr id="6" name="모서리가 둥근 직사각형 5"/>
+          <p:cNvSpPr/>
+          <p:nvPr/>
+        </p:nvSpPr>
+        <p:spPr>
+          <a:xfrm>
+            <a:off x="868320" y="2489945"/>
+            <a:ext cx="2225927" cy="273921"/>
+          </a:xfrm>
+          <a:prstGeom prst="roundRect">
+            <a:avLst/>
+          </a:prstGeom>
+        </p:spPr>
+        <p:style>
+          <a:lnRef idx="2">
+            <a:schemeClr val="accent1">
+              <a:shade val="50000"/>
+            </a:schemeClr>
+          </a:lnRef>
+          <a:fillRef idx="1">
+            <a:schemeClr val="accent1"/>
+          </a:fillRef>
+          <a:effectRef idx="0">
+            <a:schemeClr val="accent1"/>
+          </a:effectRef>
+          <a:fontRef idx="minor">
+            <a:schemeClr val="lt1"/>
+          </a:fontRef>
+        </p:style>
+        <p:txBody>
+          <a:bodyPr rtlCol="0" anchor="ctr"/>
+          <a:lstStyle/>
+          <a:p>
+            <a:pPr algn="ctr"/>
+            <a:r>
+              <a:rPr lang="en-US" altLang="ko-KR">
+                <a:ea typeface="맑은 고딕"/>
+              </a:rPr>
+              <a:t>Submit Name</a:t>
+            </a:r>
+            <a:endParaRPr lang="ko-KR" altLang="en-US">
+              <a:ea typeface="맑은 고딕"/>
+            </a:endParaRPr>
+          </a:p>
+        </p:txBody>
+      </p:sp>
+      <p:sp>
+        <p:nvSpPr>
+          <p:cNvPr id="7" name="모서리가 둥근 직사각형 6"/>
+          <p:cNvSpPr/>
+          <p:nvPr/>
+        </p:nvSpPr>
+        <p:spPr>
+          <a:xfrm>
+            <a:off x="3094247" y="2794079"/>
+            <a:ext cx="1601542" cy="273921"/>
+          </a:xfrm>
+          <a:prstGeom prst="roundRect">
+            <a:avLst/>
+          </a:prstGeom>
+          <a:solidFill>
+            <a:srgbClr val="FF0000"/>
+          </a:solidFill>
+        </p:spPr>
+        <p:style>
+          <a:lnRef idx="2">
+            <a:schemeClr val="accent1">
+              <a:shade val="50000"/>
+            </a:schemeClr>
+          </a:lnRef>
+          <a:fillRef idx="1">
+            <a:schemeClr val="accent1"/>
+          </a:fillRef>
+          <a:effectRef idx="0">
+            <a:schemeClr val="accent1"/>
+          </a:effectRef>
+          <a:fontRef idx="minor">
+            <a:schemeClr val="lt1"/>
+          </a:fontRef>
+        </p:style>
+        <p:txBody>
+          <a:bodyPr rtlCol="0" anchor="ctr"/>
+          <a:lstStyle/>
+          <a:p>
+            <a:pPr algn="ctr"/>
             <a:r>
               <a:rPr lang="en-US" altLang="ko-KR">
                 <a:solidFill>
-                  <a:srgbClr val="0070C0"/>
+                  <a:srgbClr val="FFFFFF"/>
                 </a:solidFill>
-                <a:latin typeface="맑은 고딕"/>
                 <a:ea typeface="맑은 고딕"/>
               </a:rPr>
-              <a:t>[Connect]</a:t>
-            </a:r>
-          </a:p>
-          <a:p>
-            <a:pPr lvl="1"/>
-            <a:r>
-              <a:rPr lang="ko-KR" altLang="en-US">
-                <a:solidFill>
-                  <a:srgbClr val="000000"/>
-                </a:solidFill>
-                <a:latin typeface="맑은 고딕"/>
+              <a:t>Game Start</a:t>
+            </a:r>
+            <a:endParaRPr lang="ko-KR" altLang="en-US">
+              <a:solidFill>
+                <a:srgbClr val="FFFFFF"/>
+              </a:solidFill>
+              <a:ea typeface="맑은 고딕"/>
+            </a:endParaRPr>
+          </a:p>
+        </p:txBody>
+      </p:sp>
+      <p:sp>
+        <p:nvSpPr>
+          <p:cNvPr id="8" name="모서리가 둥근 직사각형 7"/>
+          <p:cNvSpPr/>
+          <p:nvPr/>
+        </p:nvSpPr>
+        <p:spPr>
+          <a:xfrm>
+            <a:off x="832060" y="3070083"/>
+            <a:ext cx="2225927" cy="273921"/>
+          </a:xfrm>
+          <a:prstGeom prst="roundRect">
+            <a:avLst/>
+          </a:prstGeom>
+        </p:spPr>
+        <p:style>
+          <a:lnRef idx="2">
+            <a:schemeClr val="accent1">
+              <a:shade val="50000"/>
+            </a:schemeClr>
+          </a:lnRef>
+          <a:fillRef idx="1">
+            <a:schemeClr val="accent1"/>
+          </a:fillRef>
+          <a:effectRef idx="0">
+            <a:schemeClr val="accent1"/>
+          </a:effectRef>
+          <a:fontRef idx="minor">
+            <a:schemeClr val="lt1"/>
+          </a:fontRef>
+        </p:style>
+        <p:txBody>
+          <a:bodyPr rtlCol="0" anchor="ctr"/>
+          <a:lstStyle/>
+          <a:p>
+            <a:pPr algn="ctr"/>
+            <a:r>
+              <a:rPr lang="en-US" altLang="ko-KR">
                 <a:ea typeface="맑은 고딕"/>
               </a:rPr>
-              <a:t>서버에 연결합니다</a:t>
-            </a:r>
+              <a:t>Submit Map</a:t>
+            </a:r>
+            <a:endParaRPr lang="ko-KR" altLang="en-US">
+              <a:ea typeface="맑은 고딕"/>
+            </a:endParaRPr>
+          </a:p>
+        </p:txBody>
+      </p:sp>
+      <p:sp>
+        <p:nvSpPr>
+          <p:cNvPr id="13" name="모서리가 둥근 직사각형 12"/>
+          <p:cNvSpPr/>
+          <p:nvPr/>
+        </p:nvSpPr>
+        <p:spPr>
+          <a:xfrm>
+            <a:off x="832058" y="3877197"/>
+            <a:ext cx="2225927" cy="273921"/>
+          </a:xfrm>
+          <a:prstGeom prst="roundRect">
+            <a:avLst/>
+          </a:prstGeom>
+        </p:spPr>
+        <p:style>
+          <a:lnRef idx="2">
+            <a:schemeClr val="accent1">
+              <a:shade val="50000"/>
+            </a:schemeClr>
+          </a:lnRef>
+          <a:fillRef idx="1">
+            <a:schemeClr val="accent1"/>
+          </a:fillRef>
+          <a:effectRef idx="0">
+            <a:schemeClr val="accent1"/>
+          </a:effectRef>
+          <a:fontRef idx="minor">
+            <a:schemeClr val="lt1"/>
+          </a:fontRef>
+        </p:style>
+        <p:txBody>
+          <a:bodyPr rtlCol="0" anchor="ctr"/>
+          <a:lstStyle/>
+          <a:p>
+            <a:pPr algn="ctr"/>
             <a:r>
               <a:rPr lang="en-US" altLang="ko-KR">
-                <a:solidFill>
-                  <a:srgbClr val="000000"/>
-                </a:solidFill>
-                <a:latin typeface="맑은 고딕"/>
                 <a:ea typeface="맑은 고딕"/>
               </a:rPr>
-              <a:t>.</a:t>
-            </a:r>
-          </a:p>
-          <a:p>
-            <a:pPr marL="457200" indent="-457200">
-              <a:buFont typeface="+mj-lt"/>
-              <a:buAutoNum type="arabicPeriod"/>
-            </a:pPr>
-            <a:r>
-              <a:rPr lang="en-US" altLang="ko-KR">
+              <a:t>Submit Attack</a:t>
+            </a:r>
+            <a:endParaRPr lang="ko-KR" altLang="en-US">
+              <a:ea typeface="맑은 고딕"/>
+            </a:endParaRPr>
+          </a:p>
+        </p:txBody>
+      </p:sp>
+      <p:sp>
+        <p:nvSpPr>
+          <p:cNvPr id="14" name="모서리가 둥근 직사각형 13"/>
+          <p:cNvSpPr/>
+          <p:nvPr/>
+        </p:nvSpPr>
+        <p:spPr>
+          <a:xfrm>
+            <a:off x="3060627" y="3618286"/>
+            <a:ext cx="1601542" cy="273921"/>
+          </a:xfrm>
+          <a:prstGeom prst="roundRect">
+            <a:avLst/>
+          </a:prstGeom>
+          <a:solidFill>
+            <a:srgbClr val="FF0000"/>
+          </a:solidFill>
+        </p:spPr>
+        <p:style>
+          <a:lnRef idx="2">
+            <a:schemeClr val="accent1">
+              <a:shade val="50000"/>
+            </a:schemeClr>
+          </a:lnRef>
+          <a:fillRef idx="1">
+            <a:schemeClr val="accent1"/>
+          </a:fillRef>
+          <a:effectRef idx="0">
+            <a:schemeClr val="accent1"/>
+          </a:effectRef>
+          <a:fontRef idx="minor">
+            <a:schemeClr val="lt1"/>
+          </a:fontRef>
+        </p:style>
+        <p:txBody>
+          <a:bodyPr rtlCol="0" anchor="ctr"/>
+          <a:lstStyle/>
+          <a:p>
+            <a:pPr algn="ctr"/>
+            <a:r>
+              <a:rPr lang="en-US" altLang="ko-KR" smtClean="0">
                 <a:solidFill>
-                  <a:srgbClr val="0070C0"/>
+                  <a:srgbClr val="FFFFFF"/>
                 </a:solidFill>
-                <a:latin typeface="맑은 고딕"/>
                 <a:ea typeface="맑은 고딕"/>
               </a:rPr>
-              <a:t>[Submit Name]</a:t>
+              <a:t>My Turn</a:t>
             </a:r>
             <a:endParaRPr lang="ko-KR" altLang="en-US">
               <a:solidFill>
-                <a:srgbClr val="0070C0"/>
+                <a:srgbClr val="FFFFFF"/>
               </a:solidFill>
-              <a:latin typeface="맑은 고딕"/>
               <a:ea typeface="맑은 고딕"/>
             </a:endParaRPr>
           </a:p>
-          <a:p>
-            <a:pPr lvl="1"/>
-            <a:r>
-              <a:rPr lang="ko-KR" altLang="en-US">
+        </p:txBody>
+      </p:sp>
+      <p:sp>
+        <p:nvSpPr>
+          <p:cNvPr id="15" name="모서리가 둥근 직사각형 14"/>
+          <p:cNvSpPr/>
+          <p:nvPr/>
+        </p:nvSpPr>
+        <p:spPr>
+          <a:xfrm>
+            <a:off x="3057986" y="4218692"/>
+            <a:ext cx="1601542" cy="273921"/>
+          </a:xfrm>
+          <a:prstGeom prst="roundRect">
+            <a:avLst/>
+          </a:prstGeom>
+          <a:solidFill>
+            <a:srgbClr val="FF0000"/>
+          </a:solidFill>
+        </p:spPr>
+        <p:style>
+          <a:lnRef idx="2">
+            <a:schemeClr val="accent1">
+              <a:shade val="50000"/>
+            </a:schemeClr>
+          </a:lnRef>
+          <a:fillRef idx="1">
+            <a:schemeClr val="accent1"/>
+          </a:fillRef>
+          <a:effectRef idx="0">
+            <a:schemeClr val="accent1"/>
+          </a:effectRef>
+          <a:fontRef idx="minor">
+            <a:schemeClr val="lt1"/>
+          </a:fontRef>
+        </p:style>
+        <p:txBody>
+          <a:bodyPr rtlCol="0" anchor="ctr"/>
+          <a:lstStyle/>
+          <a:p>
+            <a:pPr algn="ctr"/>
+            <a:r>
+              <a:rPr lang="en-US" altLang="ko-KR" smtClean="0">
                 <a:solidFill>
-                  <a:srgbClr val="000000"/>
+                  <a:srgbClr val="FFFFFF"/>
                 </a:solidFill>
-                <a:latin typeface="맑은 고딕"/>
                 <a:ea typeface="맑은 고딕"/>
               </a:rPr>
-              <a:t>닉네임으로 로그인을 합니다</a:t>
-            </a:r>
-            <a:r>
-              <a:rPr lang="en-US" altLang="ko-KR">
+              <a:t>Attack Result</a:t>
+            </a:r>
+            <a:endParaRPr lang="ko-KR" altLang="en-US">
+              <a:solidFill>
+                <a:srgbClr val="FFFFFF"/>
+              </a:solidFill>
+              <a:ea typeface="맑은 고딕"/>
+            </a:endParaRPr>
+          </a:p>
+        </p:txBody>
+      </p:sp>
+      <p:sp>
+        <p:nvSpPr>
+          <p:cNvPr id="16" name="모서리가 둥근 직사각형 15"/>
+          <p:cNvSpPr/>
+          <p:nvPr/>
+        </p:nvSpPr>
+        <p:spPr>
+          <a:xfrm>
+            <a:off x="3057985" y="5424108"/>
+            <a:ext cx="1601542" cy="273921"/>
+          </a:xfrm>
+          <a:prstGeom prst="roundRect">
+            <a:avLst/>
+          </a:prstGeom>
+          <a:solidFill>
+            <a:srgbClr val="FF0000"/>
+          </a:solidFill>
+        </p:spPr>
+        <p:style>
+          <a:lnRef idx="2">
+            <a:schemeClr val="accent1">
+              <a:shade val="50000"/>
+            </a:schemeClr>
+          </a:lnRef>
+          <a:fillRef idx="1">
+            <a:schemeClr val="accent1"/>
+          </a:fillRef>
+          <a:effectRef idx="0">
+            <a:schemeClr val="accent1"/>
+          </a:effectRef>
+          <a:fontRef idx="minor">
+            <a:schemeClr val="lt1"/>
+          </a:fontRef>
+        </p:style>
+        <p:txBody>
+          <a:bodyPr rtlCol="0" anchor="ctr"/>
+          <a:lstStyle/>
+          <a:p>
+            <a:pPr algn="ctr"/>
+            <a:r>
+              <a:rPr lang="en-US" altLang="ko-KR" smtClean="0">
                 <a:solidFill>
-                  <a:srgbClr val="000000"/>
+                  <a:srgbClr val="FFFFFF"/>
                 </a:solidFill>
-                <a:latin typeface="맑은 고딕"/>
                 <a:ea typeface="맑은 고딕"/>
               </a:rPr>
-              <a:t>.</a:t>
+              <a:t>Game Over</a:t>
             </a:r>
             <a:endParaRPr lang="ko-KR" altLang="en-US">
               <a:solidFill>
-                <a:srgbClr val="000000"/>
+                <a:srgbClr val="FFFFFF"/>
               </a:solidFill>
-              <a:latin typeface="맑은 고딕"/>
               <a:ea typeface="맑은 고딕"/>
             </a:endParaRPr>
           </a:p>
-          <a:p>
-            <a:pPr marL="457200" indent="-457200">
-              <a:buFont typeface="+mj-lt"/>
-              <a:buAutoNum type="arabicPeriod"/>
-            </a:pPr>
-            <a:r>
-              <a:rPr lang="en-US" altLang="ko-KR">
+        </p:txBody>
+      </p:sp>
+      <p:sp>
+        <p:nvSpPr>
+          <p:cNvPr id="17" name="모서리가 둥근 직사각형 16"/>
+          <p:cNvSpPr/>
+          <p:nvPr/>
+        </p:nvSpPr>
+        <p:spPr>
+          <a:xfrm>
+            <a:off x="3738961" y="6073402"/>
+            <a:ext cx="1601542" cy="273921"/>
+          </a:xfrm>
+          <a:prstGeom prst="roundRect">
+            <a:avLst/>
+          </a:prstGeom>
+          <a:solidFill>
+            <a:srgbClr val="FF0000"/>
+          </a:solidFill>
+        </p:spPr>
+        <p:style>
+          <a:lnRef idx="2">
+            <a:schemeClr val="accent1">
+              <a:shade val="50000"/>
+            </a:schemeClr>
+          </a:lnRef>
+          <a:fillRef idx="1">
+            <a:schemeClr val="accent1"/>
+          </a:fillRef>
+          <a:effectRef idx="0">
+            <a:schemeClr val="accent1"/>
+          </a:effectRef>
+          <a:fontRef idx="minor">
+            <a:schemeClr val="lt1"/>
+          </a:fontRef>
+        </p:style>
+        <p:txBody>
+          <a:bodyPr rtlCol="0" anchor="ctr"/>
+          <a:lstStyle/>
+          <a:p>
+            <a:pPr algn="ctr"/>
+            <a:r>
+              <a:rPr lang="en-US" altLang="ko-KR" smtClean="0">
+                <a:solidFill>
+                  <a:srgbClr val="FFFFFF"/>
+                </a:solidFill>
+                <a:ea typeface="맑은 고딕"/>
+              </a:rPr>
+              <a:t>Over All</a:t>
+            </a:r>
+            <a:endParaRPr lang="ko-KR" altLang="en-US">
+              <a:solidFill>
+                <a:srgbClr val="FFFFFF"/>
+              </a:solidFill>
+              <a:ea typeface="맑은 고딕"/>
+            </a:endParaRPr>
+          </a:p>
+        </p:txBody>
+      </p:sp>
+      <p:sp>
+        <p:nvSpPr>
+          <p:cNvPr id="18" name="모서리가 둥근 직사각형 17"/>
+          <p:cNvSpPr/>
+          <p:nvPr/>
+        </p:nvSpPr>
+        <p:spPr>
+          <a:xfrm>
+            <a:off x="1945021" y="6059482"/>
+            <a:ext cx="1601542" cy="273921"/>
+          </a:xfrm>
+          <a:prstGeom prst="roundRect">
+            <a:avLst/>
+          </a:prstGeom>
+          <a:solidFill>
+            <a:srgbClr val="FF0000"/>
+          </a:solidFill>
+        </p:spPr>
+        <p:style>
+          <a:lnRef idx="2">
+            <a:schemeClr val="accent1">
+              <a:shade val="50000"/>
+            </a:schemeClr>
+          </a:lnRef>
+          <a:fillRef idx="1">
+            <a:schemeClr val="accent1"/>
+          </a:fillRef>
+          <a:effectRef idx="0">
+            <a:schemeClr val="accent1"/>
+          </a:effectRef>
+          <a:fontRef idx="minor">
+            <a:schemeClr val="lt1"/>
+          </a:fontRef>
+        </p:style>
+        <p:txBody>
+          <a:bodyPr rtlCol="0" anchor="ctr"/>
+          <a:lstStyle/>
+          <a:p>
+            <a:pPr algn="ctr"/>
+            <a:r>
+              <a:rPr lang="en-US" altLang="ko-KR" smtClean="0">
+                <a:solidFill>
+                  <a:srgbClr val="FFFFFF"/>
+                </a:solidFill>
+                <a:ea typeface="맑은 고딕"/>
+              </a:rPr>
+              <a:t>Next Game</a:t>
+            </a:r>
+            <a:endParaRPr lang="ko-KR" altLang="en-US">
+              <a:solidFill>
+                <a:srgbClr val="FFFFFF"/>
+              </a:solidFill>
+              <a:ea typeface="맑은 고딕"/>
+            </a:endParaRPr>
+          </a:p>
+        </p:txBody>
+      </p:sp>
+      <p:sp>
+        <p:nvSpPr>
+          <p:cNvPr id="21" name="모서리가 둥근 직사각형 20"/>
+          <p:cNvSpPr/>
+          <p:nvPr/>
+        </p:nvSpPr>
+        <p:spPr>
+          <a:xfrm>
+            <a:off x="3060627" y="4830708"/>
+            <a:ext cx="1601542" cy="273921"/>
+          </a:xfrm>
+          <a:prstGeom prst="roundRect">
+            <a:avLst/>
+          </a:prstGeom>
+          <a:solidFill>
+            <a:srgbClr val="FF0000"/>
+          </a:solidFill>
+        </p:spPr>
+        <p:style>
+          <a:lnRef idx="2">
+            <a:schemeClr val="accent1">
+              <a:shade val="50000"/>
+            </a:schemeClr>
+          </a:lnRef>
+          <a:fillRef idx="1">
+            <a:schemeClr val="accent1"/>
+          </a:fillRef>
+          <a:effectRef idx="0">
+            <a:schemeClr val="accent1"/>
+          </a:effectRef>
+          <a:fontRef idx="minor">
+            <a:schemeClr val="lt1"/>
+          </a:fontRef>
+        </p:style>
+        <p:txBody>
+          <a:bodyPr rtlCol="0" anchor="ctr"/>
+          <a:lstStyle/>
+          <a:p>
+            <a:pPr algn="ctr"/>
+            <a:r>
+              <a:rPr lang="en-US" altLang="ko-KR" smtClean="0">
+                <a:solidFill>
+                  <a:srgbClr val="FFFFFF"/>
+                </a:solidFill>
+                <a:ea typeface="맑은 고딕"/>
+              </a:rPr>
+              <a:t>Attack Result</a:t>
+            </a:r>
+            <a:endParaRPr lang="ko-KR" altLang="en-US">
+              <a:solidFill>
+                <a:srgbClr val="FFFFFF"/>
+              </a:solidFill>
+              <a:ea typeface="맑은 고딕"/>
+            </a:endParaRPr>
+          </a:p>
+        </p:txBody>
+      </p:sp>
+      <p:sp>
+        <p:nvSpPr>
+          <p:cNvPr id="3" name="오른쪽 중괄호 2"/>
+          <p:cNvSpPr/>
+          <p:nvPr/>
+        </p:nvSpPr>
+        <p:spPr>
+          <a:xfrm>
+            <a:off x="4843849" y="3344004"/>
+            <a:ext cx="630194" cy="2080104"/>
+          </a:xfrm>
+          <a:prstGeom prst="rightBrace">
+            <a:avLst/>
+          </a:prstGeom>
+          <a:ln w="57150"/>
+        </p:spPr>
+        <p:style>
+          <a:lnRef idx="1">
+            <a:schemeClr val="accent1"/>
+          </a:lnRef>
+          <a:fillRef idx="0">
+            <a:schemeClr val="accent1"/>
+          </a:fillRef>
+          <a:effectRef idx="0">
+            <a:schemeClr val="accent1"/>
+          </a:effectRef>
+          <a:fontRef idx="minor">
+            <a:schemeClr val="tx1"/>
+          </a:fontRef>
+        </p:style>
+        <p:txBody>
+          <a:bodyPr rtlCol="0" anchor="ctr"/>
+          <a:lstStyle/>
+          <a:p>
+            <a:pPr algn="ctr"/>
+            <a:endParaRPr lang="ko-KR" altLang="en-US"/>
+          </a:p>
+        </p:txBody>
+      </p:sp>
+      <p:sp>
+        <p:nvSpPr>
+          <p:cNvPr id="9" name="TextBox 8"/>
+          <p:cNvSpPr txBox="1"/>
+          <p:nvPr/>
+        </p:nvSpPr>
+        <p:spPr>
+          <a:xfrm>
+            <a:off x="4979773" y="4170016"/>
+            <a:ext cx="2384854" cy="646331"/>
+          </a:xfrm>
+          <a:prstGeom prst="rect">
+            <a:avLst/>
+          </a:prstGeom>
+          <a:ln w="57150"/>
+        </p:spPr>
+        <p:style>
+          <a:lnRef idx="2">
+            <a:schemeClr val="accent1"/>
+          </a:lnRef>
+          <a:fillRef idx="1">
+            <a:schemeClr val="lt1"/>
+          </a:fillRef>
+          <a:effectRef idx="0">
+            <a:schemeClr val="accent1"/>
+          </a:effectRef>
+          <a:fontRef idx="minor">
+            <a:schemeClr val="dk1"/>
+          </a:fontRef>
+        </p:style>
+        <p:txBody>
+          <a:bodyPr wrap="square" rtlCol="0">
+            <a:spAutoFit/>
+          </a:bodyPr>
+          <a:lstStyle/>
+          <a:p>
+            <a:r>
+              <a:rPr lang="en-US" altLang="ko-KR" smtClean="0"/>
+              <a:t>		</a:t>
+            </a:r>
+            <a:r>
+              <a:rPr lang="ko-KR" altLang="en-US" smtClean="0"/>
+              <a:t>가</a:t>
+            </a:r>
+            <a:endParaRPr lang="en-US" altLang="ko-KR"/>
+          </a:p>
+          <a:p>
+            <a:r>
+              <a:rPr lang="ko-KR" altLang="en-US" smtClean="0"/>
+              <a:t>올때까지 계속</a:t>
+            </a:r>
+            <a:r>
+              <a:rPr lang="en-US" altLang="ko-KR"/>
+              <a:t> </a:t>
+            </a:r>
+            <a:r>
+              <a:rPr lang="ko-KR" altLang="en-US" smtClean="0"/>
+              <a:t>반복</a:t>
+            </a:r>
+            <a:endParaRPr lang="ko-KR" altLang="en-US"/>
+          </a:p>
+        </p:txBody>
+      </p:sp>
+      <p:sp>
+        <p:nvSpPr>
+          <p:cNvPr id="23" name="모서리가 둥근 직사각형 22"/>
+          <p:cNvSpPr/>
+          <p:nvPr/>
+        </p:nvSpPr>
+        <p:spPr>
+          <a:xfrm>
+            <a:off x="5158946" y="4209946"/>
+            <a:ext cx="1601542" cy="273921"/>
+          </a:xfrm>
+          <a:prstGeom prst="roundRect">
+            <a:avLst/>
+          </a:prstGeom>
+          <a:solidFill>
+            <a:srgbClr val="FF0000"/>
+          </a:solidFill>
+        </p:spPr>
+        <p:style>
+          <a:lnRef idx="2">
+            <a:schemeClr val="accent1">
+              <a:shade val="50000"/>
+            </a:schemeClr>
+          </a:lnRef>
+          <a:fillRef idx="1">
+            <a:schemeClr val="accent1"/>
+          </a:fillRef>
+          <a:effectRef idx="0">
+            <a:schemeClr val="accent1"/>
+          </a:effectRef>
+          <a:fontRef idx="minor">
+            <a:schemeClr val="lt1"/>
+          </a:fontRef>
+        </p:style>
+        <p:txBody>
+          <a:bodyPr rtlCol="0" anchor="ctr"/>
+          <a:lstStyle/>
+          <a:p>
+            <a:pPr algn="ctr"/>
+            <a:r>
+              <a:rPr lang="en-US" altLang="ko-KR" smtClean="0">
+                <a:solidFill>
+                  <a:srgbClr val="FFFFFF"/>
+                </a:solidFill>
+                <a:ea typeface="맑은 고딕"/>
+              </a:rPr>
+              <a:t>Game Over</a:t>
+            </a:r>
+            <a:endParaRPr lang="ko-KR" altLang="en-US">
+              <a:solidFill>
+                <a:srgbClr val="FFFFFF"/>
+              </a:solidFill>
+              <a:ea typeface="맑은 고딕"/>
+            </a:endParaRPr>
+          </a:p>
+        </p:txBody>
+      </p:sp>
+      <p:cxnSp>
+        <p:nvCxnSpPr>
+          <p:cNvPr id="19" name="직선 화살표 연결선 18"/>
+          <p:cNvCxnSpPr>
+            <a:stCxn id="16" idx="2"/>
+          </p:cNvCxnSpPr>
+          <p:nvPr/>
+        </p:nvCxnSpPr>
+        <p:spPr>
+          <a:xfrm flipH="1">
+            <a:off x="3422822" y="5698029"/>
+            <a:ext cx="435934" cy="361453"/>
+          </a:xfrm>
+          <a:prstGeom prst="straightConnector1">
+            <a:avLst/>
+          </a:prstGeom>
+          <a:ln w="57150">
+            <a:solidFill>
+              <a:srgbClr val="FF0000"/>
+            </a:solidFill>
+            <a:tailEnd type="arrow"/>
+          </a:ln>
+        </p:spPr>
+        <p:style>
+          <a:lnRef idx="1">
+            <a:schemeClr val="accent1"/>
+          </a:lnRef>
+          <a:fillRef idx="0">
+            <a:schemeClr val="accent1"/>
+          </a:fillRef>
+          <a:effectRef idx="0">
+            <a:schemeClr val="accent1"/>
+          </a:effectRef>
+          <a:fontRef idx="minor">
+            <a:schemeClr val="tx1"/>
+          </a:fontRef>
+        </p:style>
+      </p:cxnSp>
+      <p:cxnSp>
+        <p:nvCxnSpPr>
+          <p:cNvPr id="30" name="직선 화살표 연결선 29"/>
+          <p:cNvCxnSpPr>
+            <a:stCxn id="16" idx="2"/>
+          </p:cNvCxnSpPr>
+          <p:nvPr/>
+        </p:nvCxnSpPr>
+        <p:spPr>
+          <a:xfrm>
+            <a:off x="3858756" y="5698029"/>
+            <a:ext cx="206617" cy="361453"/>
+          </a:xfrm>
+          <a:prstGeom prst="straightConnector1">
+            <a:avLst/>
+          </a:prstGeom>
+          <a:ln w="57150">
+            <a:solidFill>
+              <a:srgbClr val="FF0000"/>
+            </a:solidFill>
+            <a:tailEnd type="arrow"/>
+          </a:ln>
+        </p:spPr>
+        <p:style>
+          <a:lnRef idx="1">
+            <a:schemeClr val="accent1"/>
+          </a:lnRef>
+          <a:fillRef idx="0">
+            <a:schemeClr val="accent1"/>
+          </a:fillRef>
+          <a:effectRef idx="0">
+            <a:schemeClr val="accent1"/>
+          </a:effectRef>
+          <a:fontRef idx="minor">
+            <a:schemeClr val="tx1"/>
+          </a:fontRef>
+        </p:style>
+      </p:cxnSp>
+      <p:cxnSp>
+        <p:nvCxnSpPr>
+          <p:cNvPr id="35" name="꺾인 연결선 34"/>
+          <p:cNvCxnSpPr>
+            <a:stCxn id="18" idx="1"/>
+            <a:endCxn id="8" idx="1"/>
+          </p:cNvCxnSpPr>
+          <p:nvPr/>
+        </p:nvCxnSpPr>
+        <p:spPr>
+          <a:xfrm rot="10800000">
+            <a:off x="832061" y="3207045"/>
+            <a:ext cx="1112961" cy="2989399"/>
+          </a:xfrm>
+          <a:prstGeom prst="bentConnector3">
+            <a:avLst>
+              <a:gd name="adj1" fmla="val 150517"/>
+            </a:avLst>
+          </a:prstGeom>
+          <a:ln w="76200">
+            <a:tailEnd type="arrow"/>
+          </a:ln>
+        </p:spPr>
+        <p:style>
+          <a:lnRef idx="1">
+            <a:schemeClr val="accent1"/>
+          </a:lnRef>
+          <a:fillRef idx="0">
+            <a:schemeClr val="accent1"/>
+          </a:fillRef>
+          <a:effectRef idx="0">
+            <a:schemeClr val="accent1"/>
+          </a:effectRef>
+          <a:fontRef idx="minor">
+            <a:schemeClr val="tx1"/>
+          </a:fontRef>
+        </p:style>
+      </p:cxnSp>
+      <p:cxnSp>
+        <p:nvCxnSpPr>
+          <p:cNvPr id="40" name="직선 화살표 연결선 39"/>
+          <p:cNvCxnSpPr>
+            <a:stCxn id="17" idx="3"/>
+          </p:cNvCxnSpPr>
+          <p:nvPr/>
+        </p:nvCxnSpPr>
+        <p:spPr>
+          <a:xfrm flipV="1">
+            <a:off x="5340503" y="6196442"/>
+            <a:ext cx="1159151" cy="13921"/>
+          </a:xfrm>
+          <a:prstGeom prst="straightConnector1">
+            <a:avLst/>
+          </a:prstGeom>
+          <a:ln w="57150">
+            <a:solidFill>
+              <a:srgbClr val="FF0000"/>
+            </a:solidFill>
+            <a:tailEnd type="arrow"/>
+          </a:ln>
+        </p:spPr>
+        <p:style>
+          <a:lnRef idx="1">
+            <a:schemeClr val="accent1"/>
+          </a:lnRef>
+          <a:fillRef idx="0">
+            <a:schemeClr val="accent1"/>
+          </a:fillRef>
+          <a:effectRef idx="0">
+            <a:schemeClr val="accent1"/>
+          </a:effectRef>
+          <a:fontRef idx="minor">
+            <a:schemeClr val="tx1"/>
+          </a:fontRef>
+        </p:style>
+      </p:cxnSp>
+      <p:sp>
+        <p:nvSpPr>
+          <p:cNvPr id="41" name="TextBox 40"/>
+          <p:cNvSpPr txBox="1"/>
+          <p:nvPr/>
+        </p:nvSpPr>
+        <p:spPr>
+          <a:xfrm>
+            <a:off x="6499654" y="6011776"/>
+            <a:ext cx="1828801" cy="369332"/>
+          </a:xfrm>
+          <a:prstGeom prst="rect">
+            <a:avLst/>
+          </a:prstGeom>
+          <a:noFill/>
+          <a:ln w="19050">
+            <a:solidFill>
+              <a:srgbClr val="FF0000"/>
+            </a:solidFill>
+          </a:ln>
+        </p:spPr>
+        <p:txBody>
+          <a:bodyPr wrap="square" rtlCol="0">
+            <a:spAutoFit/>
+          </a:bodyPr>
+          <a:lstStyle/>
+          <a:p>
+            <a:r>
+              <a:rPr lang="ko-KR" altLang="en-US" smtClean="0"/>
+              <a:t>겜 끝</a:t>
+            </a:r>
+            <a:r>
+              <a:rPr lang="en-US" altLang="ko-KR" smtClean="0"/>
+              <a:t>! </a:t>
+            </a:r>
+            <a:r>
+              <a:rPr lang="ko-KR" altLang="en-US" smtClean="0"/>
+              <a:t>ㅅㄱㅇ</a:t>
+            </a:r>
+            <a:r>
+              <a:rPr lang="en-US" altLang="ko-KR" smtClean="0"/>
+              <a:t>~</a:t>
+            </a:r>
+            <a:endParaRPr lang="ko-KR" altLang="en-US"/>
+          </a:p>
+        </p:txBody>
+      </p:sp>
+      <p:sp>
+        <p:nvSpPr>
+          <p:cNvPr id="42" name="TextBox 41"/>
+          <p:cNvSpPr txBox="1"/>
+          <p:nvPr/>
+        </p:nvSpPr>
+        <p:spPr>
+          <a:xfrm>
+            <a:off x="1556951" y="1532922"/>
+            <a:ext cx="800219" cy="461665"/>
+          </a:xfrm>
+          <a:prstGeom prst="rect">
+            <a:avLst/>
+          </a:prstGeom>
+          <a:noFill/>
+        </p:spPr>
+        <p:txBody>
+          <a:bodyPr wrap="none" rtlCol="0">
+            <a:spAutoFit/>
+          </a:bodyPr>
+          <a:lstStyle/>
+          <a:p>
+            <a:r>
+              <a:rPr lang="ko-KR" altLang="en-US" sz="2400" b="1" smtClean="0">
+                <a:solidFill>
+                  <a:srgbClr val="00B0F0"/>
+                </a:solidFill>
+              </a:rPr>
+              <a:t>클라</a:t>
+            </a:r>
+            <a:endParaRPr lang="ko-KR" altLang="en-US" sz="2400" b="1">
+              <a:solidFill>
+                <a:srgbClr val="00B0F0"/>
+              </a:solidFill>
+            </a:endParaRPr>
+          </a:p>
+        </p:txBody>
+      </p:sp>
+      <p:sp>
+        <p:nvSpPr>
+          <p:cNvPr id="43" name="TextBox 42"/>
+          <p:cNvSpPr txBox="1"/>
+          <p:nvPr/>
+        </p:nvSpPr>
+        <p:spPr>
+          <a:xfrm>
+            <a:off x="3546562" y="1532922"/>
+            <a:ext cx="800219" cy="461665"/>
+          </a:xfrm>
+          <a:prstGeom prst="rect">
+            <a:avLst/>
+          </a:prstGeom>
+          <a:noFill/>
+        </p:spPr>
+        <p:txBody>
+          <a:bodyPr wrap="none" rtlCol="0">
+            <a:spAutoFit/>
+          </a:bodyPr>
+          <a:lstStyle/>
+          <a:p>
+            <a:r>
+              <a:rPr lang="ko-KR" altLang="en-US" sz="2400" b="1" smtClean="0">
                 <a:solidFill>
                   <a:srgbClr val="FF0000"/>
                 </a:solidFill>
-                <a:latin typeface="맑은 고딕"/>
-                <a:ea typeface="맑은 고딕"/>
               </a:rPr>
-              <a:t>[Game Start]</a:t>
-            </a:r>
-            <a:endParaRPr lang="ko-KR" altLang="en-US">
-              <a:solidFill>
-                <a:srgbClr val="FF0000"/>
-              </a:solidFill>
-              <a:latin typeface="맑은 고딕"/>
-              <a:ea typeface="맑은 고딕"/>
-            </a:endParaRPr>
-          </a:p>
-          <a:p>
-            <a:pPr lvl="1"/>
-            <a:r>
-              <a:rPr lang="ko-KR" altLang="en-US">
+              <a:t>서</a:t>
+            </a:r>
+            <a:r>
+              <a:rPr lang="ko-KR" altLang="en-US" sz="2400" b="1">
                 <a:solidFill>
-                  <a:srgbClr val="000000"/>
+                  <a:srgbClr val="FF0000"/>
                 </a:solidFill>
-                <a:latin typeface="맑은 고딕"/>
-                <a:ea typeface="맑은 고딕"/>
               </a:rPr>
-              <a:t>게임이 시작될 때 까지 기다립니다</a:t>
-            </a:r>
-            <a:r>
-              <a:rPr lang="en-US" altLang="ko-KR">
-                <a:solidFill>
-                  <a:srgbClr val="000000"/>
-                </a:solidFill>
-                <a:latin typeface="맑은 고딕"/>
-                <a:ea typeface="맑은 고딕"/>
-              </a:rPr>
-              <a:t>.</a:t>
-            </a:r>
-            <a:endParaRPr lang="ko-KR" altLang="en-US">
-              <a:solidFill>
-                <a:srgbClr val="000000"/>
-              </a:solidFill>
-              <a:latin typeface="맑은 고딕"/>
-              <a:ea typeface="맑은 고딕"/>
-            </a:endParaRPr>
-          </a:p>
-          <a:p>
-            <a:pPr marL="457200" indent="-457200">
-              <a:buFont typeface="+mj-lt"/>
-              <a:buAutoNum type="arabicPeriod"/>
-            </a:pPr>
-            <a:r>
-              <a:rPr lang="en-US" altLang="ko-KR">
-                <a:solidFill>
-                  <a:srgbClr val="0070C0"/>
-                </a:solidFill>
-                <a:latin typeface="맑은 고딕"/>
-                <a:ea typeface="맑은 고딕"/>
-              </a:rPr>
-              <a:t>[Submit Map]</a:t>
-            </a:r>
-            <a:endParaRPr lang="ko-KR" altLang="en-US">
-              <a:solidFill>
-                <a:srgbClr val="0070C0"/>
-              </a:solidFill>
-              <a:latin typeface="맑은 고딕"/>
-              <a:ea typeface="맑은 고딕"/>
-            </a:endParaRPr>
-          </a:p>
-          <a:p>
-            <a:pPr lvl="1"/>
-            <a:r>
-              <a:rPr lang="ko-KR" altLang="en-US">
-                <a:solidFill>
-                  <a:srgbClr val="000000"/>
-                </a:solidFill>
-                <a:latin typeface="맑은 고딕"/>
-                <a:ea typeface="맑은 고딕"/>
-              </a:rPr>
-              <a:t>게임이 시작되었으니배를 셋팅하고 맵 정보를 보내줍니다</a:t>
-            </a:r>
-            <a:r>
-              <a:rPr lang="en-US" altLang="ko-KR">
-                <a:solidFill>
-                  <a:srgbClr val="000000"/>
-                </a:solidFill>
-                <a:latin typeface="맑은 고딕"/>
-                <a:ea typeface="맑은 고딕"/>
-              </a:rPr>
-              <a:t>.</a:t>
-            </a:r>
-            <a:endParaRPr lang="ko-KR" altLang="en-US">
-              <a:solidFill>
-                <a:srgbClr val="000000"/>
-              </a:solidFill>
-              <a:latin typeface="맑은 고딕"/>
-              <a:ea typeface="맑은 고딕"/>
-            </a:endParaRPr>
+              <a:t>버</a:t>
+            </a:r>
           </a:p>
         </p:txBody>
       </p:sp>
     </p:spTree>
     <p:extLst>
       <p:ext uri="{BB962C8B-B14F-4D97-AF65-F5344CB8AC3E}">
-        <p14:creationId xmlns:p14="http://schemas.microsoft.com/office/powerpoint/2010/main" val="2433488046"/>
+        <p14:creationId xmlns:p14="http://schemas.microsoft.com/office/powerpoint/2010/main" val="2919498060"/>
       </p:ext>
     </p:extLst>
   </p:cSld>
@@ -10913,7 +11803,83 @@
       </p:grpSpPr>
       <p:sp>
         <p:nvSpPr>
-          <p:cNvPr id="2" name="제목 1"/>
+          <p:cNvPr id="22" name="직사각형 21"/>
+          <p:cNvSpPr/>
+          <p:nvPr/>
+        </p:nvSpPr>
+        <p:spPr>
+          <a:xfrm>
+            <a:off x="691978" y="4585372"/>
+            <a:ext cx="4151871" cy="764594"/>
+          </a:xfrm>
+          <a:prstGeom prst="rect">
+            <a:avLst/>
+          </a:prstGeom>
+        </p:spPr>
+        <p:style>
+          <a:lnRef idx="1">
+            <a:schemeClr val="accent3"/>
+          </a:lnRef>
+          <a:fillRef idx="2">
+            <a:schemeClr val="accent3"/>
+          </a:fillRef>
+          <a:effectRef idx="1">
+            <a:schemeClr val="accent3"/>
+          </a:effectRef>
+          <a:fontRef idx="minor">
+            <a:schemeClr val="dk1"/>
+          </a:fontRef>
+        </p:style>
+        <p:txBody>
+          <a:bodyPr rtlCol="0" anchor="ctr"/>
+          <a:lstStyle/>
+          <a:p>
+            <a:pPr algn="ctr"/>
+            <a:endParaRPr lang="ko-KR" altLang="en-US"/>
+          </a:p>
+        </p:txBody>
+      </p:sp>
+      <p:sp>
+        <p:nvSpPr>
+          <p:cNvPr id="2" name="직사각형 1"/>
+          <p:cNvSpPr/>
+          <p:nvPr/>
+        </p:nvSpPr>
+        <p:spPr>
+          <a:xfrm>
+            <a:off x="691978" y="3503975"/>
+            <a:ext cx="4151871" cy="1020364"/>
+          </a:xfrm>
+          <a:prstGeom prst="rect">
+            <a:avLst/>
+          </a:prstGeom>
+        </p:spPr>
+        <p:style>
+          <a:lnRef idx="1">
+            <a:schemeClr val="accent3"/>
+          </a:lnRef>
+          <a:fillRef idx="2">
+            <a:schemeClr val="accent3"/>
+          </a:fillRef>
+          <a:effectRef idx="1">
+            <a:schemeClr val="accent3"/>
+          </a:effectRef>
+          <a:fontRef idx="minor">
+            <a:schemeClr val="dk1"/>
+          </a:fontRef>
+        </p:style>
+        <p:txBody>
+          <a:bodyPr rtlCol="0" anchor="ctr"/>
+          <a:lstStyle/>
+          <a:p>
+            <a:pPr algn="ctr"/>
+            <a:endParaRPr lang="ko-KR" altLang="en-US"/>
+          </a:p>
+        </p:txBody>
+      </p:sp>
+      <p:sp>
+        <p:nvSpPr>
+          <p:cNvPr id="4" name="제목 3"/>
           <p:cNvSpPr>
             <a:spLocks noGrp="1"/>
           </p:cNvSpPr>
@@ -10928,10 +11894,54 @@
           <a:p>
             <a:r>
               <a:rPr lang="ko-KR" altLang="en-US">
-                <a:latin typeface="Malgun Gothic" charset="0"/>
-                <a:ea typeface="Malgun Gothic" charset="0"/>
+                <a:ea typeface="맑은 고딕"/>
               </a:rPr>
-              <a:t>서버와 통신하기 위해서</a:t>
+              <a:t>전체적인 대화의 순서도</a:t>
+            </a:r>
+          </a:p>
+        </p:txBody>
+      </p:sp>
+      <p:sp>
+        <p:nvSpPr>
+          <p:cNvPr id="5" name="모서리가 둥근 직사각형 4"/>
+          <p:cNvSpPr/>
+          <p:nvPr/>
+        </p:nvSpPr>
+        <p:spPr>
+          <a:xfrm>
+            <a:off x="868320" y="2104731"/>
+            <a:ext cx="2189667" cy="243747"/>
+          </a:xfrm>
+          <a:prstGeom prst="roundRect">
+            <a:avLst/>
+          </a:prstGeom>
+        </p:spPr>
+        <p:style>
+          <a:lnRef idx="2">
+            <a:schemeClr val="accent1">
+              <a:shade val="50000"/>
+            </a:schemeClr>
+          </a:lnRef>
+          <a:fillRef idx="1">
+            <a:schemeClr val="accent1"/>
+          </a:fillRef>
+          <a:effectRef idx="0">
+            <a:schemeClr val="accent1"/>
+          </a:effectRef>
+          <a:fontRef idx="minor">
+            <a:schemeClr val="lt1"/>
+          </a:fontRef>
+        </p:style>
+        <p:txBody>
+          <a:bodyPr rtlCol="0" anchor="ctr"/>
+          <a:lstStyle/>
+          <a:p>
+            <a:pPr algn="ctr"/>
+            <a:r>
+              <a:rPr lang="en-US" altLang="ko-KR">
+                <a:ea typeface="맑은 고딕"/>
+              </a:rPr>
+              <a:t>Connect</a:t>
             </a:r>
             <a:endParaRPr lang="ko-KR" altLang="en-US">
               <a:ea typeface="맑은 고딕"/>
@@ -10941,319 +11951,1440 @@
       </p:sp>
       <p:sp>
         <p:nvSpPr>
-          <p:cNvPr id="3" name="내용 개체 틀 2"/>
-          <p:cNvSpPr>
-            <a:spLocks noGrp="1"/>
-          </p:cNvSpPr>
-          <p:nvPr>
-            <p:ph idx="1"/>
-          </p:nvPr>
-        </p:nvSpPr>
-        <p:spPr/>
-        <p:txBody>
-          <a:bodyPr/>
-          <a:lstStyle/>
-          <a:p>
+          <p:cNvPr id="6" name="모서리가 둥근 직사각형 5"/>
+          <p:cNvSpPr/>
+          <p:nvPr/>
+        </p:nvSpPr>
+        <p:spPr>
+          <a:xfrm>
+            <a:off x="868320" y="2489945"/>
+            <a:ext cx="2225927" cy="273921"/>
+          </a:xfrm>
+          <a:prstGeom prst="roundRect">
+            <a:avLst/>
+          </a:prstGeom>
+        </p:spPr>
+        <p:style>
+          <a:lnRef idx="2">
+            <a:schemeClr val="accent1">
+              <a:shade val="50000"/>
+            </a:schemeClr>
+          </a:lnRef>
+          <a:fillRef idx="1">
+            <a:schemeClr val="accent1"/>
+          </a:fillRef>
+          <a:effectRef idx="0">
+            <a:schemeClr val="accent1"/>
+          </a:effectRef>
+          <a:fontRef idx="minor">
+            <a:schemeClr val="lt1"/>
+          </a:fontRef>
+        </p:style>
+        <p:txBody>
+          <a:bodyPr rtlCol="0" anchor="ctr"/>
+          <a:lstStyle/>
+          <a:p>
+            <a:pPr algn="ctr"/>
             <a:r>
               <a:rPr lang="en-US" altLang="ko-KR">
+                <a:ea typeface="맑은 고딕"/>
+              </a:rPr>
+              <a:t>Submit Name</a:t>
+            </a:r>
+            <a:endParaRPr lang="ko-KR" altLang="en-US">
+              <a:ea typeface="맑은 고딕"/>
+            </a:endParaRPr>
+          </a:p>
+        </p:txBody>
+      </p:sp>
+      <p:sp>
+        <p:nvSpPr>
+          <p:cNvPr id="7" name="모서리가 둥근 직사각형 6"/>
+          <p:cNvSpPr/>
+          <p:nvPr/>
+        </p:nvSpPr>
+        <p:spPr>
+          <a:xfrm>
+            <a:off x="3094247" y="2794079"/>
+            <a:ext cx="1601542" cy="273921"/>
+          </a:xfrm>
+          <a:prstGeom prst="roundRect">
+            <a:avLst/>
+          </a:prstGeom>
+          <a:solidFill>
+            <a:srgbClr val="FF0000"/>
+          </a:solidFill>
+        </p:spPr>
+        <p:style>
+          <a:lnRef idx="2">
+            <a:schemeClr val="accent1">
+              <a:shade val="50000"/>
+            </a:schemeClr>
+          </a:lnRef>
+          <a:fillRef idx="1">
+            <a:schemeClr val="accent1"/>
+          </a:fillRef>
+          <a:effectRef idx="0">
+            <a:schemeClr val="accent1"/>
+          </a:effectRef>
+          <a:fontRef idx="minor">
+            <a:schemeClr val="lt1"/>
+          </a:fontRef>
+        </p:style>
+        <p:txBody>
+          <a:bodyPr rtlCol="0" anchor="ctr"/>
+          <a:lstStyle/>
+          <a:p>
+            <a:pPr algn="ctr"/>
+            <a:r>
+              <a:rPr lang="en-US" altLang="ko-KR">
+                <a:solidFill>
+                  <a:srgbClr val="FFFFFF"/>
+                </a:solidFill>
+                <a:ea typeface="맑은 고딕"/>
+              </a:rPr>
+              <a:t>Game Start</a:t>
+            </a:r>
+            <a:endParaRPr lang="ko-KR" altLang="en-US">
+              <a:solidFill>
+                <a:srgbClr val="FFFFFF"/>
+              </a:solidFill>
+              <a:ea typeface="맑은 고딕"/>
+            </a:endParaRPr>
+          </a:p>
+        </p:txBody>
+      </p:sp>
+      <p:sp>
+        <p:nvSpPr>
+          <p:cNvPr id="8" name="모서리가 둥근 직사각형 7"/>
+          <p:cNvSpPr/>
+          <p:nvPr/>
+        </p:nvSpPr>
+        <p:spPr>
+          <a:xfrm>
+            <a:off x="832060" y="3070083"/>
+            <a:ext cx="2225927" cy="273921"/>
+          </a:xfrm>
+          <a:prstGeom prst="roundRect">
+            <a:avLst/>
+          </a:prstGeom>
+        </p:spPr>
+        <p:style>
+          <a:lnRef idx="2">
+            <a:schemeClr val="accent1">
+              <a:shade val="50000"/>
+            </a:schemeClr>
+          </a:lnRef>
+          <a:fillRef idx="1">
+            <a:schemeClr val="accent1"/>
+          </a:fillRef>
+          <a:effectRef idx="0">
+            <a:schemeClr val="accent1"/>
+          </a:effectRef>
+          <a:fontRef idx="minor">
+            <a:schemeClr val="lt1"/>
+          </a:fontRef>
+        </p:style>
+        <p:txBody>
+          <a:bodyPr rtlCol="0" anchor="ctr"/>
+          <a:lstStyle/>
+          <a:p>
+            <a:pPr algn="ctr"/>
+            <a:r>
+              <a:rPr lang="en-US" altLang="ko-KR">
+                <a:ea typeface="맑은 고딕"/>
+              </a:rPr>
+              <a:t>Submit Map</a:t>
+            </a:r>
+            <a:endParaRPr lang="ko-KR" altLang="en-US">
+              <a:ea typeface="맑은 고딕"/>
+            </a:endParaRPr>
+          </a:p>
+        </p:txBody>
+      </p:sp>
+      <p:sp>
+        <p:nvSpPr>
+          <p:cNvPr id="13" name="모서리가 둥근 직사각형 12"/>
+          <p:cNvSpPr/>
+          <p:nvPr/>
+        </p:nvSpPr>
+        <p:spPr>
+          <a:xfrm>
+            <a:off x="832058" y="3877197"/>
+            <a:ext cx="2225927" cy="273921"/>
+          </a:xfrm>
+          <a:prstGeom prst="roundRect">
+            <a:avLst/>
+          </a:prstGeom>
+        </p:spPr>
+        <p:style>
+          <a:lnRef idx="2">
+            <a:schemeClr val="accent1">
+              <a:shade val="50000"/>
+            </a:schemeClr>
+          </a:lnRef>
+          <a:fillRef idx="1">
+            <a:schemeClr val="accent1"/>
+          </a:fillRef>
+          <a:effectRef idx="0">
+            <a:schemeClr val="accent1"/>
+          </a:effectRef>
+          <a:fontRef idx="minor">
+            <a:schemeClr val="lt1"/>
+          </a:fontRef>
+        </p:style>
+        <p:txBody>
+          <a:bodyPr rtlCol="0" anchor="ctr"/>
+          <a:lstStyle/>
+          <a:p>
+            <a:pPr algn="ctr"/>
+            <a:r>
+              <a:rPr lang="en-US" altLang="ko-KR">
+                <a:ea typeface="맑은 고딕"/>
+              </a:rPr>
+              <a:t>Submit Attack</a:t>
+            </a:r>
+            <a:endParaRPr lang="ko-KR" altLang="en-US">
+              <a:ea typeface="맑은 고딕"/>
+            </a:endParaRPr>
+          </a:p>
+        </p:txBody>
+      </p:sp>
+      <p:sp>
+        <p:nvSpPr>
+          <p:cNvPr id="14" name="모서리가 둥근 직사각형 13"/>
+          <p:cNvSpPr/>
+          <p:nvPr/>
+        </p:nvSpPr>
+        <p:spPr>
+          <a:xfrm>
+            <a:off x="3060627" y="3618286"/>
+            <a:ext cx="1601542" cy="273921"/>
+          </a:xfrm>
+          <a:prstGeom prst="roundRect">
+            <a:avLst/>
+          </a:prstGeom>
+          <a:solidFill>
+            <a:srgbClr val="FF0000"/>
+          </a:solidFill>
+        </p:spPr>
+        <p:style>
+          <a:lnRef idx="2">
+            <a:schemeClr val="accent1">
+              <a:shade val="50000"/>
+            </a:schemeClr>
+          </a:lnRef>
+          <a:fillRef idx="1">
+            <a:schemeClr val="accent1"/>
+          </a:fillRef>
+          <a:effectRef idx="0">
+            <a:schemeClr val="accent1"/>
+          </a:effectRef>
+          <a:fontRef idx="minor">
+            <a:schemeClr val="lt1"/>
+          </a:fontRef>
+        </p:style>
+        <p:txBody>
+          <a:bodyPr rtlCol="0" anchor="ctr"/>
+          <a:lstStyle/>
+          <a:p>
+            <a:pPr algn="ctr"/>
+            <a:r>
+              <a:rPr lang="en-US" altLang="ko-KR" smtClean="0">
+                <a:solidFill>
+                  <a:srgbClr val="FFFFFF"/>
+                </a:solidFill>
+                <a:ea typeface="맑은 고딕"/>
+              </a:rPr>
+              <a:t>My Turn</a:t>
+            </a:r>
+            <a:endParaRPr lang="ko-KR" altLang="en-US">
+              <a:solidFill>
+                <a:srgbClr val="FFFFFF"/>
+              </a:solidFill>
+              <a:ea typeface="맑은 고딕"/>
+            </a:endParaRPr>
+          </a:p>
+        </p:txBody>
+      </p:sp>
+      <p:sp>
+        <p:nvSpPr>
+          <p:cNvPr id="15" name="모서리가 둥근 직사각형 14"/>
+          <p:cNvSpPr/>
+          <p:nvPr/>
+        </p:nvSpPr>
+        <p:spPr>
+          <a:xfrm>
+            <a:off x="3057986" y="4218692"/>
+            <a:ext cx="1601542" cy="273921"/>
+          </a:xfrm>
+          <a:prstGeom prst="roundRect">
+            <a:avLst/>
+          </a:prstGeom>
+          <a:solidFill>
+            <a:srgbClr val="FF0000"/>
+          </a:solidFill>
+        </p:spPr>
+        <p:style>
+          <a:lnRef idx="2">
+            <a:schemeClr val="accent1">
+              <a:shade val="50000"/>
+            </a:schemeClr>
+          </a:lnRef>
+          <a:fillRef idx="1">
+            <a:schemeClr val="accent1"/>
+          </a:fillRef>
+          <a:effectRef idx="0">
+            <a:schemeClr val="accent1"/>
+          </a:effectRef>
+          <a:fontRef idx="minor">
+            <a:schemeClr val="lt1"/>
+          </a:fontRef>
+        </p:style>
+        <p:txBody>
+          <a:bodyPr rtlCol="0" anchor="ctr"/>
+          <a:lstStyle/>
+          <a:p>
+            <a:pPr algn="ctr"/>
+            <a:r>
+              <a:rPr lang="en-US" altLang="ko-KR" smtClean="0">
+                <a:solidFill>
+                  <a:srgbClr val="FFFFFF"/>
+                </a:solidFill>
+                <a:ea typeface="맑은 고딕"/>
+              </a:rPr>
+              <a:t>Attack Result</a:t>
+            </a:r>
+            <a:endParaRPr lang="ko-KR" altLang="en-US">
+              <a:solidFill>
+                <a:srgbClr val="FFFFFF"/>
+              </a:solidFill>
+              <a:ea typeface="맑은 고딕"/>
+            </a:endParaRPr>
+          </a:p>
+        </p:txBody>
+      </p:sp>
+      <p:sp>
+        <p:nvSpPr>
+          <p:cNvPr id="16" name="모서리가 둥근 직사각형 15"/>
+          <p:cNvSpPr/>
+          <p:nvPr/>
+        </p:nvSpPr>
+        <p:spPr>
+          <a:xfrm>
+            <a:off x="3057985" y="5424108"/>
+            <a:ext cx="1601542" cy="273921"/>
+          </a:xfrm>
+          <a:prstGeom prst="roundRect">
+            <a:avLst/>
+          </a:prstGeom>
+          <a:solidFill>
+            <a:srgbClr val="FF0000"/>
+          </a:solidFill>
+        </p:spPr>
+        <p:style>
+          <a:lnRef idx="2">
+            <a:schemeClr val="accent1">
+              <a:shade val="50000"/>
+            </a:schemeClr>
+          </a:lnRef>
+          <a:fillRef idx="1">
+            <a:schemeClr val="accent1"/>
+          </a:fillRef>
+          <a:effectRef idx="0">
+            <a:schemeClr val="accent1"/>
+          </a:effectRef>
+          <a:fontRef idx="minor">
+            <a:schemeClr val="lt1"/>
+          </a:fontRef>
+        </p:style>
+        <p:txBody>
+          <a:bodyPr rtlCol="0" anchor="ctr"/>
+          <a:lstStyle/>
+          <a:p>
+            <a:pPr algn="ctr"/>
+            <a:r>
+              <a:rPr lang="en-US" altLang="ko-KR" smtClean="0">
+                <a:solidFill>
+                  <a:srgbClr val="FFFFFF"/>
+                </a:solidFill>
+                <a:ea typeface="맑은 고딕"/>
+              </a:rPr>
+              <a:t>Game Over</a:t>
+            </a:r>
+            <a:endParaRPr lang="ko-KR" altLang="en-US">
+              <a:solidFill>
+                <a:srgbClr val="FFFFFF"/>
+              </a:solidFill>
+              <a:ea typeface="맑은 고딕"/>
+            </a:endParaRPr>
+          </a:p>
+        </p:txBody>
+      </p:sp>
+      <p:sp>
+        <p:nvSpPr>
+          <p:cNvPr id="17" name="모서리가 둥근 직사각형 16"/>
+          <p:cNvSpPr/>
+          <p:nvPr/>
+        </p:nvSpPr>
+        <p:spPr>
+          <a:xfrm>
+            <a:off x="3738961" y="6073402"/>
+            <a:ext cx="1601542" cy="273921"/>
+          </a:xfrm>
+          <a:prstGeom prst="roundRect">
+            <a:avLst/>
+          </a:prstGeom>
+          <a:solidFill>
+            <a:srgbClr val="FF0000"/>
+          </a:solidFill>
+        </p:spPr>
+        <p:style>
+          <a:lnRef idx="2">
+            <a:schemeClr val="accent1">
+              <a:shade val="50000"/>
+            </a:schemeClr>
+          </a:lnRef>
+          <a:fillRef idx="1">
+            <a:schemeClr val="accent1"/>
+          </a:fillRef>
+          <a:effectRef idx="0">
+            <a:schemeClr val="accent1"/>
+          </a:effectRef>
+          <a:fontRef idx="minor">
+            <a:schemeClr val="lt1"/>
+          </a:fontRef>
+        </p:style>
+        <p:txBody>
+          <a:bodyPr rtlCol="0" anchor="ctr"/>
+          <a:lstStyle/>
+          <a:p>
+            <a:pPr algn="ctr"/>
+            <a:r>
+              <a:rPr lang="en-US" altLang="ko-KR" smtClean="0">
+                <a:solidFill>
+                  <a:srgbClr val="FFFFFF"/>
+                </a:solidFill>
+                <a:ea typeface="맑은 고딕"/>
+              </a:rPr>
+              <a:t>Over All</a:t>
+            </a:r>
+            <a:endParaRPr lang="ko-KR" altLang="en-US">
+              <a:solidFill>
+                <a:srgbClr val="FFFFFF"/>
+              </a:solidFill>
+              <a:ea typeface="맑은 고딕"/>
+            </a:endParaRPr>
+          </a:p>
+        </p:txBody>
+      </p:sp>
+      <p:sp>
+        <p:nvSpPr>
+          <p:cNvPr id="18" name="모서리가 둥근 직사각형 17"/>
+          <p:cNvSpPr/>
+          <p:nvPr/>
+        </p:nvSpPr>
+        <p:spPr>
+          <a:xfrm>
+            <a:off x="1945021" y="6059482"/>
+            <a:ext cx="1601542" cy="273921"/>
+          </a:xfrm>
+          <a:prstGeom prst="roundRect">
+            <a:avLst/>
+          </a:prstGeom>
+          <a:solidFill>
+            <a:srgbClr val="FF0000"/>
+          </a:solidFill>
+        </p:spPr>
+        <p:style>
+          <a:lnRef idx="2">
+            <a:schemeClr val="accent1">
+              <a:shade val="50000"/>
+            </a:schemeClr>
+          </a:lnRef>
+          <a:fillRef idx="1">
+            <a:schemeClr val="accent1"/>
+          </a:fillRef>
+          <a:effectRef idx="0">
+            <a:schemeClr val="accent1"/>
+          </a:effectRef>
+          <a:fontRef idx="minor">
+            <a:schemeClr val="lt1"/>
+          </a:fontRef>
+        </p:style>
+        <p:txBody>
+          <a:bodyPr rtlCol="0" anchor="ctr"/>
+          <a:lstStyle/>
+          <a:p>
+            <a:pPr algn="ctr"/>
+            <a:r>
+              <a:rPr lang="en-US" altLang="ko-KR" smtClean="0">
+                <a:solidFill>
+                  <a:srgbClr val="FFFFFF"/>
+                </a:solidFill>
+                <a:ea typeface="맑은 고딕"/>
+              </a:rPr>
+              <a:t>Next Game</a:t>
+            </a:r>
+            <a:endParaRPr lang="ko-KR" altLang="en-US">
+              <a:solidFill>
+                <a:srgbClr val="FFFFFF"/>
+              </a:solidFill>
+              <a:ea typeface="맑은 고딕"/>
+            </a:endParaRPr>
+          </a:p>
+        </p:txBody>
+      </p:sp>
+      <p:sp>
+        <p:nvSpPr>
+          <p:cNvPr id="21" name="모서리가 둥근 직사각형 20"/>
+          <p:cNvSpPr/>
+          <p:nvPr/>
+        </p:nvSpPr>
+        <p:spPr>
+          <a:xfrm>
+            <a:off x="3060627" y="4830708"/>
+            <a:ext cx="1601542" cy="273921"/>
+          </a:xfrm>
+          <a:prstGeom prst="roundRect">
+            <a:avLst/>
+          </a:prstGeom>
+          <a:solidFill>
+            <a:srgbClr val="FF0000"/>
+          </a:solidFill>
+        </p:spPr>
+        <p:style>
+          <a:lnRef idx="2">
+            <a:schemeClr val="accent1">
+              <a:shade val="50000"/>
+            </a:schemeClr>
+          </a:lnRef>
+          <a:fillRef idx="1">
+            <a:schemeClr val="accent1"/>
+          </a:fillRef>
+          <a:effectRef idx="0">
+            <a:schemeClr val="accent1"/>
+          </a:effectRef>
+          <a:fontRef idx="minor">
+            <a:schemeClr val="lt1"/>
+          </a:fontRef>
+        </p:style>
+        <p:txBody>
+          <a:bodyPr rtlCol="0" anchor="ctr"/>
+          <a:lstStyle/>
+          <a:p>
+            <a:pPr algn="ctr"/>
+            <a:r>
+              <a:rPr lang="en-US" altLang="ko-KR" smtClean="0">
+                <a:solidFill>
+                  <a:srgbClr val="FFFFFF"/>
+                </a:solidFill>
+                <a:ea typeface="맑은 고딕"/>
+              </a:rPr>
+              <a:t>Attack Result</a:t>
+            </a:r>
+            <a:endParaRPr lang="ko-KR" altLang="en-US">
+              <a:solidFill>
+                <a:srgbClr val="FFFFFF"/>
+              </a:solidFill>
+              <a:ea typeface="맑은 고딕"/>
+            </a:endParaRPr>
+          </a:p>
+        </p:txBody>
+      </p:sp>
+      <p:sp>
+        <p:nvSpPr>
+          <p:cNvPr id="3" name="오른쪽 중괄호 2"/>
+          <p:cNvSpPr/>
+          <p:nvPr/>
+        </p:nvSpPr>
+        <p:spPr>
+          <a:xfrm>
+            <a:off x="4843849" y="3344004"/>
+            <a:ext cx="630194" cy="2080104"/>
+          </a:xfrm>
+          <a:prstGeom prst="rightBrace">
+            <a:avLst/>
+          </a:prstGeom>
+          <a:ln w="57150"/>
+        </p:spPr>
+        <p:style>
+          <a:lnRef idx="1">
+            <a:schemeClr val="accent1"/>
+          </a:lnRef>
+          <a:fillRef idx="0">
+            <a:schemeClr val="accent1"/>
+          </a:fillRef>
+          <a:effectRef idx="0">
+            <a:schemeClr val="accent1"/>
+          </a:effectRef>
+          <a:fontRef idx="minor">
+            <a:schemeClr val="tx1"/>
+          </a:fontRef>
+        </p:style>
+        <p:txBody>
+          <a:bodyPr rtlCol="0" anchor="ctr"/>
+          <a:lstStyle/>
+          <a:p>
+            <a:pPr algn="ctr"/>
+            <a:endParaRPr lang="ko-KR" altLang="en-US"/>
+          </a:p>
+        </p:txBody>
+      </p:sp>
+      <p:sp>
+        <p:nvSpPr>
+          <p:cNvPr id="9" name="TextBox 8"/>
+          <p:cNvSpPr txBox="1"/>
+          <p:nvPr/>
+        </p:nvSpPr>
+        <p:spPr>
+          <a:xfrm>
+            <a:off x="4979773" y="4170016"/>
+            <a:ext cx="2384854" cy="646331"/>
+          </a:xfrm>
+          <a:prstGeom prst="rect">
+            <a:avLst/>
+          </a:prstGeom>
+          <a:ln w="57150"/>
+        </p:spPr>
+        <p:style>
+          <a:lnRef idx="2">
+            <a:schemeClr val="accent1"/>
+          </a:lnRef>
+          <a:fillRef idx="1">
+            <a:schemeClr val="lt1"/>
+          </a:fillRef>
+          <a:effectRef idx="0">
+            <a:schemeClr val="accent1"/>
+          </a:effectRef>
+          <a:fontRef idx="minor">
+            <a:schemeClr val="dk1"/>
+          </a:fontRef>
+        </p:style>
+        <p:txBody>
+          <a:bodyPr wrap="square" rtlCol="0">
+            <a:spAutoFit/>
+          </a:bodyPr>
+          <a:lstStyle/>
+          <a:p>
+            <a:r>
+              <a:rPr lang="en-US" altLang="ko-KR" smtClean="0"/>
+              <a:t>		</a:t>
+            </a:r>
+            <a:r>
+              <a:rPr lang="ko-KR" altLang="en-US" smtClean="0"/>
+              <a:t>가</a:t>
+            </a:r>
+            <a:endParaRPr lang="en-US" altLang="ko-KR"/>
+          </a:p>
+          <a:p>
+            <a:r>
+              <a:rPr lang="ko-KR" altLang="en-US" smtClean="0"/>
+              <a:t>올때까지 계속</a:t>
+            </a:r>
+            <a:r>
+              <a:rPr lang="en-US" altLang="ko-KR"/>
+              <a:t> </a:t>
+            </a:r>
+            <a:r>
+              <a:rPr lang="ko-KR" altLang="en-US" smtClean="0"/>
+              <a:t>반복</a:t>
+            </a:r>
+            <a:endParaRPr lang="ko-KR" altLang="en-US"/>
+          </a:p>
+        </p:txBody>
+      </p:sp>
+      <p:sp>
+        <p:nvSpPr>
+          <p:cNvPr id="23" name="모서리가 둥근 직사각형 22"/>
+          <p:cNvSpPr/>
+          <p:nvPr/>
+        </p:nvSpPr>
+        <p:spPr>
+          <a:xfrm>
+            <a:off x="5158946" y="4209946"/>
+            <a:ext cx="1601542" cy="273921"/>
+          </a:xfrm>
+          <a:prstGeom prst="roundRect">
+            <a:avLst/>
+          </a:prstGeom>
+          <a:solidFill>
+            <a:srgbClr val="FF0000"/>
+          </a:solidFill>
+        </p:spPr>
+        <p:style>
+          <a:lnRef idx="2">
+            <a:schemeClr val="accent1">
+              <a:shade val="50000"/>
+            </a:schemeClr>
+          </a:lnRef>
+          <a:fillRef idx="1">
+            <a:schemeClr val="accent1"/>
+          </a:fillRef>
+          <a:effectRef idx="0">
+            <a:schemeClr val="accent1"/>
+          </a:effectRef>
+          <a:fontRef idx="minor">
+            <a:schemeClr val="lt1"/>
+          </a:fontRef>
+        </p:style>
+        <p:txBody>
+          <a:bodyPr rtlCol="0" anchor="ctr"/>
+          <a:lstStyle/>
+          <a:p>
+            <a:pPr algn="ctr"/>
+            <a:r>
+              <a:rPr lang="en-US" altLang="ko-KR" smtClean="0">
+                <a:solidFill>
+                  <a:srgbClr val="FFFFFF"/>
+                </a:solidFill>
+                <a:ea typeface="맑은 고딕"/>
+              </a:rPr>
+              <a:t>Game Over</a:t>
+            </a:r>
+            <a:endParaRPr lang="ko-KR" altLang="en-US">
+              <a:solidFill>
+                <a:srgbClr val="FFFFFF"/>
+              </a:solidFill>
+              <a:ea typeface="맑은 고딕"/>
+            </a:endParaRPr>
+          </a:p>
+        </p:txBody>
+      </p:sp>
+      <p:cxnSp>
+        <p:nvCxnSpPr>
+          <p:cNvPr id="11" name="직선 화살표 연결선 10"/>
+          <p:cNvCxnSpPr/>
+          <p:nvPr/>
+        </p:nvCxnSpPr>
+        <p:spPr>
+          <a:xfrm flipH="1">
+            <a:off x="4421839" y="2489945"/>
+            <a:ext cx="1115868" cy="1014030"/>
+          </a:xfrm>
+          <a:prstGeom prst="straightConnector1">
+            <a:avLst/>
+          </a:prstGeom>
+          <a:ln w="57150">
+            <a:solidFill>
+              <a:srgbClr val="FFC000"/>
+            </a:solidFill>
+            <a:prstDash val="sysDot"/>
+            <a:tailEnd type="arrow"/>
+          </a:ln>
+        </p:spPr>
+        <p:style>
+          <a:lnRef idx="1">
+            <a:schemeClr val="accent1"/>
+          </a:lnRef>
+          <a:fillRef idx="0">
+            <a:schemeClr val="accent1"/>
+          </a:fillRef>
+          <a:effectRef idx="0">
+            <a:schemeClr val="accent1"/>
+          </a:effectRef>
+          <a:fontRef idx="minor">
+            <a:schemeClr val="tx1"/>
+          </a:fontRef>
+        </p:style>
+      </p:cxnSp>
+      <p:sp>
+        <p:nvSpPr>
+          <p:cNvPr id="12" name="직사각형 11"/>
+          <p:cNvSpPr/>
+          <p:nvPr/>
+        </p:nvSpPr>
+        <p:spPr>
+          <a:xfrm>
+            <a:off x="5599492" y="1732323"/>
+            <a:ext cx="2728963" cy="2144873"/>
+          </a:xfrm>
+          <a:prstGeom prst="rect">
+            <a:avLst/>
+          </a:prstGeom>
+          <a:solidFill>
+            <a:schemeClr val="bg1"/>
+          </a:solidFill>
+          <a:ln w="38100">
+            <a:solidFill>
+              <a:srgbClr val="FFC000"/>
+            </a:solidFill>
+            <a:prstDash val="dash"/>
+          </a:ln>
+        </p:spPr>
+        <p:style>
+          <a:lnRef idx="2">
+            <a:schemeClr val="accent1">
+              <a:shade val="50000"/>
+            </a:schemeClr>
+          </a:lnRef>
+          <a:fillRef idx="1">
+            <a:schemeClr val="accent1"/>
+          </a:fillRef>
+          <a:effectRef idx="0">
+            <a:schemeClr val="accent1"/>
+          </a:effectRef>
+          <a:fontRef idx="minor">
+            <a:schemeClr val="lt1"/>
+          </a:fontRef>
+        </p:style>
+        <p:txBody>
+          <a:bodyPr rtlCol="0" anchor="ctr"/>
+          <a:lstStyle/>
+          <a:p>
+            <a:pPr algn="ctr"/>
+            <a:r>
+              <a:rPr lang="ko-KR" altLang="en-US" smtClean="0">
+                <a:solidFill>
+                  <a:schemeClr val="tx1"/>
+                </a:solidFill>
+              </a:rPr>
+              <a:t>상대방이 선공이면</a:t>
+            </a:r>
+            <a:endParaRPr lang="en-US" altLang="ko-KR" smtClean="0">
+              <a:solidFill>
+                <a:schemeClr val="tx1"/>
+              </a:solidFill>
+            </a:endParaRPr>
+          </a:p>
+          <a:p>
+            <a:pPr algn="ctr"/>
+            <a:endParaRPr lang="en-US" altLang="ko-KR">
+              <a:solidFill>
+                <a:schemeClr val="tx1"/>
+              </a:solidFill>
+            </a:endParaRPr>
+          </a:p>
+          <a:p>
+            <a:pPr algn="ctr"/>
+            <a:endParaRPr lang="en-US" altLang="ko-KR" smtClean="0">
+              <a:solidFill>
+                <a:schemeClr val="tx1"/>
+              </a:solidFill>
+            </a:endParaRPr>
+          </a:p>
+          <a:p>
+            <a:pPr algn="ctr"/>
+            <a:endParaRPr lang="en-US" altLang="ko-KR">
+              <a:solidFill>
+                <a:schemeClr val="tx1"/>
+              </a:solidFill>
+            </a:endParaRPr>
+          </a:p>
+          <a:p>
+            <a:pPr algn="ctr"/>
+            <a:endParaRPr lang="en-US" altLang="ko-KR">
+              <a:solidFill>
+                <a:schemeClr val="tx1"/>
+              </a:solidFill>
+            </a:endParaRPr>
+          </a:p>
+          <a:p>
+            <a:pPr algn="ctr"/>
+            <a:endParaRPr lang="en-US" altLang="ko-KR" smtClean="0">
+              <a:solidFill>
+                <a:schemeClr val="tx1"/>
+              </a:solidFill>
+            </a:endParaRPr>
+          </a:p>
+          <a:p>
+            <a:pPr algn="ctr"/>
+            <a:r>
+              <a:rPr lang="ko-KR" altLang="en-US" smtClean="0">
+                <a:solidFill>
+                  <a:schemeClr val="tx1"/>
+                </a:solidFill>
+              </a:rPr>
+              <a:t>순서 반대로</a:t>
+            </a:r>
+            <a:r>
+              <a:rPr lang="en-US" altLang="ko-KR" smtClean="0">
+                <a:solidFill>
+                  <a:schemeClr val="tx1"/>
+                </a:solidFill>
+              </a:rPr>
+              <a:t>!</a:t>
+            </a:r>
+          </a:p>
+        </p:txBody>
+      </p:sp>
+      <p:sp>
+        <p:nvSpPr>
+          <p:cNvPr id="24" name="직사각형 23"/>
+          <p:cNvSpPr/>
+          <p:nvPr/>
+        </p:nvSpPr>
+        <p:spPr>
+          <a:xfrm>
+            <a:off x="5628421" y="2223111"/>
+            <a:ext cx="2597400" cy="478329"/>
+          </a:xfrm>
+          <a:prstGeom prst="rect">
+            <a:avLst/>
+          </a:prstGeom>
+        </p:spPr>
+        <p:style>
+          <a:lnRef idx="1">
+            <a:schemeClr val="accent3"/>
+          </a:lnRef>
+          <a:fillRef idx="2">
+            <a:schemeClr val="accent3"/>
+          </a:fillRef>
+          <a:effectRef idx="1">
+            <a:schemeClr val="accent3"/>
+          </a:effectRef>
+          <a:fontRef idx="minor">
+            <a:schemeClr val="dk1"/>
+          </a:fontRef>
+        </p:style>
+        <p:txBody>
+          <a:bodyPr rtlCol="0" anchor="ctr"/>
+          <a:lstStyle/>
+          <a:p>
+            <a:pPr algn="ctr"/>
+            <a:endParaRPr lang="ko-KR" altLang="en-US" sz="1050"/>
+          </a:p>
+        </p:txBody>
+      </p:sp>
+      <p:sp>
+        <p:nvSpPr>
+          <p:cNvPr id="25" name="직사각형 24"/>
+          <p:cNvSpPr/>
+          <p:nvPr/>
+        </p:nvSpPr>
+        <p:spPr>
+          <a:xfrm>
+            <a:off x="5628421" y="2781156"/>
+            <a:ext cx="2597400" cy="638337"/>
+          </a:xfrm>
+          <a:prstGeom prst="rect">
+            <a:avLst/>
+          </a:prstGeom>
+        </p:spPr>
+        <p:style>
+          <a:lnRef idx="1">
+            <a:schemeClr val="accent3"/>
+          </a:lnRef>
+          <a:fillRef idx="2">
+            <a:schemeClr val="accent3"/>
+          </a:fillRef>
+          <a:effectRef idx="1">
+            <a:schemeClr val="accent3"/>
+          </a:effectRef>
+          <a:fontRef idx="minor">
+            <a:schemeClr val="dk1"/>
+          </a:fontRef>
+        </p:style>
+        <p:txBody>
+          <a:bodyPr rtlCol="0" anchor="ctr"/>
+          <a:lstStyle/>
+          <a:p>
+            <a:pPr algn="ctr"/>
+            <a:endParaRPr lang="ko-KR" altLang="en-US" sz="1050"/>
+          </a:p>
+        </p:txBody>
+      </p:sp>
+      <p:sp>
+        <p:nvSpPr>
+          <p:cNvPr id="26" name="모서리가 둥근 직사각형 25"/>
+          <p:cNvSpPr/>
+          <p:nvPr/>
+        </p:nvSpPr>
+        <p:spPr>
+          <a:xfrm>
+            <a:off x="5628421" y="3017439"/>
+            <a:ext cx="1392534" cy="171364"/>
+          </a:xfrm>
+          <a:prstGeom prst="roundRect">
+            <a:avLst/>
+          </a:prstGeom>
+        </p:spPr>
+        <p:style>
+          <a:lnRef idx="2">
+            <a:schemeClr val="accent1">
+              <a:shade val="50000"/>
+            </a:schemeClr>
+          </a:lnRef>
+          <a:fillRef idx="1">
+            <a:schemeClr val="accent1"/>
+          </a:fillRef>
+          <a:effectRef idx="0">
+            <a:schemeClr val="accent1"/>
+          </a:effectRef>
+          <a:fontRef idx="minor">
+            <a:schemeClr val="lt1"/>
+          </a:fontRef>
+        </p:style>
+        <p:txBody>
+          <a:bodyPr rtlCol="0" anchor="ctr"/>
+          <a:lstStyle/>
+          <a:p>
+            <a:pPr algn="ctr"/>
+            <a:r>
+              <a:rPr lang="en-US" altLang="ko-KR" sz="1050">
+                <a:ea typeface="맑은 고딕"/>
+              </a:rPr>
+              <a:t>Submit Attack</a:t>
+            </a:r>
+            <a:endParaRPr lang="ko-KR" altLang="en-US" sz="1050">
+              <a:ea typeface="맑은 고딕"/>
+            </a:endParaRPr>
+          </a:p>
+        </p:txBody>
+      </p:sp>
+      <p:sp>
+        <p:nvSpPr>
+          <p:cNvPr id="27" name="모서리가 둥근 직사각형 26"/>
+          <p:cNvSpPr/>
+          <p:nvPr/>
+        </p:nvSpPr>
+        <p:spPr>
+          <a:xfrm>
+            <a:off x="7042219" y="2877683"/>
+            <a:ext cx="1001921" cy="171364"/>
+          </a:xfrm>
+          <a:prstGeom prst="roundRect">
+            <a:avLst/>
+          </a:prstGeom>
+          <a:solidFill>
+            <a:srgbClr val="FF0000"/>
+          </a:solidFill>
+        </p:spPr>
+        <p:style>
+          <a:lnRef idx="2">
+            <a:schemeClr val="accent1">
+              <a:shade val="50000"/>
+            </a:schemeClr>
+          </a:lnRef>
+          <a:fillRef idx="1">
+            <a:schemeClr val="accent1"/>
+          </a:fillRef>
+          <a:effectRef idx="0">
+            <a:schemeClr val="accent1"/>
+          </a:effectRef>
+          <a:fontRef idx="minor">
+            <a:schemeClr val="lt1"/>
+          </a:fontRef>
+        </p:style>
+        <p:txBody>
+          <a:bodyPr rtlCol="0" anchor="ctr"/>
+          <a:lstStyle/>
+          <a:p>
+            <a:pPr algn="ctr"/>
+            <a:r>
+              <a:rPr lang="en-US" altLang="ko-KR" sz="1050" smtClean="0">
+                <a:solidFill>
+                  <a:srgbClr val="FFFFFF"/>
+                </a:solidFill>
+                <a:ea typeface="맑은 고딕"/>
+              </a:rPr>
+              <a:t>My Turn</a:t>
+            </a:r>
+            <a:endParaRPr lang="ko-KR" altLang="en-US" sz="1050">
+              <a:solidFill>
+                <a:srgbClr val="FFFFFF"/>
+              </a:solidFill>
+              <a:ea typeface="맑은 고딕"/>
+            </a:endParaRPr>
+          </a:p>
+        </p:txBody>
+      </p:sp>
+      <p:sp>
+        <p:nvSpPr>
+          <p:cNvPr id="28" name="모서리가 둥근 직사각형 27"/>
+          <p:cNvSpPr/>
+          <p:nvPr/>
+        </p:nvSpPr>
+        <p:spPr>
+          <a:xfrm>
+            <a:off x="7042219" y="3185279"/>
+            <a:ext cx="1001921" cy="171364"/>
+          </a:xfrm>
+          <a:prstGeom prst="roundRect">
+            <a:avLst/>
+          </a:prstGeom>
+          <a:solidFill>
+            <a:srgbClr val="FF0000"/>
+          </a:solidFill>
+        </p:spPr>
+        <p:style>
+          <a:lnRef idx="2">
+            <a:schemeClr val="accent1">
+              <a:shade val="50000"/>
+            </a:schemeClr>
+          </a:lnRef>
+          <a:fillRef idx="1">
+            <a:schemeClr val="accent1"/>
+          </a:fillRef>
+          <a:effectRef idx="0">
+            <a:schemeClr val="accent1"/>
+          </a:effectRef>
+          <a:fontRef idx="minor">
+            <a:schemeClr val="lt1"/>
+          </a:fontRef>
+        </p:style>
+        <p:txBody>
+          <a:bodyPr rtlCol="0" anchor="ctr"/>
+          <a:lstStyle/>
+          <a:p>
+            <a:pPr algn="ctr"/>
+            <a:r>
+              <a:rPr lang="en-US" altLang="ko-KR" sz="1050" smtClean="0">
+                <a:solidFill>
+                  <a:srgbClr val="FFFFFF"/>
+                </a:solidFill>
+                <a:ea typeface="맑은 고딕"/>
+              </a:rPr>
+              <a:t>Attack Result</a:t>
+            </a:r>
+            <a:endParaRPr lang="ko-KR" altLang="en-US" sz="1050">
+              <a:solidFill>
+                <a:srgbClr val="FFFFFF"/>
+              </a:solidFill>
+              <a:ea typeface="맑은 고딕"/>
+            </a:endParaRPr>
+          </a:p>
+        </p:txBody>
+      </p:sp>
+      <p:sp>
+        <p:nvSpPr>
+          <p:cNvPr id="29" name="모서리가 둥근 직사각형 28"/>
+          <p:cNvSpPr/>
+          <p:nvPr/>
+        </p:nvSpPr>
+        <p:spPr>
+          <a:xfrm>
+            <a:off x="7042219" y="2284740"/>
+            <a:ext cx="1001921" cy="171364"/>
+          </a:xfrm>
+          <a:prstGeom prst="roundRect">
+            <a:avLst/>
+          </a:prstGeom>
+          <a:solidFill>
+            <a:srgbClr val="FF0000"/>
+          </a:solidFill>
+        </p:spPr>
+        <p:style>
+          <a:lnRef idx="2">
+            <a:schemeClr val="accent1">
+              <a:shade val="50000"/>
+            </a:schemeClr>
+          </a:lnRef>
+          <a:fillRef idx="1">
+            <a:schemeClr val="accent1"/>
+          </a:fillRef>
+          <a:effectRef idx="0">
+            <a:schemeClr val="accent1"/>
+          </a:effectRef>
+          <a:fontRef idx="minor">
+            <a:schemeClr val="lt1"/>
+          </a:fontRef>
+        </p:style>
+        <p:txBody>
+          <a:bodyPr rtlCol="0" anchor="ctr"/>
+          <a:lstStyle/>
+          <a:p>
+            <a:pPr algn="ctr"/>
+            <a:r>
+              <a:rPr lang="en-US" altLang="ko-KR" sz="1050" smtClean="0">
+                <a:solidFill>
+                  <a:srgbClr val="FFFFFF"/>
+                </a:solidFill>
+                <a:ea typeface="맑은 고딕"/>
+              </a:rPr>
+              <a:t>Attack Result</a:t>
+            </a:r>
+            <a:endParaRPr lang="ko-KR" altLang="en-US" sz="1050">
+              <a:solidFill>
+                <a:srgbClr val="FFFFFF"/>
+              </a:solidFill>
+              <a:ea typeface="맑은 고딕"/>
+            </a:endParaRPr>
+          </a:p>
+        </p:txBody>
+      </p:sp>
+      <p:cxnSp>
+        <p:nvCxnSpPr>
+          <p:cNvPr id="19" name="직선 화살표 연결선 18"/>
+          <p:cNvCxnSpPr>
+            <a:stCxn id="16" idx="2"/>
+          </p:cNvCxnSpPr>
+          <p:nvPr/>
+        </p:nvCxnSpPr>
+        <p:spPr>
+          <a:xfrm flipH="1">
+            <a:off x="3422822" y="5698029"/>
+            <a:ext cx="435934" cy="361453"/>
+          </a:xfrm>
+          <a:prstGeom prst="straightConnector1">
+            <a:avLst/>
+          </a:prstGeom>
+          <a:ln w="57150">
+            <a:solidFill>
+              <a:srgbClr val="FF0000"/>
+            </a:solidFill>
+            <a:tailEnd type="arrow"/>
+          </a:ln>
+        </p:spPr>
+        <p:style>
+          <a:lnRef idx="1">
+            <a:schemeClr val="accent1"/>
+          </a:lnRef>
+          <a:fillRef idx="0">
+            <a:schemeClr val="accent1"/>
+          </a:fillRef>
+          <a:effectRef idx="0">
+            <a:schemeClr val="accent1"/>
+          </a:effectRef>
+          <a:fontRef idx="minor">
+            <a:schemeClr val="tx1"/>
+          </a:fontRef>
+        </p:style>
+      </p:cxnSp>
+      <p:cxnSp>
+        <p:nvCxnSpPr>
+          <p:cNvPr id="30" name="직선 화살표 연결선 29"/>
+          <p:cNvCxnSpPr>
+            <a:stCxn id="16" idx="2"/>
+          </p:cNvCxnSpPr>
+          <p:nvPr/>
+        </p:nvCxnSpPr>
+        <p:spPr>
+          <a:xfrm>
+            <a:off x="3858756" y="5698029"/>
+            <a:ext cx="206617" cy="361453"/>
+          </a:xfrm>
+          <a:prstGeom prst="straightConnector1">
+            <a:avLst/>
+          </a:prstGeom>
+          <a:ln w="57150">
+            <a:solidFill>
+              <a:srgbClr val="FF0000"/>
+            </a:solidFill>
+            <a:tailEnd type="arrow"/>
+          </a:ln>
+        </p:spPr>
+        <p:style>
+          <a:lnRef idx="1">
+            <a:schemeClr val="accent1"/>
+          </a:lnRef>
+          <a:fillRef idx="0">
+            <a:schemeClr val="accent1"/>
+          </a:fillRef>
+          <a:effectRef idx="0">
+            <a:schemeClr val="accent1"/>
+          </a:effectRef>
+          <a:fontRef idx="minor">
+            <a:schemeClr val="tx1"/>
+          </a:fontRef>
+        </p:style>
+      </p:cxnSp>
+      <p:cxnSp>
+        <p:nvCxnSpPr>
+          <p:cNvPr id="35" name="꺾인 연결선 34"/>
+          <p:cNvCxnSpPr>
+            <a:stCxn id="18" idx="1"/>
+            <a:endCxn id="8" idx="1"/>
+          </p:cNvCxnSpPr>
+          <p:nvPr/>
+        </p:nvCxnSpPr>
+        <p:spPr>
+          <a:xfrm rot="10800000">
+            <a:off x="832061" y="3207045"/>
+            <a:ext cx="1112961" cy="2989399"/>
+          </a:xfrm>
+          <a:prstGeom prst="bentConnector3">
+            <a:avLst>
+              <a:gd name="adj1" fmla="val 150517"/>
+            </a:avLst>
+          </a:prstGeom>
+          <a:ln w="76200">
+            <a:tailEnd type="arrow"/>
+          </a:ln>
+        </p:spPr>
+        <p:style>
+          <a:lnRef idx="1">
+            <a:schemeClr val="accent1"/>
+          </a:lnRef>
+          <a:fillRef idx="0">
+            <a:schemeClr val="accent1"/>
+          </a:fillRef>
+          <a:effectRef idx="0">
+            <a:schemeClr val="accent1"/>
+          </a:effectRef>
+          <a:fontRef idx="minor">
+            <a:schemeClr val="tx1"/>
+          </a:fontRef>
+        </p:style>
+      </p:cxnSp>
+      <p:cxnSp>
+        <p:nvCxnSpPr>
+          <p:cNvPr id="40" name="직선 화살표 연결선 39"/>
+          <p:cNvCxnSpPr>
+            <a:stCxn id="17" idx="3"/>
+          </p:cNvCxnSpPr>
+          <p:nvPr/>
+        </p:nvCxnSpPr>
+        <p:spPr>
+          <a:xfrm flipV="1">
+            <a:off x="5340503" y="6196442"/>
+            <a:ext cx="1159151" cy="13921"/>
+          </a:xfrm>
+          <a:prstGeom prst="straightConnector1">
+            <a:avLst/>
+          </a:prstGeom>
+          <a:ln w="57150">
+            <a:solidFill>
+              <a:srgbClr val="FF0000"/>
+            </a:solidFill>
+            <a:tailEnd type="arrow"/>
+          </a:ln>
+        </p:spPr>
+        <p:style>
+          <a:lnRef idx="1">
+            <a:schemeClr val="accent1"/>
+          </a:lnRef>
+          <a:fillRef idx="0">
+            <a:schemeClr val="accent1"/>
+          </a:fillRef>
+          <a:effectRef idx="0">
+            <a:schemeClr val="accent1"/>
+          </a:effectRef>
+          <a:fontRef idx="minor">
+            <a:schemeClr val="tx1"/>
+          </a:fontRef>
+        </p:style>
+      </p:cxnSp>
+      <p:sp>
+        <p:nvSpPr>
+          <p:cNvPr id="41" name="TextBox 40"/>
+          <p:cNvSpPr txBox="1"/>
+          <p:nvPr/>
+        </p:nvSpPr>
+        <p:spPr>
+          <a:xfrm>
+            <a:off x="6499654" y="6011776"/>
+            <a:ext cx="1828801" cy="369332"/>
+          </a:xfrm>
+          <a:prstGeom prst="rect">
+            <a:avLst/>
+          </a:prstGeom>
+          <a:noFill/>
+          <a:ln w="19050">
+            <a:solidFill>
+              <a:srgbClr val="FF0000"/>
+            </a:solidFill>
+          </a:ln>
+        </p:spPr>
+        <p:txBody>
+          <a:bodyPr wrap="square" rtlCol="0">
+            <a:spAutoFit/>
+          </a:bodyPr>
+          <a:lstStyle/>
+          <a:p>
+            <a:r>
+              <a:rPr lang="ko-KR" altLang="en-US" smtClean="0"/>
+              <a:t>겜 끝</a:t>
+            </a:r>
+            <a:r>
+              <a:rPr lang="en-US" altLang="ko-KR" smtClean="0"/>
+              <a:t>! </a:t>
+            </a:r>
+            <a:r>
+              <a:rPr lang="ko-KR" altLang="en-US" smtClean="0"/>
+              <a:t>ㅅㄱㅇ</a:t>
+            </a:r>
+            <a:r>
+              <a:rPr lang="en-US" altLang="ko-KR" smtClean="0"/>
+              <a:t>~</a:t>
+            </a:r>
+            <a:endParaRPr lang="ko-KR" altLang="en-US"/>
+          </a:p>
+        </p:txBody>
+      </p:sp>
+      <p:sp>
+        <p:nvSpPr>
+          <p:cNvPr id="32" name="TextBox 31"/>
+          <p:cNvSpPr txBox="1"/>
+          <p:nvPr/>
+        </p:nvSpPr>
+        <p:spPr>
+          <a:xfrm>
+            <a:off x="1556951" y="1532922"/>
+            <a:ext cx="800219" cy="461665"/>
+          </a:xfrm>
+          <a:prstGeom prst="rect">
+            <a:avLst/>
+          </a:prstGeom>
+          <a:noFill/>
+        </p:spPr>
+        <p:txBody>
+          <a:bodyPr wrap="none" rtlCol="0">
+            <a:spAutoFit/>
+          </a:bodyPr>
+          <a:lstStyle/>
+          <a:p>
+            <a:r>
+              <a:rPr lang="ko-KR" altLang="en-US" sz="2400" b="1" smtClean="0">
+                <a:solidFill>
+                  <a:srgbClr val="00B0F0"/>
+                </a:solidFill>
+              </a:rPr>
+              <a:t>클라</a:t>
+            </a:r>
+            <a:endParaRPr lang="ko-KR" altLang="en-US" sz="2400" b="1">
+              <a:solidFill>
+                <a:srgbClr val="00B0F0"/>
+              </a:solidFill>
+            </a:endParaRPr>
+          </a:p>
+        </p:txBody>
+      </p:sp>
+      <p:sp>
+        <p:nvSpPr>
+          <p:cNvPr id="33" name="TextBox 32"/>
+          <p:cNvSpPr txBox="1"/>
+          <p:nvPr/>
+        </p:nvSpPr>
+        <p:spPr>
+          <a:xfrm>
+            <a:off x="3546562" y="1532922"/>
+            <a:ext cx="800219" cy="461665"/>
+          </a:xfrm>
+          <a:prstGeom prst="rect">
+            <a:avLst/>
+          </a:prstGeom>
+          <a:noFill/>
+        </p:spPr>
+        <p:txBody>
+          <a:bodyPr wrap="none" rtlCol="0">
+            <a:spAutoFit/>
+          </a:bodyPr>
+          <a:lstStyle/>
+          <a:p>
+            <a:r>
+              <a:rPr lang="ko-KR" altLang="en-US" sz="2400" b="1" smtClean="0">
                 <a:solidFill>
                   <a:srgbClr val="FF0000"/>
                 </a:solidFill>
-                <a:latin typeface="맑은 고딕"/>
-                <a:ea typeface="맑은 고딕"/>
               </a:rPr>
-              <a:t>[My Turn]</a:t>
-            </a:r>
-            <a:endParaRPr lang="ko-KR" altLang="en-US">
-              <a:solidFill>
-                <a:srgbClr val="FF0000"/>
-              </a:solidFill>
-              <a:latin typeface="맑은 고딕"/>
-              <a:ea typeface="맑은 고딕"/>
-            </a:endParaRPr>
-          </a:p>
-          <a:p>
-            <a:pPr lvl="1"/>
-            <a:r>
-              <a:rPr lang="ko-KR" altLang="en-US">
-                <a:solidFill>
-                  <a:srgbClr val="000000"/>
-                </a:solidFill>
-                <a:latin typeface="맑은 고딕"/>
-                <a:ea typeface="맑은 고딕"/>
-              </a:rPr>
-              <a:t>내 턴이</a:t>
-            </a:r>
-            <a:r>
-              <a:rPr lang="en-US" altLang="ko-KR">
-                <a:solidFill>
-                  <a:srgbClr val="000000"/>
-                </a:solidFill>
-                <a:latin typeface="맑은 고딕"/>
-                <a:ea typeface="맑은 고딕"/>
-              </a:rPr>
-              <a:t> </a:t>
-            </a:r>
-            <a:r>
-              <a:rPr lang="ko-KR" altLang="en-US">
-                <a:solidFill>
-                  <a:srgbClr val="000000"/>
-                </a:solidFill>
-                <a:latin typeface="맑은 고딕"/>
-                <a:ea typeface="맑은 고딕"/>
-              </a:rPr>
-              <a:t>되길 기다립니다</a:t>
-            </a:r>
-            <a:r>
-              <a:rPr lang="en-US" altLang="ko-KR">
-                <a:solidFill>
-                  <a:srgbClr val="000000"/>
-                </a:solidFill>
-                <a:latin typeface="맑은 고딕"/>
-                <a:ea typeface="맑은 고딕"/>
-              </a:rPr>
-              <a:t>.</a:t>
-            </a:r>
-            <a:endParaRPr lang="ko-KR" altLang="en-US">
-              <a:solidFill>
-                <a:srgbClr val="000000"/>
-              </a:solidFill>
-              <a:latin typeface="맑은 고딕"/>
-              <a:ea typeface="맑은 고딕"/>
-            </a:endParaRPr>
-          </a:p>
-          <a:p>
-            <a:r>
-              <a:rPr lang="en-US" altLang="ko-KR">
-                <a:solidFill>
-                  <a:srgbClr val="0070C0"/>
-                </a:solidFill>
-                <a:latin typeface="맑은 고딕"/>
-                <a:ea typeface="맑은 고딕"/>
-              </a:rPr>
-              <a:t>[Submit Attack]</a:t>
-            </a:r>
-          </a:p>
-          <a:p>
-            <a:pPr lvl="1"/>
-            <a:r>
-              <a:rPr lang="en-US" altLang="ko-KR">
-                <a:solidFill>
-                  <a:srgbClr val="000000"/>
-                </a:solidFill>
-                <a:latin typeface="맑은 고딕"/>
-                <a:ea typeface="맑은 고딕"/>
-              </a:rPr>
-              <a:t>(x, y) </a:t>
-            </a:r>
-            <a:r>
-              <a:rPr lang="ko-KR" altLang="en-US">
-                <a:solidFill>
-                  <a:srgbClr val="000000"/>
-                </a:solidFill>
-                <a:latin typeface="맑은 고딕"/>
-                <a:ea typeface="맑은 고딕"/>
-              </a:rPr>
-              <a:t>공격을</a:t>
-            </a:r>
-            <a:r>
-              <a:rPr lang="en-US" altLang="ko-KR">
-                <a:solidFill>
-                  <a:srgbClr val="000000"/>
-                </a:solidFill>
-                <a:latin typeface="맑은 고딕"/>
-                <a:ea typeface="맑은 고딕"/>
-              </a:rPr>
-              <a:t> </a:t>
-            </a:r>
-            <a:r>
-              <a:rPr lang="ko-KR" altLang="en-US">
-                <a:solidFill>
-                  <a:srgbClr val="000000"/>
-                </a:solidFill>
-                <a:latin typeface="맑은 고딕"/>
-                <a:ea typeface="맑은 고딕"/>
-              </a:rPr>
-              <a:t>하겠다고</a:t>
-            </a:r>
-            <a:r>
-              <a:rPr lang="en-US" altLang="ko-KR">
-                <a:solidFill>
-                  <a:srgbClr val="000000"/>
-                </a:solidFill>
-                <a:latin typeface="맑은 고딕"/>
-                <a:ea typeface="맑은 고딕"/>
-              </a:rPr>
-              <a:t> </a:t>
-            </a:r>
-            <a:r>
-              <a:rPr lang="ko-KR" altLang="en-US">
-                <a:solidFill>
-                  <a:srgbClr val="000000"/>
-                </a:solidFill>
-                <a:latin typeface="맑은 고딕"/>
-                <a:ea typeface="맑은 고딕"/>
-              </a:rPr>
-              <a:t>서버에게 알려줍니다</a:t>
-            </a:r>
-            <a:r>
-              <a:rPr lang="en-US" altLang="ko-KR">
-                <a:solidFill>
-                  <a:srgbClr val="000000"/>
-                </a:solidFill>
-                <a:latin typeface="맑은 고딕"/>
-                <a:ea typeface="맑은 고딕"/>
-              </a:rPr>
-              <a:t>.</a:t>
-            </a:r>
-            <a:endParaRPr lang="ko-KR" altLang="en-US">
-              <a:solidFill>
-                <a:srgbClr val="000000"/>
-              </a:solidFill>
-              <a:latin typeface="맑은 고딕"/>
-              <a:ea typeface="맑은 고딕"/>
-            </a:endParaRPr>
-          </a:p>
-          <a:p>
-            <a:r>
-              <a:rPr lang="en-US" altLang="ko-KR">
+              <a:t>서</a:t>
+            </a:r>
+            <a:r>
+              <a:rPr lang="ko-KR" altLang="en-US" sz="2400" b="1">
                 <a:solidFill>
                   <a:srgbClr val="FF0000"/>
                 </a:solidFill>
-                <a:latin typeface="맑은 고딕"/>
-                <a:ea typeface="맑은 고딕"/>
               </a:rPr>
-              <a:t>[Attack Result]</a:t>
-            </a:r>
-          </a:p>
-          <a:p>
-            <a:pPr lvl="1"/>
-            <a:r>
-              <a:rPr lang="ko-KR" altLang="en-US">
-                <a:solidFill>
-                  <a:srgbClr val="000000"/>
-                </a:solidFill>
-                <a:latin typeface="맑은 고딕"/>
-                <a:ea typeface="맑은 고딕"/>
-              </a:rPr>
-              <a:t>공격의 결과입니다</a:t>
-            </a:r>
-            <a:r>
-              <a:rPr lang="en-US" altLang="ko-KR">
-                <a:solidFill>
-                  <a:srgbClr val="000000"/>
-                </a:solidFill>
-                <a:latin typeface="맑은 고딕"/>
-                <a:ea typeface="맑은 고딕"/>
-              </a:rPr>
-              <a:t>.</a:t>
-            </a:r>
-            <a:endParaRPr lang="ko-KR" altLang="en-US">
-              <a:solidFill>
-                <a:srgbClr val="000000"/>
-              </a:solidFill>
-              <a:latin typeface="맑은 고딕"/>
-              <a:ea typeface="맑은 고딕"/>
-            </a:endParaRPr>
-          </a:p>
-          <a:p>
-            <a:pPr lvl="1"/>
-            <a:r>
-              <a:rPr lang="ko-KR" altLang="en-US">
-                <a:solidFill>
-                  <a:srgbClr val="000000"/>
-                </a:solidFill>
-                <a:latin typeface="맑은 고딕"/>
-                <a:ea typeface="맑은 고딕"/>
-              </a:rPr>
-              <a:t>내 공격인지</a:t>
-            </a:r>
-            <a:r>
-              <a:rPr lang="en-US" altLang="ko-KR">
-                <a:solidFill>
-                  <a:srgbClr val="000000"/>
-                </a:solidFill>
-                <a:latin typeface="맑은 고딕"/>
-                <a:ea typeface="맑은 고딕"/>
-              </a:rPr>
-              <a:t>, </a:t>
-            </a:r>
-            <a:r>
-              <a:rPr lang="ko-KR" altLang="en-US">
-                <a:solidFill>
-                  <a:srgbClr val="000000"/>
-                </a:solidFill>
-                <a:latin typeface="맑은 고딕"/>
-                <a:ea typeface="맑은 고딕"/>
-              </a:rPr>
-              <a:t>상대방의 공격인지 꼭 확인하세요</a:t>
-            </a:r>
-            <a:r>
-              <a:rPr lang="en-US" altLang="ko-KR">
-                <a:solidFill>
-                  <a:srgbClr val="000000"/>
-                </a:solidFill>
-                <a:latin typeface="맑은 고딕"/>
-                <a:ea typeface="맑은 고딕"/>
-              </a:rPr>
-              <a:t>.</a:t>
-            </a:r>
-          </a:p>
-          <a:p>
-            <a:r>
-              <a:rPr lang="en-US" altLang="ko-KR">
-                <a:solidFill>
-                  <a:srgbClr val="FF0000"/>
-                </a:solidFill>
-                <a:latin typeface="맑은 고딕"/>
-                <a:ea typeface="맑은 고딕"/>
-              </a:rPr>
-              <a:t>[Game Over]</a:t>
-            </a:r>
-            <a:endParaRPr lang="ko-KR" altLang="en-US">
-              <a:solidFill>
-                <a:srgbClr val="FF0000"/>
-              </a:solidFill>
-              <a:latin typeface="맑은 고딕"/>
-              <a:ea typeface="맑은 고딕"/>
-            </a:endParaRPr>
-          </a:p>
-          <a:p>
-            <a:pPr lvl="1"/>
-            <a:r>
-              <a:rPr lang="ko-KR" altLang="en-US" sz="2000">
-                <a:solidFill>
-                  <a:srgbClr val="000000"/>
-                </a:solidFill>
-                <a:latin typeface="맑은 고딕"/>
-                <a:ea typeface="맑은 고딕"/>
-              </a:rPr>
-              <a:t>한 게임이 끝났습니다</a:t>
-            </a:r>
-            <a:r>
-              <a:rPr lang="en-US" altLang="ko-KR" sz="2000">
-                <a:solidFill>
-                  <a:srgbClr val="000000"/>
-                </a:solidFill>
-                <a:latin typeface="맑은 고딕"/>
-                <a:ea typeface="맑은 고딕"/>
-              </a:rPr>
-              <a:t>. </a:t>
-            </a:r>
-            <a:endParaRPr lang="ko-KR" altLang="en-US" sz="2000">
-              <a:solidFill>
-                <a:srgbClr val="000000"/>
-              </a:solidFill>
-              <a:latin typeface="맑은 고딕"/>
-              <a:ea typeface="맑은 고딕"/>
-            </a:endParaRPr>
+              <a:t>버</a:t>
+            </a:r>
           </a:p>
         </p:txBody>
       </p:sp>
     </p:spTree>
     <p:extLst>
       <p:ext uri="{BB962C8B-B14F-4D97-AF65-F5344CB8AC3E}">
-        <p14:creationId xmlns:p14="http://schemas.microsoft.com/office/powerpoint/2010/main" val="73650993"/>
+        <p14:creationId xmlns:p14="http://schemas.microsoft.com/office/powerpoint/2010/main" val="3715073664"/>
       </p:ext>
     </p:extLst>
   </p:cSld>
@@ -11304,14 +13435,10 @@
           <a:p>
             <a:r>
               <a:rPr lang="ko-KR" altLang="en-US">
-                <a:latin typeface="Malgun Gothic" charset="0"/>
-                <a:ea typeface="Malgun Gothic" charset="0"/>
+                <a:ea typeface="맑은 고딕"/>
               </a:rPr>
               <a:t>서버와 통신하기 위해서</a:t>
             </a:r>
-            <a:endParaRPr lang="ko-KR" altLang="en-US">
-              <a:ea typeface="맑은 고딕"/>
-            </a:endParaRPr>
           </a:p>
         </p:txBody>
       </p:sp>
@@ -11330,51 +13457,35 @@
           <a:bodyPr/>
           <a:lstStyle/>
           <a:p>
-            <a:r>
-              <a:rPr lang="en-US" altLang="ko-KR" sz="2400">
+            <a:pPr marL="457200" indent="-457200">
+              <a:buFont typeface="+mj-lt"/>
+              <a:buAutoNum type="arabicPeriod"/>
+            </a:pPr>
+            <a:r>
+              <a:rPr lang="en-US" altLang="ko-KR">
                 <a:solidFill>
-                  <a:srgbClr val="FF0000"/>
+                  <a:srgbClr val="0070C0"/>
                 </a:solidFill>
                 <a:latin typeface="맑은 고딕"/>
                 <a:ea typeface="맑은 고딕"/>
               </a:rPr>
-              <a:t>[Next Game]</a:t>
+              <a:t>[Connect]</a:t>
             </a:r>
           </a:p>
           <a:p>
             <a:pPr lvl="1"/>
             <a:r>
-              <a:rPr lang="ko-KR" altLang="en-US" sz="2000">
+              <a:rPr lang="ko-KR" altLang="en-US">
                 <a:solidFill>
                   <a:srgbClr val="000000"/>
                 </a:solidFill>
                 <a:latin typeface="맑은 고딕"/>
                 <a:ea typeface="맑은 고딕"/>
               </a:rPr>
-              <a:t>다음 게임이 시작됩니다</a:t>
-            </a:r>
-            <a:r>
-              <a:rPr lang="en-US" altLang="ko-KR" sz="2000">
-                <a:solidFill>
-                  <a:srgbClr val="000000"/>
-                </a:solidFill>
-                <a:latin typeface="맑은 고딕"/>
-                <a:ea typeface="맑은 고딕"/>
-              </a:rPr>
-              <a:t>. </a:t>
-            </a:r>
-            <a:r>
-              <a:rPr lang="ko-KR" altLang="en-US" sz="2000">
-                <a:solidFill>
-                  <a:srgbClr val="000000"/>
-                </a:solidFill>
-                <a:latin typeface="맑은 고딕"/>
-                <a:ea typeface="맑은 고딕"/>
-              </a:rPr>
-              <a:t>배를 셋팅해주세요</a:t>
-            </a:r>
-            <a:r>
-              <a:rPr lang="en-US" altLang="ko-KR" sz="2000">
+              <a:t>서버에 연결합니다</a:t>
+            </a:r>
+            <a:r>
+              <a:rPr lang="en-US" altLang="ko-KR">
                 <a:solidFill>
                   <a:srgbClr val="000000"/>
                 </a:solidFill>
@@ -11385,19 +13496,23 @@
             </a:r>
           </a:p>
           <a:p>
-            <a:r>
-              <a:rPr lang="en-US" altLang="ko-KR" sz="2400">
+            <a:pPr marL="457200" indent="-457200">
+              <a:buFont typeface="+mj-lt"/>
+              <a:buAutoNum type="arabicPeriod"/>
+            </a:pPr>
+            <a:r>
+              <a:rPr lang="en-US" altLang="ko-KR">
                 <a:solidFill>
-                  <a:srgbClr val="FF0000"/>
+                  <a:srgbClr val="0070C0"/>
                 </a:solidFill>
                 <a:latin typeface="맑은 고딕"/>
                 <a:ea typeface="맑은 고딕"/>
               </a:rPr>
-              <a:t>[Over ALL]</a:t>
-            </a:r>
-            <a:endParaRPr lang="ko-KR" altLang="en-US" sz="2400">
+              <a:t>[Submit Name]</a:t>
+            </a:r>
+            <a:endParaRPr lang="ko-KR" altLang="en-US">
               <a:solidFill>
-                <a:srgbClr val="FF0000"/>
+                <a:srgbClr val="0070C0"/>
               </a:solidFill>
               <a:latin typeface="맑은 고딕"/>
               <a:ea typeface="맑은 고딕"/>
@@ -11406,17 +13521,17 @@
           <a:p>
             <a:pPr lvl="1"/>
             <a:r>
-              <a:rPr lang="ko-KR" altLang="en-US" sz="2000">
+              <a:rPr lang="ko-KR" altLang="en-US">
                 <a:solidFill>
                   <a:srgbClr val="000000"/>
                 </a:solidFill>
                 <a:latin typeface="맑은 고딕"/>
                 <a:ea typeface="맑은 고딕"/>
               </a:rPr>
-              <a:t>모든 게임이 종료되었습니다</a:t>
-            </a:r>
-            <a:r>
-              <a:rPr lang="en-US" altLang="ko-KR" sz="2000">
+              <a:t>닉네임으로 로그인을 합니다</a:t>
+            </a:r>
+            <a:r>
+              <a:rPr lang="en-US" altLang="ko-KR">
                 <a:solidFill>
                   <a:srgbClr val="000000"/>
                 </a:solidFill>
@@ -11425,7 +13540,7 @@
               </a:rPr>
               <a:t>.</a:t>
             </a:r>
-            <a:endParaRPr lang="ko-KR" altLang="en-US" sz="2000">
+            <a:endParaRPr lang="ko-KR" altLang="en-US">
               <a:solidFill>
                 <a:srgbClr val="000000"/>
               </a:solidFill>
@@ -11434,39 +13549,42 @@
             </a:endParaRPr>
           </a:p>
           <a:p>
+            <a:pPr marL="457200" indent="-457200">
+              <a:buFont typeface="+mj-lt"/>
+              <a:buAutoNum type="arabicPeriod"/>
+            </a:pPr>
+            <a:r>
+              <a:rPr lang="en-US" altLang="ko-KR">
+                <a:solidFill>
+                  <a:srgbClr val="FF0000"/>
+                </a:solidFill>
+                <a:latin typeface="맑은 고딕"/>
+                <a:ea typeface="맑은 고딕"/>
+              </a:rPr>
+              <a:t>[Game Start]</a:t>
+            </a:r>
+            <a:endParaRPr lang="ko-KR" altLang="en-US">
+              <a:solidFill>
+                <a:srgbClr val="FF0000"/>
+              </a:solidFill>
+              <a:latin typeface="맑은 고딕"/>
+              <a:ea typeface="맑은 고딕"/>
+            </a:endParaRPr>
+          </a:p>
+          <a:p>
             <a:pPr lvl="1"/>
             <a:r>
-              <a:rPr lang="ko-KR" altLang="en-US" sz="2000">
+              <a:rPr lang="ko-KR" altLang="en-US">
                 <a:solidFill>
                   <a:srgbClr val="000000"/>
                 </a:solidFill>
                 <a:latin typeface="맑은 고딕"/>
                 <a:ea typeface="맑은 고딕"/>
               </a:rPr>
-              <a:t>평균 턴수</a:t>
-            </a:r>
-            <a:r>
-              <a:rPr lang="en-US" altLang="ko-KR" sz="2000">
-                <a:solidFill>
-                  <a:srgbClr val="000000"/>
-                </a:solidFill>
-                <a:latin typeface="맑은 고딕"/>
-                <a:ea typeface="맑은 고딕"/>
-              </a:rPr>
-              <a:t>, </a:t>
-            </a:r>
-            <a:r>
-              <a:rPr lang="ko-KR" altLang="en-US" sz="2000">
-                <a:solidFill>
-                  <a:srgbClr val="000000"/>
-                </a:solidFill>
-                <a:latin typeface="맑은 고딕"/>
-                <a:ea typeface="맑은 고딕"/>
-              </a:rPr>
-              <a:t>승리 횟수를 확인하세요</a:t>
-            </a:r>
-            <a:r>
-              <a:rPr lang="en-US" altLang="ko-KR" sz="2000">
+              <a:t>게임이 시작될 때 까지 기다립니다</a:t>
+            </a:r>
+            <a:r>
+              <a:rPr lang="en-US" altLang="ko-KR">
                 <a:solidFill>
                   <a:srgbClr val="000000"/>
                 </a:solidFill>
@@ -11475,7 +13593,7 @@
               </a:rPr>
               <a:t>.</a:t>
             </a:r>
-            <a:endParaRPr lang="ko-KR" altLang="en-US" sz="2000">
+            <a:endParaRPr lang="ko-KR" altLang="en-US">
               <a:solidFill>
                 <a:srgbClr val="000000"/>
               </a:solidFill>
@@ -11483,12 +13601,65 @@
               <a:ea typeface="맑은 고딕"/>
             </a:endParaRPr>
           </a:p>
+          <a:p>
+            <a:pPr marL="457200" indent="-457200">
+              <a:buFont typeface="+mj-lt"/>
+              <a:buAutoNum type="arabicPeriod"/>
+            </a:pPr>
+            <a:r>
+              <a:rPr lang="en-US" altLang="ko-KR">
+                <a:solidFill>
+                  <a:srgbClr val="0070C0"/>
+                </a:solidFill>
+                <a:latin typeface="맑은 고딕"/>
+                <a:ea typeface="맑은 고딕"/>
+              </a:rPr>
+              <a:t>[Submit Map]</a:t>
+            </a:r>
+            <a:endParaRPr lang="ko-KR" altLang="en-US">
+              <a:solidFill>
+                <a:srgbClr val="0070C0"/>
+              </a:solidFill>
+              <a:latin typeface="맑은 고딕"/>
+              <a:ea typeface="맑은 고딕"/>
+            </a:endParaRPr>
+          </a:p>
+          <a:p>
+            <a:pPr lvl="1"/>
+            <a:r>
+              <a:rPr lang="ko-KR" altLang="en-US">
+                <a:solidFill>
+                  <a:srgbClr val="000000"/>
+                </a:solidFill>
+                <a:latin typeface="맑은 고딕"/>
+                <a:ea typeface="맑은 고딕"/>
+              </a:rPr>
+              <a:t>게임이 시작되었으니배를 셋팅하고 맵 정보를 보내줍니다</a:t>
+            </a:r>
+            <a:r>
+              <a:rPr lang="en-US" altLang="ko-KR">
+                <a:solidFill>
+                  <a:srgbClr val="000000"/>
+                </a:solidFill>
+                <a:latin typeface="맑은 고딕"/>
+                <a:ea typeface="맑은 고딕"/>
+              </a:rPr>
+              <a:t>.</a:t>
+            </a:r>
+            <a:endParaRPr lang="ko-KR" altLang="en-US">
+              <a:solidFill>
+                <a:srgbClr val="000000"/>
+              </a:solidFill>
+              <a:latin typeface="맑은 고딕"/>
+              <a:ea typeface="맑은 고딕"/>
+            </a:endParaRPr>
+          </a:p>
         </p:txBody>
       </p:sp>
     </p:spTree>
     <p:extLst>
       <p:ext uri="{BB962C8B-B14F-4D97-AF65-F5344CB8AC3E}">
-        <p14:creationId xmlns:p14="http://schemas.microsoft.com/office/powerpoint/2010/main" val="2149991316"/>
+        <p14:creationId xmlns:p14="http://schemas.microsoft.com/office/powerpoint/2010/main" val="2433488046"/>
       </p:ext>
     </p:extLst>
   </p:cSld>
@@ -11524,83 +13695,7 @@
       </p:grpSpPr>
       <p:sp>
         <p:nvSpPr>
-          <p:cNvPr id="22" name="직사각형 21"/>
-          <p:cNvSpPr/>
-          <p:nvPr/>
-        </p:nvSpPr>
-        <p:spPr>
-          <a:xfrm>
-            <a:off x="691978" y="4585372"/>
-            <a:ext cx="4151871" cy="764594"/>
-          </a:xfrm>
-          <a:prstGeom prst="rect">
-            <a:avLst/>
-          </a:prstGeom>
-        </p:spPr>
-        <p:style>
-          <a:lnRef idx="1">
-            <a:schemeClr val="accent3"/>
-          </a:lnRef>
-          <a:fillRef idx="2">
-            <a:schemeClr val="accent3"/>
-          </a:fillRef>
-          <a:effectRef idx="1">
-            <a:schemeClr val="accent3"/>
-          </a:effectRef>
-          <a:fontRef idx="minor">
-            <a:schemeClr val="dk1"/>
-          </a:fontRef>
-        </p:style>
-        <p:txBody>
-          <a:bodyPr rtlCol="0" anchor="ctr"/>
-          <a:lstStyle/>
-          <a:p>
-            <a:pPr algn="ctr"/>
-            <a:endParaRPr lang="ko-KR" altLang="en-US"/>
-          </a:p>
-        </p:txBody>
-      </p:sp>
-      <p:sp>
-        <p:nvSpPr>
-          <p:cNvPr id="2" name="직사각형 1"/>
-          <p:cNvSpPr/>
-          <p:nvPr/>
-        </p:nvSpPr>
-        <p:spPr>
-          <a:xfrm>
-            <a:off x="691978" y="3503975"/>
-            <a:ext cx="4151871" cy="1020364"/>
-          </a:xfrm>
-          <a:prstGeom prst="rect">
-            <a:avLst/>
-          </a:prstGeom>
-        </p:spPr>
-        <p:style>
-          <a:lnRef idx="1">
-            <a:schemeClr val="accent3"/>
-          </a:lnRef>
-          <a:fillRef idx="2">
-            <a:schemeClr val="accent3"/>
-          </a:fillRef>
-          <a:effectRef idx="1">
-            <a:schemeClr val="accent3"/>
-          </a:effectRef>
-          <a:fontRef idx="minor">
-            <a:schemeClr val="dk1"/>
-          </a:fontRef>
-        </p:style>
-        <p:txBody>
-          <a:bodyPr rtlCol="0" anchor="ctr"/>
-          <a:lstStyle/>
-          <a:p>
-            <a:pPr algn="ctr"/>
-            <a:endParaRPr lang="ko-KR" altLang="en-US"/>
-          </a:p>
-        </p:txBody>
-      </p:sp>
-      <p:sp>
-        <p:nvSpPr>
-          <p:cNvPr id="4" name="제목 3"/>
+          <p:cNvPr id="2" name="제목 1"/>
           <p:cNvSpPr>
             <a:spLocks noGrp="1"/>
           </p:cNvSpPr>
@@ -11615,54 +13710,10 @@
           <a:p>
             <a:r>
               <a:rPr lang="ko-KR" altLang="en-US">
-                <a:ea typeface="맑은 고딕"/>
+                <a:latin typeface="Malgun Gothic" charset="0"/>
+                <a:ea typeface="Malgun Gothic" charset="0"/>
               </a:rPr>
-              <a:t>전체적인 대화의 순서도</a:t>
-            </a:r>
-          </a:p>
-        </p:txBody>
-      </p:sp>
-      <p:sp>
-        <p:nvSpPr>
-          <p:cNvPr id="5" name="모서리가 둥근 직사각형 4"/>
-          <p:cNvSpPr/>
-          <p:nvPr/>
-        </p:nvSpPr>
-        <p:spPr>
-          <a:xfrm>
-            <a:off x="868320" y="2104731"/>
-            <a:ext cx="2189667" cy="243747"/>
-          </a:xfrm>
-          <a:prstGeom prst="roundRect">
-            <a:avLst/>
-          </a:prstGeom>
-        </p:spPr>
-        <p:style>
-          <a:lnRef idx="2">
-            <a:schemeClr val="accent1">
-              <a:shade val="50000"/>
-            </a:schemeClr>
-          </a:lnRef>
-          <a:fillRef idx="1">
-            <a:schemeClr val="accent1"/>
-          </a:fillRef>
-          <a:effectRef idx="0">
-            <a:schemeClr val="accent1"/>
-          </a:effectRef>
-          <a:fontRef idx="minor">
-            <a:schemeClr val="lt1"/>
-          </a:fontRef>
-        </p:style>
-        <p:txBody>
-          <a:bodyPr rtlCol="0" anchor="ctr"/>
-          <a:lstStyle/>
-          <a:p>
-            <a:pPr algn="ctr"/>
-            <a:r>
-              <a:rPr lang="en-US" altLang="ko-KR">
-                <a:ea typeface="맑은 고딕"/>
-              </a:rPr>
-              <a:t>Connect</a:t>
+              <a:t>서버와 통신하기 위해서</a:t>
             </a:r>
             <a:endParaRPr lang="ko-KR" altLang="en-US">
               <a:ea typeface="맑은 고딕"/>
@@ -11672,909 +13723,319 @@
       </p:sp>
       <p:sp>
         <p:nvSpPr>
-          <p:cNvPr id="6" name="모서리가 둥근 직사각형 5"/>
-          <p:cNvSpPr/>
-          <p:nvPr/>
-        </p:nvSpPr>
-        <p:spPr>
-          <a:xfrm>
-            <a:off x="868320" y="2489945"/>
-            <a:ext cx="2225927" cy="273921"/>
-          </a:xfrm>
-          <a:prstGeom prst="roundRect">
-            <a:avLst/>
-          </a:prstGeom>
-        </p:spPr>
-        <p:style>
-          <a:lnRef idx="2">
-            <a:schemeClr val="accent1">
-              <a:shade val="50000"/>
-            </a:schemeClr>
-          </a:lnRef>
-          <a:fillRef idx="1">
-            <a:schemeClr val="accent1"/>
-          </a:fillRef>
-          <a:effectRef idx="0">
-            <a:schemeClr val="accent1"/>
-          </a:effectRef>
-          <a:fontRef idx="minor">
-            <a:schemeClr val="lt1"/>
-          </a:fontRef>
-        </p:style>
-        <p:txBody>
-          <a:bodyPr rtlCol="0" anchor="ctr"/>
-          <a:lstStyle/>
-          <a:p>
-            <a:pPr algn="ctr"/>
+          <p:cNvPr id="3" name="내용 개체 틀 2"/>
+          <p:cNvSpPr>
+            <a:spLocks noGrp="1"/>
+          </p:cNvSpPr>
+          <p:nvPr>
+            <p:ph idx="1"/>
+          </p:nvPr>
+        </p:nvSpPr>
+        <p:spPr/>
+        <p:txBody>
+          <a:bodyPr/>
+          <a:lstStyle/>
+          <a:p>
             <a:r>
               <a:rPr lang="en-US" altLang="ko-KR">
+                <a:solidFill>
+                  <a:srgbClr val="FF0000"/>
+                </a:solidFill>
+                <a:latin typeface="맑은 고딕"/>
                 <a:ea typeface="맑은 고딕"/>
               </a:rPr>
-              <a:t>Submit Name</a:t>
+              <a:t>[My Turn]</a:t>
             </a:r>
             <a:endParaRPr lang="ko-KR" altLang="en-US">
+              <a:solidFill>
+                <a:srgbClr val="FF0000"/>
+              </a:solidFill>
+              <a:latin typeface="맑은 고딕"/>
               <a:ea typeface="맑은 고딕"/>
             </a:endParaRPr>
           </a:p>
-        </p:txBody>
-      </p:sp>
-      <p:sp>
-        <p:nvSpPr>
-          <p:cNvPr id="7" name="모서리가 둥근 직사각형 6"/>
-          <p:cNvSpPr/>
-          <p:nvPr/>
-        </p:nvSpPr>
-        <p:spPr>
-          <a:xfrm>
-            <a:off x="3094247" y="2794079"/>
-            <a:ext cx="1601542" cy="273921"/>
-          </a:xfrm>
-          <a:prstGeom prst="roundRect">
-            <a:avLst/>
-          </a:prstGeom>
-          <a:solidFill>
-            <a:srgbClr val="FF0000"/>
-          </a:solidFill>
-        </p:spPr>
-        <p:style>
-          <a:lnRef idx="2">
-            <a:schemeClr val="accent1">
-              <a:shade val="50000"/>
-            </a:schemeClr>
-          </a:lnRef>
-          <a:fillRef idx="1">
-            <a:schemeClr val="accent1"/>
-          </a:fillRef>
-          <a:effectRef idx="0">
-            <a:schemeClr val="accent1"/>
-          </a:effectRef>
-          <a:fontRef idx="minor">
-            <a:schemeClr val="lt1"/>
-          </a:fontRef>
-        </p:style>
-        <p:txBody>
-          <a:bodyPr rtlCol="0" anchor="ctr"/>
-          <a:lstStyle/>
-          <a:p>
-            <a:pPr algn="ctr"/>
+          <a:p>
+            <a:pPr lvl="1"/>
+            <a:r>
+              <a:rPr lang="ko-KR" altLang="en-US">
+                <a:solidFill>
+                  <a:srgbClr val="000000"/>
+                </a:solidFill>
+                <a:latin typeface="맑은 고딕"/>
+                <a:ea typeface="맑은 고딕"/>
+              </a:rPr>
+              <a:t>내 턴이</a:t>
+            </a:r>
             <a:r>
               <a:rPr lang="en-US" altLang="ko-KR">
                 <a:solidFill>
-                  <a:srgbClr val="FFFFFF"/>
+                  <a:srgbClr val="000000"/>
                 </a:solidFill>
+                <a:latin typeface="맑은 고딕"/>
                 <a:ea typeface="맑은 고딕"/>
               </a:rPr>
-              <a:t>Game Start</a:t>
+              <a:t> </a:t>
+            </a:r>
+            <a:r>
+              <a:rPr lang="ko-KR" altLang="en-US">
+                <a:solidFill>
+                  <a:srgbClr val="000000"/>
+                </a:solidFill>
+                <a:latin typeface="맑은 고딕"/>
+                <a:ea typeface="맑은 고딕"/>
+              </a:rPr>
+              <a:t>되길 기다립니다</a:t>
+            </a:r>
+            <a:r>
+              <a:rPr lang="en-US" altLang="ko-KR">
+                <a:solidFill>
+                  <a:srgbClr val="000000"/>
+                </a:solidFill>
+                <a:latin typeface="맑은 고딕"/>
+                <a:ea typeface="맑은 고딕"/>
+              </a:rPr>
+              <a:t>.</a:t>
             </a:r>
             <a:endParaRPr lang="ko-KR" altLang="en-US">
               <a:solidFill>
-                <a:srgbClr val="FFFFFF"/>
+                <a:srgbClr val="000000"/>
               </a:solidFill>
+              <a:latin typeface="맑은 고딕"/>
               <a:ea typeface="맑은 고딕"/>
             </a:endParaRPr>
           </a:p>
-        </p:txBody>
-      </p:sp>
-      <p:sp>
-        <p:nvSpPr>
-          <p:cNvPr id="8" name="모서리가 둥근 직사각형 7"/>
-          <p:cNvSpPr/>
-          <p:nvPr/>
-        </p:nvSpPr>
-        <p:spPr>
-          <a:xfrm>
-            <a:off x="832060" y="3070083"/>
-            <a:ext cx="2225927" cy="273921"/>
-          </a:xfrm>
-          <a:prstGeom prst="roundRect">
-            <a:avLst/>
-          </a:prstGeom>
-        </p:spPr>
-        <p:style>
-          <a:lnRef idx="2">
-            <a:schemeClr val="accent1">
-              <a:shade val="50000"/>
-            </a:schemeClr>
-          </a:lnRef>
-          <a:fillRef idx="1">
-            <a:schemeClr val="accent1"/>
-          </a:fillRef>
-          <a:effectRef idx="0">
-            <a:schemeClr val="accent1"/>
-          </a:effectRef>
-          <a:fontRef idx="minor">
-            <a:schemeClr val="lt1"/>
-          </a:fontRef>
-        </p:style>
-        <p:txBody>
-          <a:bodyPr rtlCol="0" anchor="ctr"/>
-          <a:lstStyle/>
-          <a:p>
-            <a:pPr algn="ctr"/>
+          <a:p>
             <a:r>
               <a:rPr lang="en-US" altLang="ko-KR">
+                <a:solidFill>
+                  <a:srgbClr val="0070C0"/>
+                </a:solidFill>
+                <a:latin typeface="맑은 고딕"/>
                 <a:ea typeface="맑은 고딕"/>
               </a:rPr>
-              <a:t>Submit Map</a:t>
+              <a:t>[Submit Attack]</a:t>
+            </a:r>
+          </a:p>
+          <a:p>
+            <a:pPr lvl="1"/>
+            <a:r>
+              <a:rPr lang="en-US" altLang="ko-KR">
+                <a:solidFill>
+                  <a:srgbClr val="000000"/>
+                </a:solidFill>
+                <a:latin typeface="맑은 고딕"/>
+                <a:ea typeface="맑은 고딕"/>
+              </a:rPr>
+              <a:t>(x, y) </a:t>
+            </a:r>
+            <a:r>
+              <a:rPr lang="ko-KR" altLang="en-US">
+                <a:solidFill>
+                  <a:srgbClr val="000000"/>
+                </a:solidFill>
+                <a:latin typeface="맑은 고딕"/>
+                <a:ea typeface="맑은 고딕"/>
+              </a:rPr>
+              <a:t>공격을</a:t>
+            </a:r>
+            <a:r>
+              <a:rPr lang="en-US" altLang="ko-KR">
+                <a:solidFill>
+                  <a:srgbClr val="000000"/>
+                </a:solidFill>
+                <a:latin typeface="맑은 고딕"/>
+                <a:ea typeface="맑은 고딕"/>
+              </a:rPr>
+              <a:t> </a:t>
+            </a:r>
+            <a:r>
+              <a:rPr lang="ko-KR" altLang="en-US">
+                <a:solidFill>
+                  <a:srgbClr val="000000"/>
+                </a:solidFill>
+                <a:latin typeface="맑은 고딕"/>
+                <a:ea typeface="맑은 고딕"/>
+              </a:rPr>
+              <a:t>하겠다고</a:t>
+            </a:r>
+            <a:r>
+              <a:rPr lang="en-US" altLang="ko-KR">
+                <a:solidFill>
+                  <a:srgbClr val="000000"/>
+                </a:solidFill>
+                <a:latin typeface="맑은 고딕"/>
+                <a:ea typeface="맑은 고딕"/>
+              </a:rPr>
+              <a:t> </a:t>
+            </a:r>
+            <a:r>
+              <a:rPr lang="ko-KR" altLang="en-US">
+                <a:solidFill>
+                  <a:srgbClr val="000000"/>
+                </a:solidFill>
+                <a:latin typeface="맑은 고딕"/>
+                <a:ea typeface="맑은 고딕"/>
+              </a:rPr>
+              <a:t>서버에게 알려줍니다</a:t>
+            </a:r>
+            <a:r>
+              <a:rPr lang="en-US" altLang="ko-KR">
+                <a:solidFill>
+                  <a:srgbClr val="000000"/>
+                </a:solidFill>
+                <a:latin typeface="맑은 고딕"/>
+                <a:ea typeface="맑은 고딕"/>
+              </a:rPr>
+              <a:t>.</a:t>
             </a:r>
             <a:endParaRPr lang="ko-KR" altLang="en-US">
+              <a:solidFill>
+                <a:srgbClr val="000000"/>
+              </a:solidFill>
+              <a:latin typeface="맑은 고딕"/>
               <a:ea typeface="맑은 고딕"/>
             </a:endParaRPr>
           </a:p>
-        </p:txBody>
-      </p:sp>
-      <p:sp>
-        <p:nvSpPr>
-          <p:cNvPr id="13" name="모서리가 둥근 직사각형 12"/>
-          <p:cNvSpPr/>
-          <p:nvPr/>
-        </p:nvSpPr>
-        <p:spPr>
-          <a:xfrm>
-            <a:off x="832058" y="3877197"/>
-            <a:ext cx="2225927" cy="273921"/>
-          </a:xfrm>
-          <a:prstGeom prst="roundRect">
-            <a:avLst/>
-          </a:prstGeom>
-        </p:spPr>
-        <p:style>
-          <a:lnRef idx="2">
-            <a:schemeClr val="accent1">
-              <a:shade val="50000"/>
-            </a:schemeClr>
-          </a:lnRef>
-          <a:fillRef idx="1">
-            <a:schemeClr val="accent1"/>
-          </a:fillRef>
-          <a:effectRef idx="0">
-            <a:schemeClr val="accent1"/>
-          </a:effectRef>
-          <a:fontRef idx="minor">
-            <a:schemeClr val="lt1"/>
-          </a:fontRef>
-        </p:style>
-        <p:txBody>
-          <a:bodyPr rtlCol="0" anchor="ctr"/>
-          <a:lstStyle/>
-          <a:p>
-            <a:pPr algn="ctr"/>
+          <a:p>
             <a:r>
               <a:rPr lang="en-US" altLang="ko-KR">
+                <a:solidFill>
+                  <a:srgbClr val="FF0000"/>
+                </a:solidFill>
+                <a:latin typeface="맑은 고딕"/>
                 <a:ea typeface="맑은 고딕"/>
               </a:rPr>
-              <a:t>Submit Attack</a:t>
+              <a:t>[Attack Result]</a:t>
+            </a:r>
+          </a:p>
+          <a:p>
+            <a:pPr lvl="1"/>
+            <a:r>
+              <a:rPr lang="ko-KR" altLang="en-US">
+                <a:solidFill>
+                  <a:srgbClr val="000000"/>
+                </a:solidFill>
+                <a:latin typeface="맑은 고딕"/>
+                <a:ea typeface="맑은 고딕"/>
+              </a:rPr>
+              <a:t>공격의 결과입니다</a:t>
+            </a:r>
+            <a:r>
+              <a:rPr lang="en-US" altLang="ko-KR">
+                <a:solidFill>
+                  <a:srgbClr val="000000"/>
+                </a:solidFill>
+                <a:latin typeface="맑은 고딕"/>
+                <a:ea typeface="맑은 고딕"/>
+              </a:rPr>
+              <a:t>.</a:t>
             </a:r>
             <a:endParaRPr lang="ko-KR" altLang="en-US">
+              <a:solidFill>
+                <a:srgbClr val="000000"/>
+              </a:solidFill>
+              <a:latin typeface="맑은 고딕"/>
               <a:ea typeface="맑은 고딕"/>
             </a:endParaRPr>
           </a:p>
-        </p:txBody>
-      </p:sp>
-      <p:sp>
-        <p:nvSpPr>
-          <p:cNvPr id="14" name="모서리가 둥근 직사각형 13"/>
-          <p:cNvSpPr/>
-          <p:nvPr/>
-        </p:nvSpPr>
-        <p:spPr>
-          <a:xfrm>
-            <a:off x="3060627" y="3618286"/>
-            <a:ext cx="1601542" cy="273921"/>
-          </a:xfrm>
-          <a:prstGeom prst="roundRect">
-            <a:avLst/>
-          </a:prstGeom>
-          <a:solidFill>
-            <a:srgbClr val="FF0000"/>
-          </a:solidFill>
-        </p:spPr>
-        <p:style>
-          <a:lnRef idx="2">
-            <a:schemeClr val="accent1">
-              <a:shade val="50000"/>
-            </a:schemeClr>
-          </a:lnRef>
-          <a:fillRef idx="1">
-            <a:schemeClr val="accent1"/>
-          </a:fillRef>
-          <a:effectRef idx="0">
-            <a:schemeClr val="accent1"/>
-          </a:effectRef>
-          <a:fontRef idx="minor">
-            <a:schemeClr val="lt1"/>
-          </a:fontRef>
-        </p:style>
-        <p:txBody>
-          <a:bodyPr rtlCol="0" anchor="ctr"/>
-          <a:lstStyle/>
-          <a:p>
-            <a:pPr algn="ctr"/>
-            <a:r>
-              <a:rPr lang="en-US" altLang="ko-KR" smtClean="0">
+          <a:p>
+            <a:pPr lvl="1"/>
+            <a:r>
+              <a:rPr lang="ko-KR" altLang="en-US">
                 <a:solidFill>
-                  <a:srgbClr val="FFFFFF"/>
+                  <a:srgbClr val="000000"/>
                 </a:solidFill>
+                <a:latin typeface="맑은 고딕"/>
                 <a:ea typeface="맑은 고딕"/>
               </a:rPr>
-              <a:t>My Turn</a:t>
+              <a:t>내 공격인지</a:t>
+            </a:r>
+            <a:r>
+              <a:rPr lang="en-US" altLang="ko-KR">
+                <a:solidFill>
+                  <a:srgbClr val="000000"/>
+                </a:solidFill>
+                <a:latin typeface="맑은 고딕"/>
+                <a:ea typeface="맑은 고딕"/>
+              </a:rPr>
+              <a:t>, </a:t>
+            </a:r>
+            <a:r>
+              <a:rPr lang="ko-KR" altLang="en-US">
+                <a:solidFill>
+                  <a:srgbClr val="000000"/>
+                </a:solidFill>
+                <a:latin typeface="맑은 고딕"/>
+                <a:ea typeface="맑은 고딕"/>
+              </a:rPr>
+              <a:t>상대방의 공격인지 꼭 확인하세요</a:t>
+            </a:r>
+            <a:r>
+              <a:rPr lang="en-US" altLang="ko-KR">
+                <a:solidFill>
+                  <a:srgbClr val="000000"/>
+                </a:solidFill>
+                <a:latin typeface="맑은 고딕"/>
+                <a:ea typeface="맑은 고딕"/>
+              </a:rPr>
+              <a:t>.</a:t>
+            </a:r>
+          </a:p>
+          <a:p>
+            <a:r>
+              <a:rPr lang="en-US" altLang="ko-KR">
+                <a:solidFill>
+                  <a:srgbClr val="FF0000"/>
+                </a:solidFill>
+                <a:latin typeface="맑은 고딕"/>
+                <a:ea typeface="맑은 고딕"/>
+              </a:rPr>
+              <a:t>[Game Over]</a:t>
             </a:r>
             <a:endParaRPr lang="ko-KR" altLang="en-US">
               <a:solidFill>
-                <a:srgbClr val="FFFFFF"/>
+                <a:srgbClr val="FF0000"/>
               </a:solidFill>
+              <a:latin typeface="맑은 고딕"/>
               <a:ea typeface="맑은 고딕"/>
             </a:endParaRPr>
           </a:p>
-        </p:txBody>
-      </p:sp>
-      <p:sp>
-        <p:nvSpPr>
-          <p:cNvPr id="15" name="모서리가 둥근 직사각형 14"/>
-          <p:cNvSpPr/>
-          <p:nvPr/>
-        </p:nvSpPr>
-        <p:spPr>
-          <a:xfrm>
-            <a:off x="3057986" y="4218692"/>
-            <a:ext cx="1601542" cy="273921"/>
-          </a:xfrm>
-          <a:prstGeom prst="roundRect">
-            <a:avLst/>
-          </a:prstGeom>
-          <a:solidFill>
-            <a:srgbClr val="FF0000"/>
-          </a:solidFill>
-        </p:spPr>
-        <p:style>
-          <a:lnRef idx="2">
-            <a:schemeClr val="accent1">
-              <a:shade val="50000"/>
-            </a:schemeClr>
-          </a:lnRef>
-          <a:fillRef idx="1">
-            <a:schemeClr val="accent1"/>
-          </a:fillRef>
-          <a:effectRef idx="0">
-            <a:schemeClr val="accent1"/>
-          </a:effectRef>
-          <a:fontRef idx="minor">
-            <a:schemeClr val="lt1"/>
-          </a:fontRef>
-        </p:style>
-        <p:txBody>
-          <a:bodyPr rtlCol="0" anchor="ctr"/>
-          <a:lstStyle/>
-          <a:p>
-            <a:pPr algn="ctr"/>
-            <a:r>
-              <a:rPr lang="en-US" altLang="ko-KR" smtClean="0">
+          <a:p>
+            <a:pPr lvl="1"/>
+            <a:r>
+              <a:rPr lang="ko-KR" altLang="en-US" sz="2000">
                 <a:solidFill>
-                  <a:srgbClr val="FFFFFF"/>
+                  <a:srgbClr val="000000"/>
                 </a:solidFill>
+                <a:latin typeface="맑은 고딕"/>
                 <a:ea typeface="맑은 고딕"/>
               </a:rPr>
-              <a:t>Attack Result</a:t>
-            </a:r>
-            <a:endParaRPr lang="ko-KR" altLang="en-US">
+              <a:t>한 게임이 끝났습니다</a:t>
+            </a:r>
+            <a:r>
+              <a:rPr lang="en-US" altLang="ko-KR" sz="2000">
+                <a:solidFill>
+                  <a:srgbClr val="000000"/>
+                </a:solidFill>
+                <a:latin typeface="맑은 고딕"/>
+                <a:ea typeface="맑은 고딕"/>
+              </a:rPr>
+              <a:t>. </a:t>
+            </a:r>
+            <a:endParaRPr lang="ko-KR" altLang="en-US" sz="2000">
               <a:solidFill>
-                <a:srgbClr val="FFFFFF"/>
+                <a:srgbClr val="000000"/>
               </a:solidFill>
+              <a:latin typeface="맑은 고딕"/>
               <a:ea typeface="맑은 고딕"/>
             </a:endParaRPr>
-          </a:p>
-        </p:txBody>
-      </p:sp>
-      <p:sp>
-        <p:nvSpPr>
-          <p:cNvPr id="16" name="모서리가 둥근 직사각형 15"/>
-          <p:cNvSpPr/>
-          <p:nvPr/>
-        </p:nvSpPr>
-        <p:spPr>
-          <a:xfrm>
-            <a:off x="3057985" y="5424108"/>
-            <a:ext cx="1601542" cy="273921"/>
-          </a:xfrm>
-          <a:prstGeom prst="roundRect">
-            <a:avLst/>
-          </a:prstGeom>
-          <a:solidFill>
-            <a:srgbClr val="FF0000"/>
-          </a:solidFill>
-        </p:spPr>
-        <p:style>
-          <a:lnRef idx="2">
-            <a:schemeClr val="accent1">
-              <a:shade val="50000"/>
-            </a:schemeClr>
-          </a:lnRef>
-          <a:fillRef idx="1">
-            <a:schemeClr val="accent1"/>
-          </a:fillRef>
-          <a:effectRef idx="0">
-            <a:schemeClr val="accent1"/>
-          </a:effectRef>
-          <a:fontRef idx="minor">
-            <a:schemeClr val="lt1"/>
-          </a:fontRef>
-        </p:style>
-        <p:txBody>
-          <a:bodyPr rtlCol="0" anchor="ctr"/>
-          <a:lstStyle/>
-          <a:p>
-            <a:pPr algn="ctr"/>
-            <a:r>
-              <a:rPr lang="en-US" altLang="ko-KR" smtClean="0">
-                <a:solidFill>
-                  <a:srgbClr val="FFFFFF"/>
-                </a:solidFill>
-                <a:ea typeface="맑은 고딕"/>
-              </a:rPr>
-              <a:t>Game Over</a:t>
-            </a:r>
-            <a:endParaRPr lang="ko-KR" altLang="en-US">
-              <a:solidFill>
-                <a:srgbClr val="FFFFFF"/>
-              </a:solidFill>
-              <a:ea typeface="맑은 고딕"/>
-            </a:endParaRPr>
-          </a:p>
-        </p:txBody>
-      </p:sp>
-      <p:sp>
-        <p:nvSpPr>
-          <p:cNvPr id="17" name="모서리가 둥근 직사각형 16"/>
-          <p:cNvSpPr/>
-          <p:nvPr/>
-        </p:nvSpPr>
-        <p:spPr>
-          <a:xfrm>
-            <a:off x="3738961" y="6073402"/>
-            <a:ext cx="1601542" cy="273921"/>
-          </a:xfrm>
-          <a:prstGeom prst="roundRect">
-            <a:avLst/>
-          </a:prstGeom>
-          <a:solidFill>
-            <a:srgbClr val="FF0000"/>
-          </a:solidFill>
-        </p:spPr>
-        <p:style>
-          <a:lnRef idx="2">
-            <a:schemeClr val="accent1">
-              <a:shade val="50000"/>
-            </a:schemeClr>
-          </a:lnRef>
-          <a:fillRef idx="1">
-            <a:schemeClr val="accent1"/>
-          </a:fillRef>
-          <a:effectRef idx="0">
-            <a:schemeClr val="accent1"/>
-          </a:effectRef>
-          <a:fontRef idx="minor">
-            <a:schemeClr val="lt1"/>
-          </a:fontRef>
-        </p:style>
-        <p:txBody>
-          <a:bodyPr rtlCol="0" anchor="ctr"/>
-          <a:lstStyle/>
-          <a:p>
-            <a:pPr algn="ctr"/>
-            <a:r>
-              <a:rPr lang="en-US" altLang="ko-KR" smtClean="0">
-                <a:solidFill>
-                  <a:srgbClr val="FFFFFF"/>
-                </a:solidFill>
-                <a:ea typeface="맑은 고딕"/>
-              </a:rPr>
-              <a:t>Over All</a:t>
-            </a:r>
-            <a:endParaRPr lang="ko-KR" altLang="en-US">
-              <a:solidFill>
-                <a:srgbClr val="FFFFFF"/>
-              </a:solidFill>
-              <a:ea typeface="맑은 고딕"/>
-            </a:endParaRPr>
-          </a:p>
-        </p:txBody>
-      </p:sp>
-      <p:sp>
-        <p:nvSpPr>
-          <p:cNvPr id="18" name="모서리가 둥근 직사각형 17"/>
-          <p:cNvSpPr/>
-          <p:nvPr/>
-        </p:nvSpPr>
-        <p:spPr>
-          <a:xfrm>
-            <a:off x="1945021" y="6059482"/>
-            <a:ext cx="1601542" cy="273921"/>
-          </a:xfrm>
-          <a:prstGeom prst="roundRect">
-            <a:avLst/>
-          </a:prstGeom>
-          <a:solidFill>
-            <a:srgbClr val="FF0000"/>
-          </a:solidFill>
-        </p:spPr>
-        <p:style>
-          <a:lnRef idx="2">
-            <a:schemeClr val="accent1">
-              <a:shade val="50000"/>
-            </a:schemeClr>
-          </a:lnRef>
-          <a:fillRef idx="1">
-            <a:schemeClr val="accent1"/>
-          </a:fillRef>
-          <a:effectRef idx="0">
-            <a:schemeClr val="accent1"/>
-          </a:effectRef>
-          <a:fontRef idx="minor">
-            <a:schemeClr val="lt1"/>
-          </a:fontRef>
-        </p:style>
-        <p:txBody>
-          <a:bodyPr rtlCol="0" anchor="ctr"/>
-          <a:lstStyle/>
-          <a:p>
-            <a:pPr algn="ctr"/>
-            <a:r>
-              <a:rPr lang="en-US" altLang="ko-KR" smtClean="0">
-                <a:solidFill>
-                  <a:srgbClr val="FFFFFF"/>
-                </a:solidFill>
-                <a:ea typeface="맑은 고딕"/>
-              </a:rPr>
-              <a:t>Next Game</a:t>
-            </a:r>
-            <a:endParaRPr lang="ko-KR" altLang="en-US">
-              <a:solidFill>
-                <a:srgbClr val="FFFFFF"/>
-              </a:solidFill>
-              <a:ea typeface="맑은 고딕"/>
-            </a:endParaRPr>
-          </a:p>
-        </p:txBody>
-      </p:sp>
-      <p:sp>
-        <p:nvSpPr>
-          <p:cNvPr id="21" name="모서리가 둥근 직사각형 20"/>
-          <p:cNvSpPr/>
-          <p:nvPr/>
-        </p:nvSpPr>
-        <p:spPr>
-          <a:xfrm>
-            <a:off x="3060627" y="4830708"/>
-            <a:ext cx="1601542" cy="273921"/>
-          </a:xfrm>
-          <a:prstGeom prst="roundRect">
-            <a:avLst/>
-          </a:prstGeom>
-          <a:solidFill>
-            <a:srgbClr val="FF0000"/>
-          </a:solidFill>
-        </p:spPr>
-        <p:style>
-          <a:lnRef idx="2">
-            <a:schemeClr val="accent1">
-              <a:shade val="50000"/>
-            </a:schemeClr>
-          </a:lnRef>
-          <a:fillRef idx="1">
-            <a:schemeClr val="accent1"/>
-          </a:fillRef>
-          <a:effectRef idx="0">
-            <a:schemeClr val="accent1"/>
-          </a:effectRef>
-          <a:fontRef idx="minor">
-            <a:schemeClr val="lt1"/>
-          </a:fontRef>
-        </p:style>
-        <p:txBody>
-          <a:bodyPr rtlCol="0" anchor="ctr"/>
-          <a:lstStyle/>
-          <a:p>
-            <a:pPr algn="ctr"/>
-            <a:r>
-              <a:rPr lang="en-US" altLang="ko-KR" smtClean="0">
-                <a:solidFill>
-                  <a:srgbClr val="FFFFFF"/>
-                </a:solidFill>
-                <a:ea typeface="맑은 고딕"/>
-              </a:rPr>
-              <a:t>Attack Result</a:t>
-            </a:r>
-            <a:endParaRPr lang="ko-KR" altLang="en-US">
-              <a:solidFill>
-                <a:srgbClr val="FFFFFF"/>
-              </a:solidFill>
-              <a:ea typeface="맑은 고딕"/>
-            </a:endParaRPr>
-          </a:p>
-        </p:txBody>
-      </p:sp>
-      <p:sp>
-        <p:nvSpPr>
-          <p:cNvPr id="3" name="오른쪽 중괄호 2"/>
-          <p:cNvSpPr/>
-          <p:nvPr/>
-        </p:nvSpPr>
-        <p:spPr>
-          <a:xfrm>
-            <a:off x="4843849" y="3344004"/>
-            <a:ext cx="630194" cy="2080104"/>
-          </a:xfrm>
-          <a:prstGeom prst="rightBrace">
-            <a:avLst/>
-          </a:prstGeom>
-          <a:ln w="57150"/>
-        </p:spPr>
-        <p:style>
-          <a:lnRef idx="1">
-            <a:schemeClr val="accent1"/>
-          </a:lnRef>
-          <a:fillRef idx="0">
-            <a:schemeClr val="accent1"/>
-          </a:fillRef>
-          <a:effectRef idx="0">
-            <a:schemeClr val="accent1"/>
-          </a:effectRef>
-          <a:fontRef idx="minor">
-            <a:schemeClr val="tx1"/>
-          </a:fontRef>
-        </p:style>
-        <p:txBody>
-          <a:bodyPr rtlCol="0" anchor="ctr"/>
-          <a:lstStyle/>
-          <a:p>
-            <a:pPr algn="ctr"/>
-            <a:endParaRPr lang="ko-KR" altLang="en-US"/>
-          </a:p>
-        </p:txBody>
-      </p:sp>
-      <p:sp>
-        <p:nvSpPr>
-          <p:cNvPr id="9" name="TextBox 8"/>
-          <p:cNvSpPr txBox="1"/>
-          <p:nvPr/>
-        </p:nvSpPr>
-        <p:spPr>
-          <a:xfrm>
-            <a:off x="4979773" y="4170016"/>
-            <a:ext cx="2384854" cy="646331"/>
-          </a:xfrm>
-          <a:prstGeom prst="rect">
-            <a:avLst/>
-          </a:prstGeom>
-          <a:ln w="57150"/>
-        </p:spPr>
-        <p:style>
-          <a:lnRef idx="2">
-            <a:schemeClr val="accent1"/>
-          </a:lnRef>
-          <a:fillRef idx="1">
-            <a:schemeClr val="lt1"/>
-          </a:fillRef>
-          <a:effectRef idx="0">
-            <a:schemeClr val="accent1"/>
-          </a:effectRef>
-          <a:fontRef idx="minor">
-            <a:schemeClr val="dk1"/>
-          </a:fontRef>
-        </p:style>
-        <p:txBody>
-          <a:bodyPr wrap="square" rtlCol="0">
-            <a:spAutoFit/>
-          </a:bodyPr>
-          <a:lstStyle/>
-          <a:p>
-            <a:r>
-              <a:rPr lang="en-US" altLang="ko-KR" smtClean="0"/>
-              <a:t>		</a:t>
-            </a:r>
-            <a:r>
-              <a:rPr lang="ko-KR" altLang="en-US" smtClean="0"/>
-              <a:t>가</a:t>
-            </a:r>
-            <a:endParaRPr lang="en-US" altLang="ko-KR"/>
-          </a:p>
-          <a:p>
-            <a:r>
-              <a:rPr lang="ko-KR" altLang="en-US" smtClean="0"/>
-              <a:t>올때까지 계속</a:t>
-            </a:r>
-            <a:r>
-              <a:rPr lang="en-US" altLang="ko-KR"/>
-              <a:t> </a:t>
-            </a:r>
-            <a:r>
-              <a:rPr lang="ko-KR" altLang="en-US" smtClean="0"/>
-              <a:t>반복</a:t>
-            </a:r>
-            <a:endParaRPr lang="ko-KR" altLang="en-US"/>
-          </a:p>
-        </p:txBody>
-      </p:sp>
-      <p:sp>
-        <p:nvSpPr>
-          <p:cNvPr id="23" name="모서리가 둥근 직사각형 22"/>
-          <p:cNvSpPr/>
-          <p:nvPr/>
-        </p:nvSpPr>
-        <p:spPr>
-          <a:xfrm>
-            <a:off x="5158946" y="4209946"/>
-            <a:ext cx="1601542" cy="273921"/>
-          </a:xfrm>
-          <a:prstGeom prst="roundRect">
-            <a:avLst/>
-          </a:prstGeom>
-          <a:solidFill>
-            <a:srgbClr val="FF0000"/>
-          </a:solidFill>
-        </p:spPr>
-        <p:style>
-          <a:lnRef idx="2">
-            <a:schemeClr val="accent1">
-              <a:shade val="50000"/>
-            </a:schemeClr>
-          </a:lnRef>
-          <a:fillRef idx="1">
-            <a:schemeClr val="accent1"/>
-          </a:fillRef>
-          <a:effectRef idx="0">
-            <a:schemeClr val="accent1"/>
-          </a:effectRef>
-          <a:fontRef idx="minor">
-            <a:schemeClr val="lt1"/>
-          </a:fontRef>
-        </p:style>
-        <p:txBody>
-          <a:bodyPr rtlCol="0" anchor="ctr"/>
-          <a:lstStyle/>
-          <a:p>
-            <a:pPr algn="ctr"/>
-            <a:r>
-              <a:rPr lang="en-US" altLang="ko-KR" smtClean="0">
-                <a:solidFill>
-                  <a:srgbClr val="FFFFFF"/>
-                </a:solidFill>
-                <a:ea typeface="맑은 고딕"/>
-              </a:rPr>
-              <a:t>Game Over</a:t>
-            </a:r>
-            <a:endParaRPr lang="ko-KR" altLang="en-US">
-              <a:solidFill>
-                <a:srgbClr val="FFFFFF"/>
-              </a:solidFill>
-              <a:ea typeface="맑은 고딕"/>
-            </a:endParaRPr>
-          </a:p>
-        </p:txBody>
-      </p:sp>
-      <p:cxnSp>
-        <p:nvCxnSpPr>
-          <p:cNvPr id="19" name="직선 화살표 연결선 18"/>
-          <p:cNvCxnSpPr>
-            <a:stCxn id="16" idx="2"/>
-          </p:cNvCxnSpPr>
-          <p:nvPr/>
-        </p:nvCxnSpPr>
-        <p:spPr>
-          <a:xfrm flipH="1">
-            <a:off x="3422822" y="5698029"/>
-            <a:ext cx="435934" cy="361453"/>
-          </a:xfrm>
-          <a:prstGeom prst="straightConnector1">
-            <a:avLst/>
-          </a:prstGeom>
-          <a:ln w="57150">
-            <a:solidFill>
-              <a:srgbClr val="FF0000"/>
-            </a:solidFill>
-            <a:tailEnd type="arrow"/>
-          </a:ln>
-        </p:spPr>
-        <p:style>
-          <a:lnRef idx="1">
-            <a:schemeClr val="accent1"/>
-          </a:lnRef>
-          <a:fillRef idx="0">
-            <a:schemeClr val="accent1"/>
-          </a:fillRef>
-          <a:effectRef idx="0">
-            <a:schemeClr val="accent1"/>
-          </a:effectRef>
-          <a:fontRef idx="minor">
-            <a:schemeClr val="tx1"/>
-          </a:fontRef>
-        </p:style>
-      </p:cxnSp>
-      <p:cxnSp>
-        <p:nvCxnSpPr>
-          <p:cNvPr id="30" name="직선 화살표 연결선 29"/>
-          <p:cNvCxnSpPr>
-            <a:stCxn id="16" idx="2"/>
-          </p:cNvCxnSpPr>
-          <p:nvPr/>
-        </p:nvCxnSpPr>
-        <p:spPr>
-          <a:xfrm>
-            <a:off x="3858756" y="5698029"/>
-            <a:ext cx="206617" cy="361453"/>
-          </a:xfrm>
-          <a:prstGeom prst="straightConnector1">
-            <a:avLst/>
-          </a:prstGeom>
-          <a:ln w="57150">
-            <a:solidFill>
-              <a:srgbClr val="FF0000"/>
-            </a:solidFill>
-            <a:tailEnd type="arrow"/>
-          </a:ln>
-        </p:spPr>
-        <p:style>
-          <a:lnRef idx="1">
-            <a:schemeClr val="accent1"/>
-          </a:lnRef>
-          <a:fillRef idx="0">
-            <a:schemeClr val="accent1"/>
-          </a:fillRef>
-          <a:effectRef idx="0">
-            <a:schemeClr val="accent1"/>
-          </a:effectRef>
-          <a:fontRef idx="minor">
-            <a:schemeClr val="tx1"/>
-          </a:fontRef>
-        </p:style>
-      </p:cxnSp>
-      <p:cxnSp>
-        <p:nvCxnSpPr>
-          <p:cNvPr id="35" name="꺾인 연결선 34"/>
-          <p:cNvCxnSpPr>
-            <a:stCxn id="18" idx="1"/>
-            <a:endCxn id="8" idx="1"/>
-          </p:cNvCxnSpPr>
-          <p:nvPr/>
-        </p:nvCxnSpPr>
-        <p:spPr>
-          <a:xfrm rot="10800000">
-            <a:off x="832061" y="3207045"/>
-            <a:ext cx="1112961" cy="2989399"/>
-          </a:xfrm>
-          <a:prstGeom prst="bentConnector3">
-            <a:avLst>
-              <a:gd name="adj1" fmla="val 150517"/>
-            </a:avLst>
-          </a:prstGeom>
-          <a:ln w="76200">
-            <a:tailEnd type="arrow"/>
-          </a:ln>
-        </p:spPr>
-        <p:style>
-          <a:lnRef idx="1">
-            <a:schemeClr val="accent1"/>
-          </a:lnRef>
-          <a:fillRef idx="0">
-            <a:schemeClr val="accent1"/>
-          </a:fillRef>
-          <a:effectRef idx="0">
-            <a:schemeClr val="accent1"/>
-          </a:effectRef>
-          <a:fontRef idx="minor">
-            <a:schemeClr val="tx1"/>
-          </a:fontRef>
-        </p:style>
-      </p:cxnSp>
-      <p:cxnSp>
-        <p:nvCxnSpPr>
-          <p:cNvPr id="40" name="직선 화살표 연결선 39"/>
-          <p:cNvCxnSpPr>
-            <a:stCxn id="17" idx="3"/>
-          </p:cNvCxnSpPr>
-          <p:nvPr/>
-        </p:nvCxnSpPr>
-        <p:spPr>
-          <a:xfrm flipV="1">
-            <a:off x="5340503" y="6196442"/>
-            <a:ext cx="1159151" cy="13921"/>
-          </a:xfrm>
-          <a:prstGeom prst="straightConnector1">
-            <a:avLst/>
-          </a:prstGeom>
-          <a:ln w="57150">
-            <a:solidFill>
-              <a:srgbClr val="FF0000"/>
-            </a:solidFill>
-            <a:tailEnd type="arrow"/>
-          </a:ln>
-        </p:spPr>
-        <p:style>
-          <a:lnRef idx="1">
-            <a:schemeClr val="accent1"/>
-          </a:lnRef>
-          <a:fillRef idx="0">
-            <a:schemeClr val="accent1"/>
-          </a:fillRef>
-          <a:effectRef idx="0">
-            <a:schemeClr val="accent1"/>
-          </a:effectRef>
-          <a:fontRef idx="minor">
-            <a:schemeClr val="tx1"/>
-          </a:fontRef>
-        </p:style>
-      </p:cxnSp>
-      <p:sp>
-        <p:nvSpPr>
-          <p:cNvPr id="41" name="TextBox 40"/>
-          <p:cNvSpPr txBox="1"/>
-          <p:nvPr/>
-        </p:nvSpPr>
-        <p:spPr>
-          <a:xfrm>
-            <a:off x="6499654" y="6011776"/>
-            <a:ext cx="1828801" cy="369332"/>
-          </a:xfrm>
-          <a:prstGeom prst="rect">
-            <a:avLst/>
-          </a:prstGeom>
-          <a:noFill/>
-          <a:ln w="19050">
-            <a:solidFill>
-              <a:srgbClr val="FF0000"/>
-            </a:solidFill>
-          </a:ln>
-        </p:spPr>
-        <p:txBody>
-          <a:bodyPr wrap="square" rtlCol="0">
-            <a:spAutoFit/>
-          </a:bodyPr>
-          <a:lstStyle/>
-          <a:p>
-            <a:r>
-              <a:rPr lang="ko-KR" altLang="en-US" smtClean="0"/>
-              <a:t>겜 끝</a:t>
-            </a:r>
-            <a:r>
-              <a:rPr lang="en-US" altLang="ko-KR" smtClean="0"/>
-              <a:t>! </a:t>
-            </a:r>
-            <a:r>
-              <a:rPr lang="ko-KR" altLang="en-US" smtClean="0"/>
-              <a:t>ㅅㄱㅇ</a:t>
-            </a:r>
-            <a:r>
-              <a:rPr lang="en-US" altLang="ko-KR" smtClean="0"/>
-              <a:t>~</a:t>
-            </a:r>
-            <a:endParaRPr lang="ko-KR" altLang="en-US"/>
           </a:p>
         </p:txBody>
       </p:sp>
     </p:spTree>
     <p:extLst>
       <p:ext uri="{BB962C8B-B14F-4D97-AF65-F5344CB8AC3E}">
-        <p14:creationId xmlns:p14="http://schemas.microsoft.com/office/powerpoint/2010/main" val="2919498060"/>
+        <p14:creationId xmlns:p14="http://schemas.microsoft.com/office/powerpoint/2010/main" val="73650993"/>
       </p:ext>
     </p:extLst>
   </p:cSld>
@@ -12610,83 +14071,7 @@
       </p:grpSpPr>
       <p:sp>
         <p:nvSpPr>
-          <p:cNvPr id="22" name="직사각형 21"/>
-          <p:cNvSpPr/>
-          <p:nvPr/>
-        </p:nvSpPr>
-        <p:spPr>
-          <a:xfrm>
-            <a:off x="691978" y="4585372"/>
-            <a:ext cx="4151871" cy="764594"/>
-          </a:xfrm>
-          <a:prstGeom prst="rect">
-            <a:avLst/>
-          </a:prstGeom>
-        </p:spPr>
-        <p:style>
-          <a:lnRef idx="1">
-            <a:schemeClr val="accent3"/>
-          </a:lnRef>
-          <a:fillRef idx="2">
-            <a:schemeClr val="accent3"/>
-          </a:fillRef>
-          <a:effectRef idx="1">
-            <a:schemeClr val="accent3"/>
-          </a:effectRef>
-          <a:fontRef idx="minor">
-            <a:schemeClr val="dk1"/>
-          </a:fontRef>
-        </p:style>
-        <p:txBody>
-          <a:bodyPr rtlCol="0" anchor="ctr"/>
-          <a:lstStyle/>
-          <a:p>
-            <a:pPr algn="ctr"/>
-            <a:endParaRPr lang="ko-KR" altLang="en-US"/>
-          </a:p>
-        </p:txBody>
-      </p:sp>
-      <p:sp>
-        <p:nvSpPr>
-          <p:cNvPr id="2" name="직사각형 1"/>
-          <p:cNvSpPr/>
-          <p:nvPr/>
-        </p:nvSpPr>
-        <p:spPr>
-          <a:xfrm>
-            <a:off x="691978" y="3503975"/>
-            <a:ext cx="4151871" cy="1020364"/>
-          </a:xfrm>
-          <a:prstGeom prst="rect">
-            <a:avLst/>
-          </a:prstGeom>
-        </p:spPr>
-        <p:style>
-          <a:lnRef idx="1">
-            <a:schemeClr val="accent3"/>
-          </a:lnRef>
-          <a:fillRef idx="2">
-            <a:schemeClr val="accent3"/>
-          </a:fillRef>
-          <a:effectRef idx="1">
-            <a:schemeClr val="accent3"/>
-          </a:effectRef>
-          <a:fontRef idx="minor">
-            <a:schemeClr val="dk1"/>
-          </a:fontRef>
-        </p:style>
-        <p:txBody>
-          <a:bodyPr rtlCol="0" anchor="ctr"/>
-          <a:lstStyle/>
-          <a:p>
-            <a:pPr algn="ctr"/>
-            <a:endParaRPr lang="ko-KR" altLang="en-US"/>
-          </a:p>
-        </p:txBody>
-      </p:sp>
-      <p:sp>
-        <p:nvSpPr>
-          <p:cNvPr id="4" name="제목 3"/>
+          <p:cNvPr id="2" name="제목 1"/>
           <p:cNvSpPr>
             <a:spLocks noGrp="1"/>
           </p:cNvSpPr>
@@ -12701,54 +14086,10 @@
           <a:p>
             <a:r>
               <a:rPr lang="ko-KR" altLang="en-US">
-                <a:ea typeface="맑은 고딕"/>
+                <a:latin typeface="Malgun Gothic" charset="0"/>
+                <a:ea typeface="Malgun Gothic" charset="0"/>
               </a:rPr>
-              <a:t>전체적인 대화의 순서도</a:t>
-            </a:r>
-          </a:p>
-        </p:txBody>
-      </p:sp>
-      <p:sp>
-        <p:nvSpPr>
-          <p:cNvPr id="5" name="모서리가 둥근 직사각형 4"/>
-          <p:cNvSpPr/>
-          <p:nvPr/>
-        </p:nvSpPr>
-        <p:spPr>
-          <a:xfrm>
-            <a:off x="868320" y="2104731"/>
-            <a:ext cx="2189667" cy="243747"/>
-          </a:xfrm>
-          <a:prstGeom prst="roundRect">
-            <a:avLst/>
-          </a:prstGeom>
-        </p:spPr>
-        <p:style>
-          <a:lnRef idx="2">
-            <a:schemeClr val="accent1">
-              <a:shade val="50000"/>
-            </a:schemeClr>
-          </a:lnRef>
-          <a:fillRef idx="1">
-            <a:schemeClr val="accent1"/>
-          </a:fillRef>
-          <a:effectRef idx="0">
-            <a:schemeClr val="accent1"/>
-          </a:effectRef>
-          <a:fontRef idx="minor">
-            <a:schemeClr val="lt1"/>
-          </a:fontRef>
-        </p:style>
-        <p:txBody>
-          <a:bodyPr rtlCol="0" anchor="ctr"/>
-          <a:lstStyle/>
-          <a:p>
-            <a:pPr algn="ctr"/>
-            <a:r>
-              <a:rPr lang="en-US" altLang="ko-KR">
-                <a:ea typeface="맑은 고딕"/>
-              </a:rPr>
-              <a:t>Connect</a:t>
+              <a:t>서버와 통신하기 위해서</a:t>
             </a:r>
             <a:endParaRPr lang="ko-KR" altLang="en-US">
               <a:ea typeface="맑은 고딕"/>
@@ -12758,1361 +14099,178 @@
       </p:sp>
       <p:sp>
         <p:nvSpPr>
-          <p:cNvPr id="6" name="모서리가 둥근 직사각형 5"/>
-          <p:cNvSpPr/>
-          <p:nvPr/>
-        </p:nvSpPr>
-        <p:spPr>
-          <a:xfrm>
-            <a:off x="868320" y="2489945"/>
-            <a:ext cx="2225927" cy="273921"/>
-          </a:xfrm>
-          <a:prstGeom prst="roundRect">
-            <a:avLst/>
-          </a:prstGeom>
-        </p:spPr>
-        <p:style>
-          <a:lnRef idx="2">
-            <a:schemeClr val="accent1">
-              <a:shade val="50000"/>
-            </a:schemeClr>
-          </a:lnRef>
-          <a:fillRef idx="1">
-            <a:schemeClr val="accent1"/>
-          </a:fillRef>
-          <a:effectRef idx="0">
-            <a:schemeClr val="accent1"/>
-          </a:effectRef>
-          <a:fontRef idx="minor">
-            <a:schemeClr val="lt1"/>
-          </a:fontRef>
-        </p:style>
-        <p:txBody>
-          <a:bodyPr rtlCol="0" anchor="ctr"/>
-          <a:lstStyle/>
-          <a:p>
-            <a:pPr algn="ctr"/>
-            <a:r>
-              <a:rPr lang="en-US" altLang="ko-KR">
+          <p:cNvPr id="3" name="내용 개체 틀 2"/>
+          <p:cNvSpPr>
+            <a:spLocks noGrp="1"/>
+          </p:cNvSpPr>
+          <p:nvPr>
+            <p:ph idx="1"/>
+          </p:nvPr>
+        </p:nvSpPr>
+        <p:spPr/>
+        <p:txBody>
+          <a:bodyPr/>
+          <a:lstStyle/>
+          <a:p>
+            <a:r>
+              <a:rPr lang="en-US" altLang="ko-KR" sz="2400">
+                <a:solidFill>
+                  <a:srgbClr val="FF0000"/>
+                </a:solidFill>
+                <a:latin typeface="맑은 고딕"/>
                 <a:ea typeface="맑은 고딕"/>
               </a:rPr>
-              <a:t>Submit Name</a:t>
-            </a:r>
-            <a:endParaRPr lang="ko-KR" altLang="en-US">
+              <a:t>[Next Game]</a:t>
+            </a:r>
+          </a:p>
+          <a:p>
+            <a:pPr lvl="1"/>
+            <a:r>
+              <a:rPr lang="ko-KR" altLang="en-US" sz="2000">
+                <a:solidFill>
+                  <a:srgbClr val="000000"/>
+                </a:solidFill>
+                <a:latin typeface="맑은 고딕"/>
+                <a:ea typeface="맑은 고딕"/>
+              </a:rPr>
+              <a:t>다음 게임이 시작됩니다</a:t>
+            </a:r>
+            <a:r>
+              <a:rPr lang="en-US" altLang="ko-KR" sz="2000">
+                <a:solidFill>
+                  <a:srgbClr val="000000"/>
+                </a:solidFill>
+                <a:latin typeface="맑은 고딕"/>
+                <a:ea typeface="맑은 고딕"/>
+              </a:rPr>
+              <a:t>. </a:t>
+            </a:r>
+            <a:r>
+              <a:rPr lang="ko-KR" altLang="en-US" sz="2000">
+                <a:solidFill>
+                  <a:srgbClr val="000000"/>
+                </a:solidFill>
+                <a:latin typeface="맑은 고딕"/>
+                <a:ea typeface="맑은 고딕"/>
+              </a:rPr>
+              <a:t>배를 셋팅해주세요</a:t>
+            </a:r>
+            <a:r>
+              <a:rPr lang="en-US" altLang="ko-KR" sz="2000">
+                <a:solidFill>
+                  <a:srgbClr val="000000"/>
+                </a:solidFill>
+                <a:latin typeface="맑은 고딕"/>
+                <a:ea typeface="맑은 고딕"/>
+              </a:rPr>
+              <a:t>.</a:t>
+            </a:r>
+          </a:p>
+          <a:p>
+            <a:r>
+              <a:rPr lang="en-US" altLang="ko-KR" sz="2400">
+                <a:solidFill>
+                  <a:srgbClr val="FF0000"/>
+                </a:solidFill>
+                <a:latin typeface="맑은 고딕"/>
+                <a:ea typeface="맑은 고딕"/>
+              </a:rPr>
+              <a:t>[Over ALL]</a:t>
+            </a:r>
+            <a:endParaRPr lang="ko-KR" altLang="en-US" sz="2400">
+              <a:solidFill>
+                <a:srgbClr val="FF0000"/>
+              </a:solidFill>
+              <a:latin typeface="맑은 고딕"/>
               <a:ea typeface="맑은 고딕"/>
             </a:endParaRPr>
           </a:p>
-        </p:txBody>
-      </p:sp>
-      <p:sp>
-        <p:nvSpPr>
-          <p:cNvPr id="7" name="모서리가 둥근 직사각형 6"/>
-          <p:cNvSpPr/>
-          <p:nvPr/>
-        </p:nvSpPr>
-        <p:spPr>
-          <a:xfrm>
-            <a:off x="3094247" y="2794079"/>
-            <a:ext cx="1601542" cy="273921"/>
-          </a:xfrm>
-          <a:prstGeom prst="roundRect">
-            <a:avLst/>
-          </a:prstGeom>
-          <a:solidFill>
-            <a:srgbClr val="FF0000"/>
-          </a:solidFill>
-        </p:spPr>
-        <p:style>
-          <a:lnRef idx="2">
-            <a:schemeClr val="accent1">
-              <a:shade val="50000"/>
-            </a:schemeClr>
-          </a:lnRef>
-          <a:fillRef idx="1">
-            <a:schemeClr val="accent1"/>
-          </a:fillRef>
-          <a:effectRef idx="0">
-            <a:schemeClr val="accent1"/>
-          </a:effectRef>
-          <a:fontRef idx="minor">
-            <a:schemeClr val="lt1"/>
-          </a:fontRef>
-        </p:style>
-        <p:txBody>
-          <a:bodyPr rtlCol="0" anchor="ctr"/>
-          <a:lstStyle/>
-          <a:p>
-            <a:pPr algn="ctr"/>
-            <a:r>
-              <a:rPr lang="en-US" altLang="ko-KR">
+          <a:p>
+            <a:pPr lvl="1"/>
+            <a:r>
+              <a:rPr lang="ko-KR" altLang="en-US" sz="2000">
                 <a:solidFill>
-                  <a:srgbClr val="FFFFFF"/>
+                  <a:srgbClr val="000000"/>
                 </a:solidFill>
+                <a:latin typeface="맑은 고딕"/>
                 <a:ea typeface="맑은 고딕"/>
               </a:rPr>
-              <a:t>Game Start</a:t>
-            </a:r>
-            <a:endParaRPr lang="ko-KR" altLang="en-US">
+              <a:t>모든 게임이 종료되었습니다</a:t>
+            </a:r>
+            <a:r>
+              <a:rPr lang="en-US" altLang="ko-KR" sz="2000">
+                <a:solidFill>
+                  <a:srgbClr val="000000"/>
+                </a:solidFill>
+                <a:latin typeface="맑은 고딕"/>
+                <a:ea typeface="맑은 고딕"/>
+              </a:rPr>
+              <a:t>.</a:t>
+            </a:r>
+            <a:endParaRPr lang="ko-KR" altLang="en-US" sz="2000">
               <a:solidFill>
-                <a:srgbClr val="FFFFFF"/>
+                <a:srgbClr val="000000"/>
               </a:solidFill>
+              <a:latin typeface="맑은 고딕"/>
               <a:ea typeface="맑은 고딕"/>
             </a:endParaRPr>
           </a:p>
-        </p:txBody>
-      </p:sp>
-      <p:sp>
-        <p:nvSpPr>
-          <p:cNvPr id="8" name="모서리가 둥근 직사각형 7"/>
-          <p:cNvSpPr/>
-          <p:nvPr/>
-        </p:nvSpPr>
-        <p:spPr>
-          <a:xfrm>
-            <a:off x="832060" y="3070083"/>
-            <a:ext cx="2225927" cy="273921"/>
-          </a:xfrm>
-          <a:prstGeom prst="roundRect">
-            <a:avLst/>
-          </a:prstGeom>
-        </p:spPr>
-        <p:style>
-          <a:lnRef idx="2">
-            <a:schemeClr val="accent1">
-              <a:shade val="50000"/>
-            </a:schemeClr>
-          </a:lnRef>
-          <a:fillRef idx="1">
-            <a:schemeClr val="accent1"/>
-          </a:fillRef>
-          <a:effectRef idx="0">
-            <a:schemeClr val="accent1"/>
-          </a:effectRef>
-          <a:fontRef idx="minor">
-            <a:schemeClr val="lt1"/>
-          </a:fontRef>
-        </p:style>
-        <p:txBody>
-          <a:bodyPr rtlCol="0" anchor="ctr"/>
-          <a:lstStyle/>
-          <a:p>
-            <a:pPr algn="ctr"/>
-            <a:r>
-              <a:rPr lang="en-US" altLang="ko-KR">
+          <a:p>
+            <a:pPr lvl="1"/>
+            <a:r>
+              <a:rPr lang="ko-KR" altLang="en-US" sz="2000">
+                <a:solidFill>
+                  <a:srgbClr val="000000"/>
+                </a:solidFill>
+                <a:latin typeface="맑은 고딕"/>
                 <a:ea typeface="맑은 고딕"/>
               </a:rPr>
-              <a:t>Submit Map</a:t>
-            </a:r>
-            <a:endParaRPr lang="ko-KR" altLang="en-US">
+              <a:t>평균 턴수</a:t>
+            </a:r>
+            <a:r>
+              <a:rPr lang="en-US" altLang="ko-KR" sz="2000">
+                <a:solidFill>
+                  <a:srgbClr val="000000"/>
+                </a:solidFill>
+                <a:latin typeface="맑은 고딕"/>
+                <a:ea typeface="맑은 고딕"/>
+              </a:rPr>
+              <a:t>, </a:t>
+            </a:r>
+            <a:r>
+              <a:rPr lang="ko-KR" altLang="en-US" sz="2000">
+                <a:solidFill>
+                  <a:srgbClr val="000000"/>
+                </a:solidFill>
+                <a:latin typeface="맑은 고딕"/>
+                <a:ea typeface="맑은 고딕"/>
+              </a:rPr>
+              <a:t>승리 횟수를 확인하세요</a:t>
+            </a:r>
+            <a:r>
+              <a:rPr lang="en-US" altLang="ko-KR" sz="2000">
+                <a:solidFill>
+                  <a:srgbClr val="000000"/>
+                </a:solidFill>
+                <a:latin typeface="맑은 고딕"/>
+                <a:ea typeface="맑은 고딕"/>
+              </a:rPr>
+              <a:t>.</a:t>
+            </a:r>
+            <a:endParaRPr lang="ko-KR" altLang="en-US" sz="2000">
+              <a:solidFill>
+                <a:srgbClr val="000000"/>
+              </a:solidFill>
+              <a:latin typeface="맑은 고딕"/>
               <a:ea typeface="맑은 고딕"/>
             </a:endParaRPr>
-          </a:p>
-        </p:txBody>
-      </p:sp>
-      <p:sp>
-        <p:nvSpPr>
-          <p:cNvPr id="13" name="모서리가 둥근 직사각형 12"/>
-          <p:cNvSpPr/>
-          <p:nvPr/>
-        </p:nvSpPr>
-        <p:spPr>
-          <a:xfrm>
-            <a:off x="832058" y="3877197"/>
-            <a:ext cx="2225927" cy="273921"/>
-          </a:xfrm>
-          <a:prstGeom prst="roundRect">
-            <a:avLst/>
-          </a:prstGeom>
-        </p:spPr>
-        <p:style>
-          <a:lnRef idx="2">
-            <a:schemeClr val="accent1">
-              <a:shade val="50000"/>
-            </a:schemeClr>
-          </a:lnRef>
-          <a:fillRef idx="1">
-            <a:schemeClr val="accent1"/>
-          </a:fillRef>
-          <a:effectRef idx="0">
-            <a:schemeClr val="accent1"/>
-          </a:effectRef>
-          <a:fontRef idx="minor">
-            <a:schemeClr val="lt1"/>
-          </a:fontRef>
-        </p:style>
-        <p:txBody>
-          <a:bodyPr rtlCol="0" anchor="ctr"/>
-          <a:lstStyle/>
-          <a:p>
-            <a:pPr algn="ctr"/>
-            <a:r>
-              <a:rPr lang="en-US" altLang="ko-KR">
-                <a:ea typeface="맑은 고딕"/>
-              </a:rPr>
-              <a:t>Submit Attack</a:t>
-            </a:r>
-            <a:endParaRPr lang="ko-KR" altLang="en-US">
-              <a:ea typeface="맑은 고딕"/>
-            </a:endParaRPr>
-          </a:p>
-        </p:txBody>
-      </p:sp>
-      <p:sp>
-        <p:nvSpPr>
-          <p:cNvPr id="14" name="모서리가 둥근 직사각형 13"/>
-          <p:cNvSpPr/>
-          <p:nvPr/>
-        </p:nvSpPr>
-        <p:spPr>
-          <a:xfrm>
-            <a:off x="3060627" y="3618286"/>
-            <a:ext cx="1601542" cy="273921"/>
-          </a:xfrm>
-          <a:prstGeom prst="roundRect">
-            <a:avLst/>
-          </a:prstGeom>
-          <a:solidFill>
-            <a:srgbClr val="FF0000"/>
-          </a:solidFill>
-        </p:spPr>
-        <p:style>
-          <a:lnRef idx="2">
-            <a:schemeClr val="accent1">
-              <a:shade val="50000"/>
-            </a:schemeClr>
-          </a:lnRef>
-          <a:fillRef idx="1">
-            <a:schemeClr val="accent1"/>
-          </a:fillRef>
-          <a:effectRef idx="0">
-            <a:schemeClr val="accent1"/>
-          </a:effectRef>
-          <a:fontRef idx="minor">
-            <a:schemeClr val="lt1"/>
-          </a:fontRef>
-        </p:style>
-        <p:txBody>
-          <a:bodyPr rtlCol="0" anchor="ctr"/>
-          <a:lstStyle/>
-          <a:p>
-            <a:pPr algn="ctr"/>
-            <a:r>
-              <a:rPr lang="en-US" altLang="ko-KR" smtClean="0">
-                <a:solidFill>
-                  <a:srgbClr val="FFFFFF"/>
-                </a:solidFill>
-                <a:ea typeface="맑은 고딕"/>
-              </a:rPr>
-              <a:t>My Turn</a:t>
-            </a:r>
-            <a:endParaRPr lang="ko-KR" altLang="en-US">
-              <a:solidFill>
-                <a:srgbClr val="FFFFFF"/>
-              </a:solidFill>
-              <a:ea typeface="맑은 고딕"/>
-            </a:endParaRPr>
-          </a:p>
-        </p:txBody>
-      </p:sp>
-      <p:sp>
-        <p:nvSpPr>
-          <p:cNvPr id="15" name="모서리가 둥근 직사각형 14"/>
-          <p:cNvSpPr/>
-          <p:nvPr/>
-        </p:nvSpPr>
-        <p:spPr>
-          <a:xfrm>
-            <a:off x="3057986" y="4218692"/>
-            <a:ext cx="1601542" cy="273921"/>
-          </a:xfrm>
-          <a:prstGeom prst="roundRect">
-            <a:avLst/>
-          </a:prstGeom>
-          <a:solidFill>
-            <a:srgbClr val="FF0000"/>
-          </a:solidFill>
-        </p:spPr>
-        <p:style>
-          <a:lnRef idx="2">
-            <a:schemeClr val="accent1">
-              <a:shade val="50000"/>
-            </a:schemeClr>
-          </a:lnRef>
-          <a:fillRef idx="1">
-            <a:schemeClr val="accent1"/>
-          </a:fillRef>
-          <a:effectRef idx="0">
-            <a:schemeClr val="accent1"/>
-          </a:effectRef>
-          <a:fontRef idx="minor">
-            <a:schemeClr val="lt1"/>
-          </a:fontRef>
-        </p:style>
-        <p:txBody>
-          <a:bodyPr rtlCol="0" anchor="ctr"/>
-          <a:lstStyle/>
-          <a:p>
-            <a:pPr algn="ctr"/>
-            <a:r>
-              <a:rPr lang="en-US" altLang="ko-KR" smtClean="0">
-                <a:solidFill>
-                  <a:srgbClr val="FFFFFF"/>
-                </a:solidFill>
-                <a:ea typeface="맑은 고딕"/>
-              </a:rPr>
-              <a:t>Attack Result</a:t>
-            </a:r>
-            <a:endParaRPr lang="ko-KR" altLang="en-US">
-              <a:solidFill>
-                <a:srgbClr val="FFFFFF"/>
-              </a:solidFill>
-              <a:ea typeface="맑은 고딕"/>
-            </a:endParaRPr>
-          </a:p>
-        </p:txBody>
-      </p:sp>
-      <p:sp>
-        <p:nvSpPr>
-          <p:cNvPr id="16" name="모서리가 둥근 직사각형 15"/>
-          <p:cNvSpPr/>
-          <p:nvPr/>
-        </p:nvSpPr>
-        <p:spPr>
-          <a:xfrm>
-            <a:off x="3057985" y="5424108"/>
-            <a:ext cx="1601542" cy="273921"/>
-          </a:xfrm>
-          <a:prstGeom prst="roundRect">
-            <a:avLst/>
-          </a:prstGeom>
-          <a:solidFill>
-            <a:srgbClr val="FF0000"/>
-          </a:solidFill>
-        </p:spPr>
-        <p:style>
-          <a:lnRef idx="2">
-            <a:schemeClr val="accent1">
-              <a:shade val="50000"/>
-            </a:schemeClr>
-          </a:lnRef>
-          <a:fillRef idx="1">
-            <a:schemeClr val="accent1"/>
-          </a:fillRef>
-          <a:effectRef idx="0">
-            <a:schemeClr val="accent1"/>
-          </a:effectRef>
-          <a:fontRef idx="minor">
-            <a:schemeClr val="lt1"/>
-          </a:fontRef>
-        </p:style>
-        <p:txBody>
-          <a:bodyPr rtlCol="0" anchor="ctr"/>
-          <a:lstStyle/>
-          <a:p>
-            <a:pPr algn="ctr"/>
-            <a:r>
-              <a:rPr lang="en-US" altLang="ko-KR" smtClean="0">
-                <a:solidFill>
-                  <a:srgbClr val="FFFFFF"/>
-                </a:solidFill>
-                <a:ea typeface="맑은 고딕"/>
-              </a:rPr>
-              <a:t>Game Over</a:t>
-            </a:r>
-            <a:endParaRPr lang="ko-KR" altLang="en-US">
-              <a:solidFill>
-                <a:srgbClr val="FFFFFF"/>
-              </a:solidFill>
-              <a:ea typeface="맑은 고딕"/>
-            </a:endParaRPr>
-          </a:p>
-        </p:txBody>
-      </p:sp>
-      <p:sp>
-        <p:nvSpPr>
-          <p:cNvPr id="17" name="모서리가 둥근 직사각형 16"/>
-          <p:cNvSpPr/>
-          <p:nvPr/>
-        </p:nvSpPr>
-        <p:spPr>
-          <a:xfrm>
-            <a:off x="3738961" y="6073402"/>
-            <a:ext cx="1601542" cy="273921"/>
-          </a:xfrm>
-          <a:prstGeom prst="roundRect">
-            <a:avLst/>
-          </a:prstGeom>
-          <a:solidFill>
-            <a:srgbClr val="FF0000"/>
-          </a:solidFill>
-        </p:spPr>
-        <p:style>
-          <a:lnRef idx="2">
-            <a:schemeClr val="accent1">
-              <a:shade val="50000"/>
-            </a:schemeClr>
-          </a:lnRef>
-          <a:fillRef idx="1">
-            <a:schemeClr val="accent1"/>
-          </a:fillRef>
-          <a:effectRef idx="0">
-            <a:schemeClr val="accent1"/>
-          </a:effectRef>
-          <a:fontRef idx="minor">
-            <a:schemeClr val="lt1"/>
-          </a:fontRef>
-        </p:style>
-        <p:txBody>
-          <a:bodyPr rtlCol="0" anchor="ctr"/>
-          <a:lstStyle/>
-          <a:p>
-            <a:pPr algn="ctr"/>
-            <a:r>
-              <a:rPr lang="en-US" altLang="ko-KR" smtClean="0">
-                <a:solidFill>
-                  <a:srgbClr val="FFFFFF"/>
-                </a:solidFill>
-                <a:ea typeface="맑은 고딕"/>
-              </a:rPr>
-              <a:t>Over All</a:t>
-            </a:r>
-            <a:endParaRPr lang="ko-KR" altLang="en-US">
-              <a:solidFill>
-                <a:srgbClr val="FFFFFF"/>
-              </a:solidFill>
-              <a:ea typeface="맑은 고딕"/>
-            </a:endParaRPr>
-          </a:p>
-        </p:txBody>
-      </p:sp>
-      <p:sp>
-        <p:nvSpPr>
-          <p:cNvPr id="18" name="모서리가 둥근 직사각형 17"/>
-          <p:cNvSpPr/>
-          <p:nvPr/>
-        </p:nvSpPr>
-        <p:spPr>
-          <a:xfrm>
-            <a:off x="1945021" y="6059482"/>
-            <a:ext cx="1601542" cy="273921"/>
-          </a:xfrm>
-          <a:prstGeom prst="roundRect">
-            <a:avLst/>
-          </a:prstGeom>
-          <a:solidFill>
-            <a:srgbClr val="FF0000"/>
-          </a:solidFill>
-        </p:spPr>
-        <p:style>
-          <a:lnRef idx="2">
-            <a:schemeClr val="accent1">
-              <a:shade val="50000"/>
-            </a:schemeClr>
-          </a:lnRef>
-          <a:fillRef idx="1">
-            <a:schemeClr val="accent1"/>
-          </a:fillRef>
-          <a:effectRef idx="0">
-            <a:schemeClr val="accent1"/>
-          </a:effectRef>
-          <a:fontRef idx="minor">
-            <a:schemeClr val="lt1"/>
-          </a:fontRef>
-        </p:style>
-        <p:txBody>
-          <a:bodyPr rtlCol="0" anchor="ctr"/>
-          <a:lstStyle/>
-          <a:p>
-            <a:pPr algn="ctr"/>
-            <a:r>
-              <a:rPr lang="en-US" altLang="ko-KR" smtClean="0">
-                <a:solidFill>
-                  <a:srgbClr val="FFFFFF"/>
-                </a:solidFill>
-                <a:ea typeface="맑은 고딕"/>
-              </a:rPr>
-              <a:t>Next Game</a:t>
-            </a:r>
-            <a:endParaRPr lang="ko-KR" altLang="en-US">
-              <a:solidFill>
-                <a:srgbClr val="FFFFFF"/>
-              </a:solidFill>
-              <a:ea typeface="맑은 고딕"/>
-            </a:endParaRPr>
-          </a:p>
-        </p:txBody>
-      </p:sp>
-      <p:sp>
-        <p:nvSpPr>
-          <p:cNvPr id="21" name="모서리가 둥근 직사각형 20"/>
-          <p:cNvSpPr/>
-          <p:nvPr/>
-        </p:nvSpPr>
-        <p:spPr>
-          <a:xfrm>
-            <a:off x="3060627" y="4830708"/>
-            <a:ext cx="1601542" cy="273921"/>
-          </a:xfrm>
-          <a:prstGeom prst="roundRect">
-            <a:avLst/>
-          </a:prstGeom>
-          <a:solidFill>
-            <a:srgbClr val="FF0000"/>
-          </a:solidFill>
-        </p:spPr>
-        <p:style>
-          <a:lnRef idx="2">
-            <a:schemeClr val="accent1">
-              <a:shade val="50000"/>
-            </a:schemeClr>
-          </a:lnRef>
-          <a:fillRef idx="1">
-            <a:schemeClr val="accent1"/>
-          </a:fillRef>
-          <a:effectRef idx="0">
-            <a:schemeClr val="accent1"/>
-          </a:effectRef>
-          <a:fontRef idx="minor">
-            <a:schemeClr val="lt1"/>
-          </a:fontRef>
-        </p:style>
-        <p:txBody>
-          <a:bodyPr rtlCol="0" anchor="ctr"/>
-          <a:lstStyle/>
-          <a:p>
-            <a:pPr algn="ctr"/>
-            <a:r>
-              <a:rPr lang="en-US" altLang="ko-KR" smtClean="0">
-                <a:solidFill>
-                  <a:srgbClr val="FFFFFF"/>
-                </a:solidFill>
-                <a:ea typeface="맑은 고딕"/>
-              </a:rPr>
-              <a:t>Attack Result</a:t>
-            </a:r>
-            <a:endParaRPr lang="ko-KR" altLang="en-US">
-              <a:solidFill>
-                <a:srgbClr val="FFFFFF"/>
-              </a:solidFill>
-              <a:ea typeface="맑은 고딕"/>
-            </a:endParaRPr>
-          </a:p>
-        </p:txBody>
-      </p:sp>
-      <p:sp>
-        <p:nvSpPr>
-          <p:cNvPr id="3" name="오른쪽 중괄호 2"/>
-          <p:cNvSpPr/>
-          <p:nvPr/>
-        </p:nvSpPr>
-        <p:spPr>
-          <a:xfrm>
-            <a:off x="4843849" y="3344004"/>
-            <a:ext cx="630194" cy="2080104"/>
-          </a:xfrm>
-          <a:prstGeom prst="rightBrace">
-            <a:avLst/>
-          </a:prstGeom>
-          <a:ln w="57150"/>
-        </p:spPr>
-        <p:style>
-          <a:lnRef idx="1">
-            <a:schemeClr val="accent1"/>
-          </a:lnRef>
-          <a:fillRef idx="0">
-            <a:schemeClr val="accent1"/>
-          </a:fillRef>
-          <a:effectRef idx="0">
-            <a:schemeClr val="accent1"/>
-          </a:effectRef>
-          <a:fontRef idx="minor">
-            <a:schemeClr val="tx1"/>
-          </a:fontRef>
-        </p:style>
-        <p:txBody>
-          <a:bodyPr rtlCol="0" anchor="ctr"/>
-          <a:lstStyle/>
-          <a:p>
-            <a:pPr algn="ctr"/>
-            <a:endParaRPr lang="ko-KR" altLang="en-US"/>
-          </a:p>
-        </p:txBody>
-      </p:sp>
-      <p:sp>
-        <p:nvSpPr>
-          <p:cNvPr id="9" name="TextBox 8"/>
-          <p:cNvSpPr txBox="1"/>
-          <p:nvPr/>
-        </p:nvSpPr>
-        <p:spPr>
-          <a:xfrm>
-            <a:off x="4979773" y="4170016"/>
-            <a:ext cx="2384854" cy="646331"/>
-          </a:xfrm>
-          <a:prstGeom prst="rect">
-            <a:avLst/>
-          </a:prstGeom>
-          <a:ln w="57150"/>
-        </p:spPr>
-        <p:style>
-          <a:lnRef idx="2">
-            <a:schemeClr val="accent1"/>
-          </a:lnRef>
-          <a:fillRef idx="1">
-            <a:schemeClr val="lt1"/>
-          </a:fillRef>
-          <a:effectRef idx="0">
-            <a:schemeClr val="accent1"/>
-          </a:effectRef>
-          <a:fontRef idx="minor">
-            <a:schemeClr val="dk1"/>
-          </a:fontRef>
-        </p:style>
-        <p:txBody>
-          <a:bodyPr wrap="square" rtlCol="0">
-            <a:spAutoFit/>
-          </a:bodyPr>
-          <a:lstStyle/>
-          <a:p>
-            <a:r>
-              <a:rPr lang="en-US" altLang="ko-KR" smtClean="0"/>
-              <a:t>		</a:t>
-            </a:r>
-            <a:r>
-              <a:rPr lang="ko-KR" altLang="en-US" smtClean="0"/>
-              <a:t>가</a:t>
-            </a:r>
-            <a:endParaRPr lang="en-US" altLang="ko-KR"/>
-          </a:p>
-          <a:p>
-            <a:r>
-              <a:rPr lang="ko-KR" altLang="en-US" smtClean="0"/>
-              <a:t>올때까지 계속</a:t>
-            </a:r>
-            <a:r>
-              <a:rPr lang="en-US" altLang="ko-KR"/>
-              <a:t> </a:t>
-            </a:r>
-            <a:r>
-              <a:rPr lang="ko-KR" altLang="en-US" smtClean="0"/>
-              <a:t>반복</a:t>
-            </a:r>
-            <a:endParaRPr lang="ko-KR" altLang="en-US"/>
-          </a:p>
-        </p:txBody>
-      </p:sp>
-      <p:sp>
-        <p:nvSpPr>
-          <p:cNvPr id="23" name="모서리가 둥근 직사각형 22"/>
-          <p:cNvSpPr/>
-          <p:nvPr/>
-        </p:nvSpPr>
-        <p:spPr>
-          <a:xfrm>
-            <a:off x="5158946" y="4209946"/>
-            <a:ext cx="1601542" cy="273921"/>
-          </a:xfrm>
-          <a:prstGeom prst="roundRect">
-            <a:avLst/>
-          </a:prstGeom>
-          <a:solidFill>
-            <a:srgbClr val="FF0000"/>
-          </a:solidFill>
-        </p:spPr>
-        <p:style>
-          <a:lnRef idx="2">
-            <a:schemeClr val="accent1">
-              <a:shade val="50000"/>
-            </a:schemeClr>
-          </a:lnRef>
-          <a:fillRef idx="1">
-            <a:schemeClr val="accent1"/>
-          </a:fillRef>
-          <a:effectRef idx="0">
-            <a:schemeClr val="accent1"/>
-          </a:effectRef>
-          <a:fontRef idx="minor">
-            <a:schemeClr val="lt1"/>
-          </a:fontRef>
-        </p:style>
-        <p:txBody>
-          <a:bodyPr rtlCol="0" anchor="ctr"/>
-          <a:lstStyle/>
-          <a:p>
-            <a:pPr algn="ctr"/>
-            <a:r>
-              <a:rPr lang="en-US" altLang="ko-KR" smtClean="0">
-                <a:solidFill>
-                  <a:srgbClr val="FFFFFF"/>
-                </a:solidFill>
-                <a:ea typeface="맑은 고딕"/>
-              </a:rPr>
-              <a:t>Game Over</a:t>
-            </a:r>
-            <a:endParaRPr lang="ko-KR" altLang="en-US">
-              <a:solidFill>
-                <a:srgbClr val="FFFFFF"/>
-              </a:solidFill>
-              <a:ea typeface="맑은 고딕"/>
-            </a:endParaRPr>
-          </a:p>
-        </p:txBody>
-      </p:sp>
-      <p:cxnSp>
-        <p:nvCxnSpPr>
-          <p:cNvPr id="11" name="직선 화살표 연결선 10"/>
-          <p:cNvCxnSpPr/>
-          <p:nvPr/>
-        </p:nvCxnSpPr>
-        <p:spPr>
-          <a:xfrm flipH="1">
-            <a:off x="4421839" y="2489945"/>
-            <a:ext cx="1115868" cy="1014030"/>
-          </a:xfrm>
-          <a:prstGeom prst="straightConnector1">
-            <a:avLst/>
-          </a:prstGeom>
-          <a:ln w="57150">
-            <a:solidFill>
-              <a:srgbClr val="FFC000"/>
-            </a:solidFill>
-            <a:prstDash val="sysDot"/>
-            <a:tailEnd type="arrow"/>
-          </a:ln>
-        </p:spPr>
-        <p:style>
-          <a:lnRef idx="1">
-            <a:schemeClr val="accent1"/>
-          </a:lnRef>
-          <a:fillRef idx="0">
-            <a:schemeClr val="accent1"/>
-          </a:fillRef>
-          <a:effectRef idx="0">
-            <a:schemeClr val="accent1"/>
-          </a:effectRef>
-          <a:fontRef idx="minor">
-            <a:schemeClr val="tx1"/>
-          </a:fontRef>
-        </p:style>
-      </p:cxnSp>
-      <p:sp>
-        <p:nvSpPr>
-          <p:cNvPr id="12" name="직사각형 11"/>
-          <p:cNvSpPr/>
-          <p:nvPr/>
-        </p:nvSpPr>
-        <p:spPr>
-          <a:xfrm>
-            <a:off x="5599492" y="1732323"/>
-            <a:ext cx="2728963" cy="2144873"/>
-          </a:xfrm>
-          <a:prstGeom prst="rect">
-            <a:avLst/>
-          </a:prstGeom>
-          <a:solidFill>
-            <a:schemeClr val="bg1"/>
-          </a:solidFill>
-          <a:ln w="38100">
-            <a:solidFill>
-              <a:srgbClr val="FFC000"/>
-            </a:solidFill>
-            <a:prstDash val="dash"/>
-          </a:ln>
-        </p:spPr>
-        <p:style>
-          <a:lnRef idx="2">
-            <a:schemeClr val="accent1">
-              <a:shade val="50000"/>
-            </a:schemeClr>
-          </a:lnRef>
-          <a:fillRef idx="1">
-            <a:schemeClr val="accent1"/>
-          </a:fillRef>
-          <a:effectRef idx="0">
-            <a:schemeClr val="accent1"/>
-          </a:effectRef>
-          <a:fontRef idx="minor">
-            <a:schemeClr val="lt1"/>
-          </a:fontRef>
-        </p:style>
-        <p:txBody>
-          <a:bodyPr rtlCol="0" anchor="ctr"/>
-          <a:lstStyle/>
-          <a:p>
-            <a:pPr algn="ctr"/>
-            <a:r>
-              <a:rPr lang="ko-KR" altLang="en-US" smtClean="0">
-                <a:solidFill>
-                  <a:schemeClr val="tx1"/>
-                </a:solidFill>
-              </a:rPr>
-              <a:t>상대방이 선공이면</a:t>
-            </a:r>
-            <a:endParaRPr lang="en-US" altLang="ko-KR" smtClean="0">
-              <a:solidFill>
-                <a:schemeClr val="tx1"/>
-              </a:solidFill>
-            </a:endParaRPr>
-          </a:p>
-          <a:p>
-            <a:pPr algn="ctr"/>
-            <a:endParaRPr lang="en-US" altLang="ko-KR">
-              <a:solidFill>
-                <a:schemeClr val="tx1"/>
-              </a:solidFill>
-            </a:endParaRPr>
-          </a:p>
-          <a:p>
-            <a:pPr algn="ctr"/>
-            <a:endParaRPr lang="en-US" altLang="ko-KR" smtClean="0">
-              <a:solidFill>
-                <a:schemeClr val="tx1"/>
-              </a:solidFill>
-            </a:endParaRPr>
-          </a:p>
-          <a:p>
-            <a:pPr algn="ctr"/>
-            <a:endParaRPr lang="en-US" altLang="ko-KR">
-              <a:solidFill>
-                <a:schemeClr val="tx1"/>
-              </a:solidFill>
-            </a:endParaRPr>
-          </a:p>
-          <a:p>
-            <a:pPr algn="ctr"/>
-            <a:endParaRPr lang="en-US" altLang="ko-KR">
-              <a:solidFill>
-                <a:schemeClr val="tx1"/>
-              </a:solidFill>
-            </a:endParaRPr>
-          </a:p>
-          <a:p>
-            <a:pPr algn="ctr"/>
-            <a:endParaRPr lang="en-US" altLang="ko-KR" smtClean="0">
-              <a:solidFill>
-                <a:schemeClr val="tx1"/>
-              </a:solidFill>
-            </a:endParaRPr>
-          </a:p>
-          <a:p>
-            <a:pPr algn="ctr"/>
-            <a:r>
-              <a:rPr lang="ko-KR" altLang="en-US" smtClean="0">
-                <a:solidFill>
-                  <a:schemeClr val="tx1"/>
-                </a:solidFill>
-              </a:rPr>
-              <a:t>순서 반대로</a:t>
-            </a:r>
-            <a:r>
-              <a:rPr lang="en-US" altLang="ko-KR" smtClean="0">
-                <a:solidFill>
-                  <a:schemeClr val="tx1"/>
-                </a:solidFill>
-              </a:rPr>
-              <a:t>!</a:t>
-            </a:r>
-          </a:p>
-        </p:txBody>
-      </p:sp>
-      <p:sp>
-        <p:nvSpPr>
-          <p:cNvPr id="24" name="직사각형 23"/>
-          <p:cNvSpPr/>
-          <p:nvPr/>
-        </p:nvSpPr>
-        <p:spPr>
-          <a:xfrm>
-            <a:off x="5628421" y="2223111"/>
-            <a:ext cx="2597400" cy="478329"/>
-          </a:xfrm>
-          <a:prstGeom prst="rect">
-            <a:avLst/>
-          </a:prstGeom>
-        </p:spPr>
-        <p:style>
-          <a:lnRef idx="1">
-            <a:schemeClr val="accent3"/>
-          </a:lnRef>
-          <a:fillRef idx="2">
-            <a:schemeClr val="accent3"/>
-          </a:fillRef>
-          <a:effectRef idx="1">
-            <a:schemeClr val="accent3"/>
-          </a:effectRef>
-          <a:fontRef idx="minor">
-            <a:schemeClr val="dk1"/>
-          </a:fontRef>
-        </p:style>
-        <p:txBody>
-          <a:bodyPr rtlCol="0" anchor="ctr"/>
-          <a:lstStyle/>
-          <a:p>
-            <a:pPr algn="ctr"/>
-            <a:endParaRPr lang="ko-KR" altLang="en-US" sz="1050"/>
-          </a:p>
-        </p:txBody>
-      </p:sp>
-      <p:sp>
-        <p:nvSpPr>
-          <p:cNvPr id="25" name="직사각형 24"/>
-          <p:cNvSpPr/>
-          <p:nvPr/>
-        </p:nvSpPr>
-        <p:spPr>
-          <a:xfrm>
-            <a:off x="5628421" y="2781156"/>
-            <a:ext cx="2597400" cy="638337"/>
-          </a:xfrm>
-          <a:prstGeom prst="rect">
-            <a:avLst/>
-          </a:prstGeom>
-        </p:spPr>
-        <p:style>
-          <a:lnRef idx="1">
-            <a:schemeClr val="accent3"/>
-          </a:lnRef>
-          <a:fillRef idx="2">
-            <a:schemeClr val="accent3"/>
-          </a:fillRef>
-          <a:effectRef idx="1">
-            <a:schemeClr val="accent3"/>
-          </a:effectRef>
-          <a:fontRef idx="minor">
-            <a:schemeClr val="dk1"/>
-          </a:fontRef>
-        </p:style>
-        <p:txBody>
-          <a:bodyPr rtlCol="0" anchor="ctr"/>
-          <a:lstStyle/>
-          <a:p>
-            <a:pPr algn="ctr"/>
-            <a:endParaRPr lang="ko-KR" altLang="en-US" sz="1050"/>
-          </a:p>
-        </p:txBody>
-      </p:sp>
-      <p:sp>
-        <p:nvSpPr>
-          <p:cNvPr id="26" name="모서리가 둥근 직사각형 25"/>
-          <p:cNvSpPr/>
-          <p:nvPr/>
-        </p:nvSpPr>
-        <p:spPr>
-          <a:xfrm>
-            <a:off x="5628421" y="3017439"/>
-            <a:ext cx="1392534" cy="171364"/>
-          </a:xfrm>
-          <a:prstGeom prst="roundRect">
-            <a:avLst/>
-          </a:prstGeom>
-        </p:spPr>
-        <p:style>
-          <a:lnRef idx="2">
-            <a:schemeClr val="accent1">
-              <a:shade val="50000"/>
-            </a:schemeClr>
-          </a:lnRef>
-          <a:fillRef idx="1">
-            <a:schemeClr val="accent1"/>
-          </a:fillRef>
-          <a:effectRef idx="0">
-            <a:schemeClr val="accent1"/>
-          </a:effectRef>
-          <a:fontRef idx="minor">
-            <a:schemeClr val="lt1"/>
-          </a:fontRef>
-        </p:style>
-        <p:txBody>
-          <a:bodyPr rtlCol="0" anchor="ctr"/>
-          <a:lstStyle/>
-          <a:p>
-            <a:pPr algn="ctr"/>
-            <a:r>
-              <a:rPr lang="en-US" altLang="ko-KR" sz="1050">
-                <a:ea typeface="맑은 고딕"/>
-              </a:rPr>
-              <a:t>Submit Attack</a:t>
-            </a:r>
-            <a:endParaRPr lang="ko-KR" altLang="en-US" sz="1050">
-              <a:ea typeface="맑은 고딕"/>
-            </a:endParaRPr>
-          </a:p>
-        </p:txBody>
-      </p:sp>
-      <p:sp>
-        <p:nvSpPr>
-          <p:cNvPr id="27" name="모서리가 둥근 직사각형 26"/>
-          <p:cNvSpPr/>
-          <p:nvPr/>
-        </p:nvSpPr>
-        <p:spPr>
-          <a:xfrm>
-            <a:off x="7042219" y="2877683"/>
-            <a:ext cx="1001921" cy="171364"/>
-          </a:xfrm>
-          <a:prstGeom prst="roundRect">
-            <a:avLst/>
-          </a:prstGeom>
-          <a:solidFill>
-            <a:srgbClr val="FF0000"/>
-          </a:solidFill>
-        </p:spPr>
-        <p:style>
-          <a:lnRef idx="2">
-            <a:schemeClr val="accent1">
-              <a:shade val="50000"/>
-            </a:schemeClr>
-          </a:lnRef>
-          <a:fillRef idx="1">
-            <a:schemeClr val="accent1"/>
-          </a:fillRef>
-          <a:effectRef idx="0">
-            <a:schemeClr val="accent1"/>
-          </a:effectRef>
-          <a:fontRef idx="minor">
-            <a:schemeClr val="lt1"/>
-          </a:fontRef>
-        </p:style>
-        <p:txBody>
-          <a:bodyPr rtlCol="0" anchor="ctr"/>
-          <a:lstStyle/>
-          <a:p>
-            <a:pPr algn="ctr"/>
-            <a:r>
-              <a:rPr lang="en-US" altLang="ko-KR" sz="1050" smtClean="0">
-                <a:solidFill>
-                  <a:srgbClr val="FFFFFF"/>
-                </a:solidFill>
-                <a:ea typeface="맑은 고딕"/>
-              </a:rPr>
-              <a:t>My Turn</a:t>
-            </a:r>
-            <a:endParaRPr lang="ko-KR" altLang="en-US" sz="1050">
-              <a:solidFill>
-                <a:srgbClr val="FFFFFF"/>
-              </a:solidFill>
-              <a:ea typeface="맑은 고딕"/>
-            </a:endParaRPr>
-          </a:p>
-        </p:txBody>
-      </p:sp>
-      <p:sp>
-        <p:nvSpPr>
-          <p:cNvPr id="28" name="모서리가 둥근 직사각형 27"/>
-          <p:cNvSpPr/>
-          <p:nvPr/>
-        </p:nvSpPr>
-        <p:spPr>
-          <a:xfrm>
-            <a:off x="7042219" y="3185279"/>
-            <a:ext cx="1001921" cy="171364"/>
-          </a:xfrm>
-          <a:prstGeom prst="roundRect">
-            <a:avLst/>
-          </a:prstGeom>
-          <a:solidFill>
-            <a:srgbClr val="FF0000"/>
-          </a:solidFill>
-        </p:spPr>
-        <p:style>
-          <a:lnRef idx="2">
-            <a:schemeClr val="accent1">
-              <a:shade val="50000"/>
-            </a:schemeClr>
-          </a:lnRef>
-          <a:fillRef idx="1">
-            <a:schemeClr val="accent1"/>
-          </a:fillRef>
-          <a:effectRef idx="0">
-            <a:schemeClr val="accent1"/>
-          </a:effectRef>
-          <a:fontRef idx="minor">
-            <a:schemeClr val="lt1"/>
-          </a:fontRef>
-        </p:style>
-        <p:txBody>
-          <a:bodyPr rtlCol="0" anchor="ctr"/>
-          <a:lstStyle/>
-          <a:p>
-            <a:pPr algn="ctr"/>
-            <a:r>
-              <a:rPr lang="en-US" altLang="ko-KR" sz="1050" smtClean="0">
-                <a:solidFill>
-                  <a:srgbClr val="FFFFFF"/>
-                </a:solidFill>
-                <a:ea typeface="맑은 고딕"/>
-              </a:rPr>
-              <a:t>Attack Result</a:t>
-            </a:r>
-            <a:endParaRPr lang="ko-KR" altLang="en-US" sz="1050">
-              <a:solidFill>
-                <a:srgbClr val="FFFFFF"/>
-              </a:solidFill>
-              <a:ea typeface="맑은 고딕"/>
-            </a:endParaRPr>
-          </a:p>
-        </p:txBody>
-      </p:sp>
-      <p:sp>
-        <p:nvSpPr>
-          <p:cNvPr id="29" name="모서리가 둥근 직사각형 28"/>
-          <p:cNvSpPr/>
-          <p:nvPr/>
-        </p:nvSpPr>
-        <p:spPr>
-          <a:xfrm>
-            <a:off x="7042219" y="2284740"/>
-            <a:ext cx="1001921" cy="171364"/>
-          </a:xfrm>
-          <a:prstGeom prst="roundRect">
-            <a:avLst/>
-          </a:prstGeom>
-          <a:solidFill>
-            <a:srgbClr val="FF0000"/>
-          </a:solidFill>
-        </p:spPr>
-        <p:style>
-          <a:lnRef idx="2">
-            <a:schemeClr val="accent1">
-              <a:shade val="50000"/>
-            </a:schemeClr>
-          </a:lnRef>
-          <a:fillRef idx="1">
-            <a:schemeClr val="accent1"/>
-          </a:fillRef>
-          <a:effectRef idx="0">
-            <a:schemeClr val="accent1"/>
-          </a:effectRef>
-          <a:fontRef idx="minor">
-            <a:schemeClr val="lt1"/>
-          </a:fontRef>
-        </p:style>
-        <p:txBody>
-          <a:bodyPr rtlCol="0" anchor="ctr"/>
-          <a:lstStyle/>
-          <a:p>
-            <a:pPr algn="ctr"/>
-            <a:r>
-              <a:rPr lang="en-US" altLang="ko-KR" sz="1050" smtClean="0">
-                <a:solidFill>
-                  <a:srgbClr val="FFFFFF"/>
-                </a:solidFill>
-                <a:ea typeface="맑은 고딕"/>
-              </a:rPr>
-              <a:t>Attack Result</a:t>
-            </a:r>
-            <a:endParaRPr lang="ko-KR" altLang="en-US" sz="1050">
-              <a:solidFill>
-                <a:srgbClr val="FFFFFF"/>
-              </a:solidFill>
-              <a:ea typeface="맑은 고딕"/>
-            </a:endParaRPr>
-          </a:p>
-        </p:txBody>
-      </p:sp>
-      <p:cxnSp>
-        <p:nvCxnSpPr>
-          <p:cNvPr id="19" name="직선 화살표 연결선 18"/>
-          <p:cNvCxnSpPr>
-            <a:stCxn id="16" idx="2"/>
-          </p:cNvCxnSpPr>
-          <p:nvPr/>
-        </p:nvCxnSpPr>
-        <p:spPr>
-          <a:xfrm flipH="1">
-            <a:off x="3422822" y="5698029"/>
-            <a:ext cx="435934" cy="361453"/>
-          </a:xfrm>
-          <a:prstGeom prst="straightConnector1">
-            <a:avLst/>
-          </a:prstGeom>
-          <a:ln w="57150">
-            <a:solidFill>
-              <a:srgbClr val="FF0000"/>
-            </a:solidFill>
-            <a:tailEnd type="arrow"/>
-          </a:ln>
-        </p:spPr>
-        <p:style>
-          <a:lnRef idx="1">
-            <a:schemeClr val="accent1"/>
-          </a:lnRef>
-          <a:fillRef idx="0">
-            <a:schemeClr val="accent1"/>
-          </a:fillRef>
-          <a:effectRef idx="0">
-            <a:schemeClr val="accent1"/>
-          </a:effectRef>
-          <a:fontRef idx="minor">
-            <a:schemeClr val="tx1"/>
-          </a:fontRef>
-        </p:style>
-      </p:cxnSp>
-      <p:cxnSp>
-        <p:nvCxnSpPr>
-          <p:cNvPr id="30" name="직선 화살표 연결선 29"/>
-          <p:cNvCxnSpPr>
-            <a:stCxn id="16" idx="2"/>
-          </p:cNvCxnSpPr>
-          <p:nvPr/>
-        </p:nvCxnSpPr>
-        <p:spPr>
-          <a:xfrm>
-            <a:off x="3858756" y="5698029"/>
-            <a:ext cx="206617" cy="361453"/>
-          </a:xfrm>
-          <a:prstGeom prst="straightConnector1">
-            <a:avLst/>
-          </a:prstGeom>
-          <a:ln w="57150">
-            <a:solidFill>
-              <a:srgbClr val="FF0000"/>
-            </a:solidFill>
-            <a:tailEnd type="arrow"/>
-          </a:ln>
-        </p:spPr>
-        <p:style>
-          <a:lnRef idx="1">
-            <a:schemeClr val="accent1"/>
-          </a:lnRef>
-          <a:fillRef idx="0">
-            <a:schemeClr val="accent1"/>
-          </a:fillRef>
-          <a:effectRef idx="0">
-            <a:schemeClr val="accent1"/>
-          </a:effectRef>
-          <a:fontRef idx="minor">
-            <a:schemeClr val="tx1"/>
-          </a:fontRef>
-        </p:style>
-      </p:cxnSp>
-      <p:cxnSp>
-        <p:nvCxnSpPr>
-          <p:cNvPr id="35" name="꺾인 연결선 34"/>
-          <p:cNvCxnSpPr>
-            <a:stCxn id="18" idx="1"/>
-            <a:endCxn id="8" idx="1"/>
-          </p:cNvCxnSpPr>
-          <p:nvPr/>
-        </p:nvCxnSpPr>
-        <p:spPr>
-          <a:xfrm rot="10800000">
-            <a:off x="832061" y="3207045"/>
-            <a:ext cx="1112961" cy="2989399"/>
-          </a:xfrm>
-          <a:prstGeom prst="bentConnector3">
-            <a:avLst>
-              <a:gd name="adj1" fmla="val 150517"/>
-            </a:avLst>
-          </a:prstGeom>
-          <a:ln w="76200">
-            <a:tailEnd type="arrow"/>
-          </a:ln>
-        </p:spPr>
-        <p:style>
-          <a:lnRef idx="1">
-            <a:schemeClr val="accent1"/>
-          </a:lnRef>
-          <a:fillRef idx="0">
-            <a:schemeClr val="accent1"/>
-          </a:fillRef>
-          <a:effectRef idx="0">
-            <a:schemeClr val="accent1"/>
-          </a:effectRef>
-          <a:fontRef idx="minor">
-            <a:schemeClr val="tx1"/>
-          </a:fontRef>
-        </p:style>
-      </p:cxnSp>
-      <p:cxnSp>
-        <p:nvCxnSpPr>
-          <p:cNvPr id="40" name="직선 화살표 연결선 39"/>
-          <p:cNvCxnSpPr>
-            <a:stCxn id="17" idx="3"/>
-          </p:cNvCxnSpPr>
-          <p:nvPr/>
-        </p:nvCxnSpPr>
-        <p:spPr>
-          <a:xfrm flipV="1">
-            <a:off x="5340503" y="6196442"/>
-            <a:ext cx="1159151" cy="13921"/>
-          </a:xfrm>
-          <a:prstGeom prst="straightConnector1">
-            <a:avLst/>
-          </a:prstGeom>
-          <a:ln w="57150">
-            <a:solidFill>
-              <a:srgbClr val="FF0000"/>
-            </a:solidFill>
-            <a:tailEnd type="arrow"/>
-          </a:ln>
-        </p:spPr>
-        <p:style>
-          <a:lnRef idx="1">
-            <a:schemeClr val="accent1"/>
-          </a:lnRef>
-          <a:fillRef idx="0">
-            <a:schemeClr val="accent1"/>
-          </a:fillRef>
-          <a:effectRef idx="0">
-            <a:schemeClr val="accent1"/>
-          </a:effectRef>
-          <a:fontRef idx="minor">
-            <a:schemeClr val="tx1"/>
-          </a:fontRef>
-        </p:style>
-      </p:cxnSp>
-      <p:sp>
-        <p:nvSpPr>
-          <p:cNvPr id="41" name="TextBox 40"/>
-          <p:cNvSpPr txBox="1"/>
-          <p:nvPr/>
-        </p:nvSpPr>
-        <p:spPr>
-          <a:xfrm>
-            <a:off x="6499654" y="6011776"/>
-            <a:ext cx="1828801" cy="369332"/>
-          </a:xfrm>
-          <a:prstGeom prst="rect">
-            <a:avLst/>
-          </a:prstGeom>
-          <a:noFill/>
-          <a:ln w="19050">
-            <a:solidFill>
-              <a:srgbClr val="FF0000"/>
-            </a:solidFill>
-          </a:ln>
-        </p:spPr>
-        <p:txBody>
-          <a:bodyPr wrap="square" rtlCol="0">
-            <a:spAutoFit/>
-          </a:bodyPr>
-          <a:lstStyle/>
-          <a:p>
-            <a:r>
-              <a:rPr lang="ko-KR" altLang="en-US" smtClean="0"/>
-              <a:t>겜 끝</a:t>
-            </a:r>
-            <a:r>
-              <a:rPr lang="en-US" altLang="ko-KR" smtClean="0"/>
-              <a:t>! </a:t>
-            </a:r>
-            <a:r>
-              <a:rPr lang="ko-KR" altLang="en-US" smtClean="0"/>
-              <a:t>ㅅㄱㅇ</a:t>
-            </a:r>
-            <a:r>
-              <a:rPr lang="en-US" altLang="ko-KR" smtClean="0"/>
-              <a:t>~</a:t>
-            </a:r>
-            <a:endParaRPr lang="ko-KR" altLang="en-US"/>
           </a:p>
         </p:txBody>
       </p:sp>
     </p:spTree>
     <p:extLst>
       <p:ext uri="{BB962C8B-B14F-4D97-AF65-F5344CB8AC3E}">
-        <p14:creationId xmlns:p14="http://schemas.microsoft.com/office/powerpoint/2010/main" val="3715073664"/>
+        <p14:creationId xmlns:p14="http://schemas.microsoft.com/office/powerpoint/2010/main" val="2149991316"/>
       </p:ext>
     </p:extLst>
   </p:cSld>
